--- a/Soutenance_SuperLOL_Presentation.pptx
+++ b/Soutenance_SuperLOL_Presentation.pptx
@@ -1,23 +1,23 @@
 
 <file path=ppt/presentation.xml><?xml version="1.0" encoding="utf-8"?>
-<p:presentation xmlns:a="http://schemas.openxmlformats.org/drawingml/2006/main" xmlns:r="http://schemas.openxmlformats.org/officeDocument/2006/relationships" xmlns:p="http://schemas.openxmlformats.org/presentationml/2006/main" saveSubsetFonts="1" autoCompressPictures="0">
+<p:presentation xmlns:a="http://schemas.openxmlformats.org/drawingml/2006/main" xmlns:r="http://schemas.openxmlformats.org/officeDocument/2006/relationships" xmlns:p="http://schemas.openxmlformats.org/presentationml/2006/main" autoCompressPictures="0">
   <p:sldMasterIdLst>
-    <p:sldMasterId id="2147483650" r:id="rId1"/>
+    <p:sldMasterId id="2147483648" r:id="rId1"/>
   </p:sldMasterIdLst>
   <p:notesMasterIdLst>
-    <p:notesMasterId r:id="rId12"/>
+    <p:notesMasterId r:id="rId5"/>
   </p:notesMasterIdLst>
   <p:sldIdLst>
-    <p:sldId id="267" r:id="rId2"/>
-    <p:sldId id="266" r:id="rId3"/>
-    <p:sldId id="258" r:id="rId4"/>
-    <p:sldId id="259" r:id="rId5"/>
-    <p:sldId id="260" r:id="rId6"/>
-    <p:sldId id="261" r:id="rId7"/>
-    <p:sldId id="262" r:id="rId8"/>
-    <p:sldId id="263" r:id="rId9"/>
-    <p:sldId id="264" r:id="rId10"/>
-    <p:sldId id="265" r:id="rId11"/>
+    <p:sldId id="267" r:id="rId3"/>
+    <p:sldId id="266" r:id="rId4"/>
+    <p:sldId id="258" r:id="rId6"/>
+    <p:sldId id="259" r:id="rId7"/>
+    <p:sldId id="260" r:id="rId8"/>
+    <p:sldId id="261" r:id="rId9"/>
+    <p:sldId id="262" r:id="rId10"/>
+    <p:sldId id="263" r:id="rId11"/>
+    <p:sldId id="264" r:id="rId12"/>
+    <p:sldId id="265" r:id="rId13"/>
   </p:sldIdLst>
   <p:sldSz cx="12192000" cy="6858000"/>
   <p:notesSz cx="6858000" cy="12192000"/>
@@ -116,11 +116,6 @@
       </a:defRPr>
     </a:lvl9pPr>
   </p:defaultTextStyle>
-  <p:extLst>
-    <p:ext uri="{EFAFB233-063F-42B5-8137-9DF3F51BA10A}">
-      <p15:sldGuideLst xmlns:p15="http://schemas.microsoft.com/office/powerpoint/2012/main"/>
-    </p:ext>
-  </p:extLst>
 </p:presentation>
 </file>
 
@@ -147,11 +142,6 @@
         </a:xfrm>
       </p:grpSpPr>
     </p:spTree>
-    <p:extLst>
-      <p:ext uri="{BB962C8B-B14F-4D97-AF65-F5344CB8AC3E}">
-        <p14:creationId xmlns:p14="http://schemas.microsoft.com/office/powerpoint/2010/main" val="2887981354"/>
-      </p:ext>
-    </p:extLst>
   </p:cSld>
   <p:clrMap bg1="lt1" tx1="dk1" bg2="lt2" tx2="dk2" accent1="accent1" accent2="accent2" accent3="accent3" accent4="accent4" accent5="accent5" accent6="accent6" hlink="hlink" folHlink="folHlink"/>
   <p:notesStyle>
@@ -254,13 +244,7 @@
   <p:cSld>
     <p:spTree>
       <p:nvGrpSpPr>
-        <p:cNvPr id="1" name="">
-          <a:extLst>
-            <a:ext uri="{FF2B5EF4-FFF2-40B4-BE49-F238E27FC236}">
-              <a16:creationId xmlns:a16="http://schemas.microsoft.com/office/drawing/2014/main" id="{391C5ED3-067C-8782-BF4D-0B9736FC2B57}"/>
-            </a:ext>
-          </a:extLst>
-        </p:cNvPr>
+        <p:cNvPr id="1" name=""/>
         <p:cNvGrpSpPr/>
         <p:nvPr/>
       </p:nvGrpSpPr>
@@ -274,13 +258,7 @@
       </p:grpSpPr>
       <p:sp>
         <p:nvSpPr>
-          <p:cNvPr id="2" name="Slide Image Placeholder 1">
-            <a:extLst>
-              <a:ext uri="{FF2B5EF4-FFF2-40B4-BE49-F238E27FC236}">
-                <a16:creationId xmlns:a16="http://schemas.microsoft.com/office/drawing/2014/main" id="{FCEC68AF-0733-66E5-DC41-28927662B8C7}"/>
-              </a:ext>
-            </a:extLst>
-          </p:cNvPr>
+          <p:cNvPr id="2" name="Slide Image Placeholder 1"/>
           <p:cNvSpPr>
             <a:spLocks noGrp="1" noRot="1" noChangeAspect="1"/>
           </p:cNvSpPr>
@@ -292,13 +270,7 @@
       </p:sp>
       <p:sp>
         <p:nvSpPr>
-          <p:cNvPr id="3" name="Notes Placeholder 2">
-            <a:extLst>
-              <a:ext uri="{FF2B5EF4-FFF2-40B4-BE49-F238E27FC236}">
-                <a16:creationId xmlns:a16="http://schemas.microsoft.com/office/drawing/2014/main" id="{2E979848-53AD-3F30-764B-6F24C79D03F4}"/>
-              </a:ext>
-            </a:extLst>
-          </p:cNvPr>
+          <p:cNvPr id="3" name="Notes Placeholder 2"/>
           <p:cNvSpPr>
             <a:spLocks noGrp="1"/>
           </p:cNvSpPr>
@@ -317,18 +289,13 @@
 [Sources]
 - Capture des attentes fournie par l'utilisateur (image)</a:t>
             </a:r>
-          </a:p>
-        </p:txBody>
-      </p:sp>
-      <p:sp>
-        <p:nvSpPr>
-          <p:cNvPr id="4" name="Slide Number Placeholder 3">
-            <a:extLst>
-              <a:ext uri="{FF2B5EF4-FFF2-40B4-BE49-F238E27FC236}">
-                <a16:creationId xmlns:a16="http://schemas.microsoft.com/office/drawing/2014/main" id="{B4AE3CD5-F382-7B1E-0C8E-101EEB072DE1}"/>
-              </a:ext>
-            </a:extLst>
-          </p:cNvPr>
+            <a:endParaRPr lang="en-US" dirty="0"/>
+          </a:p>
+        </p:txBody>
+      </p:sp>
+      <p:sp>
+        <p:nvSpPr>
+          <p:cNvPr id="4" name="Slide Number Placeholder 3"/>
           <p:cNvSpPr>
             <a:spLocks noGrp="1"/>
           </p:cNvSpPr>
@@ -343,18 +310,12 @@
           <a:p>
             <a:fld id="{F7021451-1387-4CA6-816F-3879F97B5CBC}" type="slidenum">
               <a:rPr lang="en-US"/>
-              <a:t>2</a:t>
             </a:fld>
             <a:endParaRPr lang="en-US"/>
           </a:p>
         </p:txBody>
       </p:sp>
     </p:spTree>
-    <p:extLst>
-      <p:ext uri="{BB962C8B-B14F-4D97-AF65-F5344CB8AC3E}">
-        <p14:creationId xmlns:p14="http://schemas.microsoft.com/office/powerpoint/2010/main" val="1579771042"/>
-      </p:ext>
-    </p:extLst>
   </p:cSld>
   <p:clrMapOvr>
     <a:masterClrMapping/>
@@ -411,6 +372,7 @@
               <a:t>[Sources]
 - Code: data_base_riot.py, ingame_tab.py, interface.py (imports + logique de backoff)</a:t>
             </a:r>
+            <a:endParaRPr lang="en-US" dirty="0"/>
           </a:p>
         </p:txBody>
       </p:sp>
@@ -431,18 +393,12 @@
           <a:p>
             <a:fld id="{F7021451-1387-4CA6-816F-3879F97B5CBC}" type="slidenum">
               <a:rPr lang="en-US"/>
-              <a:t>3</a:t>
             </a:fld>
             <a:endParaRPr lang="en-US"/>
           </a:p>
         </p:txBody>
       </p:sp>
     </p:spTree>
-    <p:extLst>
-      <p:ext uri="{BB962C8B-B14F-4D97-AF65-F5344CB8AC3E}">
-        <p14:creationId xmlns:p14="http://schemas.microsoft.com/office/powerpoint/2010/main" val="1024086991"/>
-      </p:ext>
-    </p:extLst>
   </p:cSld>
   <p:clrMapOvr>
     <a:masterClrMapping/>
@@ -501,6 +457,7 @@
 - Code: ingame_tab.py (LiveClient + spectator)
 - Code: interface.py (tabs + affichages)</a:t>
             </a:r>
+            <a:endParaRPr lang="en-US" dirty="0"/>
           </a:p>
         </p:txBody>
       </p:sp>
@@ -521,18 +478,12 @@
           <a:p>
             <a:fld id="{F7021451-1387-4CA6-816F-3879F97B5CBC}" type="slidenum">
               <a:rPr lang="en-US"/>
-              <a:t>4</a:t>
             </a:fld>
             <a:endParaRPr lang="en-US"/>
           </a:p>
         </p:txBody>
       </p:sp>
     </p:spTree>
-    <p:extLst>
-      <p:ext uri="{BB962C8B-B14F-4D97-AF65-F5344CB8AC3E}">
-        <p14:creationId xmlns:p14="http://schemas.microsoft.com/office/powerpoint/2010/main" val="1024086991"/>
-      </p:ext>
-    </p:extLst>
   </p:cSld>
   <p:clrMapOvr>
     <a:masterClrMapping/>
@@ -589,6 +540,7 @@
               <a:t>[Sources]
 - data_base_riot.py (safe_call, collect_dataset, CSV participants/matches)</a:t>
             </a:r>
+            <a:endParaRPr lang="en-US" dirty="0"/>
           </a:p>
         </p:txBody>
       </p:sp>
@@ -609,18 +561,12 @@
           <a:p>
             <a:fld id="{F7021451-1387-4CA6-816F-3879F97B5CBC}" type="slidenum">
               <a:rPr lang="en-US"/>
-              <a:t>5</a:t>
             </a:fld>
             <a:endParaRPr lang="en-US"/>
           </a:p>
         </p:txBody>
       </p:sp>
     </p:spTree>
-    <p:extLst>
-      <p:ext uri="{BB962C8B-B14F-4D97-AF65-F5344CB8AC3E}">
-        <p14:creationId xmlns:p14="http://schemas.microsoft.com/office/powerpoint/2010/main" val="1024086991"/>
-      </p:ext>
-    </p:extLst>
   </p:cSld>
   <p:clrMapOvr>
     <a:masterClrMapping/>
@@ -677,6 +623,7 @@
               <a:t>[Sources]
 - ingame_tab.py (scan_live, LiveClient probe, spectator fallback, tables alliés/ennemis)</a:t>
             </a:r>
+            <a:endParaRPr lang="en-US" dirty="0"/>
           </a:p>
         </p:txBody>
       </p:sp>
@@ -697,18 +644,12 @@
           <a:p>
             <a:fld id="{F7021451-1387-4CA6-816F-3879F97B5CBC}" type="slidenum">
               <a:rPr lang="en-US"/>
-              <a:t>6</a:t>
             </a:fld>
             <a:endParaRPr lang="en-US"/>
           </a:p>
         </p:txBody>
       </p:sp>
     </p:spTree>
-    <p:extLst>
-      <p:ext uri="{BB962C8B-B14F-4D97-AF65-F5344CB8AC3E}">
-        <p14:creationId xmlns:p14="http://schemas.microsoft.com/office/powerpoint/2010/main" val="1024086991"/>
-      </p:ext>
-    </p:extLst>
   </p:cSld>
   <p:clrMapOvr>
     <a:masterClrMapping/>
@@ -765,6 +706,7 @@
               <a:t>[Sources]
 - interface.py (MainWindow tabs, MetaTab tier list, ProfileTab pie chart, thème QSS)</a:t>
             </a:r>
+            <a:endParaRPr lang="en-US" dirty="0"/>
           </a:p>
         </p:txBody>
       </p:sp>
@@ -785,18 +727,12 @@
           <a:p>
             <a:fld id="{F7021451-1387-4CA6-816F-3879F97B5CBC}" type="slidenum">
               <a:rPr lang="en-US"/>
-              <a:t>7</a:t>
             </a:fld>
             <a:endParaRPr lang="en-US"/>
           </a:p>
         </p:txBody>
       </p:sp>
     </p:spTree>
-    <p:extLst>
-      <p:ext uri="{BB962C8B-B14F-4D97-AF65-F5344CB8AC3E}">
-        <p14:creationId xmlns:p14="http://schemas.microsoft.com/office/powerpoint/2010/main" val="1024086991"/>
-      </p:ext>
-    </p:extLst>
   </p:cSld>
   <p:clrMapOvr>
     <a:masterClrMapping/>
@@ -855,6 +791,7 @@
 - ingame_tab.py (fallback + safe_call)
 - interface.py (lecture/normalisation CSV + UI tables compactes)</a:t>
             </a:r>
+            <a:endParaRPr lang="en-US" dirty="0"/>
           </a:p>
         </p:txBody>
       </p:sp>
@@ -875,18 +812,12 @@
           <a:p>
             <a:fld id="{F7021451-1387-4CA6-816F-3879F97B5CBC}" type="slidenum">
               <a:rPr lang="en-US"/>
-              <a:t>8</a:t>
             </a:fld>
             <a:endParaRPr lang="en-US"/>
           </a:p>
         </p:txBody>
       </p:sp>
     </p:spTree>
-    <p:extLst>
-      <p:ext uri="{BB962C8B-B14F-4D97-AF65-F5344CB8AC3E}">
-        <p14:creationId xmlns:p14="http://schemas.microsoft.com/office/powerpoint/2010/main" val="1024086991"/>
-      </p:ext>
-    </p:extLst>
   </p:cSld>
   <p:clrMapOvr>
     <a:masterClrMapping/>
@@ -945,6 +876,7 @@
 - interface.py (tabs, MetaTab, ProfileTab)
 - ingame_tab.py (scan des 10 joueurs)</a:t>
             </a:r>
+            <a:endParaRPr lang="en-US" dirty="0"/>
           </a:p>
         </p:txBody>
       </p:sp>
@@ -965,18 +897,12 @@
           <a:p>
             <a:fld id="{F7021451-1387-4CA6-816F-3879F97B5CBC}" type="slidenum">
               <a:rPr lang="en-US"/>
-              <a:t>9</a:t>
             </a:fld>
             <a:endParaRPr lang="en-US"/>
           </a:p>
         </p:txBody>
       </p:sp>
     </p:spTree>
-    <p:extLst>
-      <p:ext uri="{BB962C8B-B14F-4D97-AF65-F5344CB8AC3E}">
-        <p14:creationId xmlns:p14="http://schemas.microsoft.com/office/powerpoint/2010/main" val="1024086991"/>
-      </p:ext>
-    </p:extLst>
   </p:cSld>
   <p:clrMapOvr>
     <a:masterClrMapping/>
@@ -1034,6 +960,7 @@
 - Fiche projet (table E1..E10)
 - Lecture des scripts fournis (absence de recommandation draft/sorts/patche/Qt Designer/multi-langue)</a:t>
             </a:r>
+            <a:endParaRPr lang="en-US" dirty="0"/>
           </a:p>
         </p:txBody>
       </p:sp>
@@ -1054,18 +981,12 @@
           <a:p>
             <a:fld id="{F7021451-1387-4CA6-816F-3879F97B5CBC}" type="slidenum">
               <a:rPr lang="en-US"/>
-              <a:t>10</a:t>
             </a:fld>
             <a:endParaRPr lang="en-US"/>
           </a:p>
         </p:txBody>
       </p:sp>
     </p:spTree>
-    <p:extLst>
-      <p:ext uri="{BB962C8B-B14F-4D97-AF65-F5344CB8AC3E}">
-        <p14:creationId xmlns:p14="http://schemas.microsoft.com/office/powerpoint/2010/main" val="1024086991"/>
-      </p:ext>
-    </p:extLst>
   </p:cSld>
   <p:clrMapOvr>
     <a:masterClrMapping/>
@@ -1273,8 +1194,6 @@
           <a:p>
             <a:fld id="{5586B75A-687E-405C-8A0B-8D00578BA2C3}" type="datetimeFigureOut">
               <a:rPr lang="en-US" dirty="0"/>
-              <a:pPr/>
-              <a:t>2/10/2026</a:t>
             </a:fld>
             <a:endParaRPr lang="en-US" dirty="0"/>
           </a:p>
@@ -1336,19 +1255,12 @@
           <a:p>
             <a:fld id="{4FAB73BC-B049-4115-A692-8D63A059BFB8}" type="slidenum">
               <a:rPr lang="en-US" dirty="0"/>
-              <a:pPr/>
-              <a:t>‹#›</a:t>
             </a:fld>
             <a:endParaRPr lang="en-US" dirty="0"/>
           </a:p>
         </p:txBody>
       </p:sp>
     </p:spTree>
-    <p:extLst>
-      <p:ext uri="{BB962C8B-B14F-4D97-AF65-F5344CB8AC3E}">
-        <p14:creationId xmlns:p14="http://schemas.microsoft.com/office/powerpoint/2010/main" val="2181454896"/>
-      </p:ext>
-    </p:extLst>
   </p:cSld>
   <p:clrMapOvr>
     <a:masterClrMapping/>
@@ -1417,6 +1329,7 @@
               <a:rPr lang="zh-CN" altLang="en-US"/>
               <a:t>单击此处编辑母版文本样式</a:t>
             </a:r>
+            <a:endParaRPr lang="zh-CN" altLang="en-US"/>
           </a:p>
           <a:p>
             <a:pPr lvl="1"/>
@@ -1424,6 +1337,7 @@
               <a:rPr lang="zh-CN" altLang="en-US"/>
               <a:t>二级</a:t>
             </a:r>
+            <a:endParaRPr lang="zh-CN" altLang="en-US"/>
           </a:p>
           <a:p>
             <a:pPr lvl="2"/>
@@ -1431,6 +1345,7 @@
               <a:rPr lang="zh-CN" altLang="en-US"/>
               <a:t>三级</a:t>
             </a:r>
+            <a:endParaRPr lang="zh-CN" altLang="en-US"/>
           </a:p>
           <a:p>
             <a:pPr lvl="3"/>
@@ -1438,6 +1353,7 @@
               <a:rPr lang="zh-CN" altLang="en-US"/>
               <a:t>四级</a:t>
             </a:r>
+            <a:endParaRPr lang="zh-CN" altLang="en-US"/>
           </a:p>
           <a:p>
             <a:pPr lvl="4"/>
@@ -1466,7 +1382,6 @@
           <a:p>
             <a:fld id="{5F4E5243-F52A-4D37-9694-EB26C6C31910}" type="datetimeFigureOut">
               <a:rPr lang="en-US" dirty="0"/>
-              <a:t>2/10/2026</a:t>
             </a:fld>
             <a:endParaRPr lang="en-US" dirty="0"/>
           </a:p>
@@ -1508,18 +1423,12 @@
           <a:p>
             <a:fld id="{4FAB73BC-B049-4115-A692-8D63A059BFB8}" type="slidenum">
               <a:rPr lang="en-US" dirty="0"/>
-              <a:t>‹#›</a:t>
             </a:fld>
             <a:endParaRPr lang="en-US" dirty="0"/>
           </a:p>
         </p:txBody>
       </p:sp>
     </p:spTree>
-    <p:extLst>
-      <p:ext uri="{BB962C8B-B14F-4D97-AF65-F5344CB8AC3E}">
-        <p14:creationId xmlns:p14="http://schemas.microsoft.com/office/powerpoint/2010/main" val="785502606"/>
-      </p:ext>
-    </p:extLst>
   </p:cSld>
   <p:clrMapOvr>
     <a:masterClrMapping/>
@@ -1598,6 +1507,7 @@
               <a:rPr lang="zh-CN" altLang="en-US"/>
               <a:t>单击此处编辑母版文本样式</a:t>
             </a:r>
+            <a:endParaRPr lang="zh-CN" altLang="en-US"/>
           </a:p>
           <a:p>
             <a:pPr lvl="1"/>
@@ -1605,6 +1515,7 @@
               <a:rPr lang="zh-CN" altLang="en-US"/>
               <a:t>二级</a:t>
             </a:r>
+            <a:endParaRPr lang="zh-CN" altLang="en-US"/>
           </a:p>
           <a:p>
             <a:pPr lvl="2"/>
@@ -1612,6 +1523,7 @@
               <a:rPr lang="zh-CN" altLang="en-US"/>
               <a:t>三级</a:t>
             </a:r>
+            <a:endParaRPr lang="zh-CN" altLang="en-US"/>
           </a:p>
           <a:p>
             <a:pPr lvl="3"/>
@@ -1619,6 +1531,7 @@
               <a:rPr lang="zh-CN" altLang="en-US"/>
               <a:t>四级</a:t>
             </a:r>
+            <a:endParaRPr lang="zh-CN" altLang="en-US"/>
           </a:p>
           <a:p>
             <a:pPr lvl="4"/>
@@ -1647,7 +1560,6 @@
           <a:p>
             <a:fld id="{3A77B6E1-634A-48DC-9E8B-D894023267EF}" type="datetimeFigureOut">
               <a:rPr lang="en-US" dirty="0"/>
-              <a:t>2/10/2026</a:t>
             </a:fld>
             <a:endParaRPr lang="en-US" dirty="0"/>
           </a:p>
@@ -1689,18 +1601,12 @@
           <a:p>
             <a:fld id="{4FAB73BC-B049-4115-A692-8D63A059BFB8}" type="slidenum">
               <a:rPr lang="en-US" dirty="0"/>
-              <a:t>‹#›</a:t>
             </a:fld>
             <a:endParaRPr lang="en-US" dirty="0"/>
           </a:p>
         </p:txBody>
       </p:sp>
     </p:spTree>
-    <p:extLst>
-      <p:ext uri="{BB962C8B-B14F-4D97-AF65-F5344CB8AC3E}">
-        <p14:creationId xmlns:p14="http://schemas.microsoft.com/office/powerpoint/2010/main" val="3888121543"/>
-      </p:ext>
-    </p:extLst>
   </p:cSld>
   <p:clrMapOvr>
     <a:masterClrMapping/>
@@ -1732,11 +1638,6 @@
         </a:xfrm>
       </p:grpSpPr>
     </p:spTree>
-    <p:extLst>
-      <p:ext uri="{BB962C8B-B14F-4D97-AF65-F5344CB8AC3E}">
-        <p14:creationId xmlns:p14="http://schemas.microsoft.com/office/powerpoint/2010/main" val="3583200980"/>
-      </p:ext>
-    </p:extLst>
   </p:cSld>
   <p:clrMapOvr>
     <a:masterClrMapping/>
@@ -1804,6 +1705,7 @@
               <a:rPr lang="zh-CN" altLang="en-US"/>
               <a:t>单击此处编辑母版文本样式</a:t>
             </a:r>
+            <a:endParaRPr lang="zh-CN" altLang="en-US"/>
           </a:p>
           <a:p>
             <a:pPr lvl="1"/>
@@ -1811,6 +1713,7 @@
               <a:rPr lang="zh-CN" altLang="en-US"/>
               <a:t>二级</a:t>
             </a:r>
+            <a:endParaRPr lang="zh-CN" altLang="en-US"/>
           </a:p>
           <a:p>
             <a:pPr lvl="2"/>
@@ -1818,6 +1721,7 @@
               <a:rPr lang="zh-CN" altLang="en-US"/>
               <a:t>三级</a:t>
             </a:r>
+            <a:endParaRPr lang="zh-CN" altLang="en-US"/>
           </a:p>
           <a:p>
             <a:pPr lvl="3"/>
@@ -1825,6 +1729,7 @@
               <a:rPr lang="zh-CN" altLang="en-US"/>
               <a:t>四级</a:t>
             </a:r>
+            <a:endParaRPr lang="zh-CN" altLang="en-US"/>
           </a:p>
           <a:p>
             <a:pPr lvl="4"/>
@@ -1853,7 +1758,6 @@
           <a:p>
             <a:fld id="{7B2D3E9E-A95C-48F2-B4BF-A71542E0BE9A}" type="datetimeFigureOut">
               <a:rPr lang="en-US" dirty="0"/>
-              <a:t>2/10/2026</a:t>
             </a:fld>
             <a:endParaRPr lang="en-US" dirty="0"/>
           </a:p>
@@ -1895,18 +1799,12 @@
           <a:p>
             <a:fld id="{4FAB73BC-B049-4115-A692-8D63A059BFB8}" type="slidenum">
               <a:rPr lang="en-US" dirty="0"/>
-              <a:t>‹#›</a:t>
             </a:fld>
             <a:endParaRPr lang="en-US" dirty="0"/>
           </a:p>
         </p:txBody>
       </p:sp>
     </p:spTree>
-    <p:extLst>
-      <p:ext uri="{BB962C8B-B14F-4D97-AF65-F5344CB8AC3E}">
-        <p14:creationId xmlns:p14="http://schemas.microsoft.com/office/powerpoint/2010/main" val="3428674651"/>
-      </p:ext>
-    </p:extLst>
   </p:cSld>
   <p:clrMapOvr>
     <a:masterClrMapping/>
@@ -2090,6 +1988,7 @@
               <a:rPr lang="zh-CN" altLang="en-US"/>
               <a:t>单击此处编辑母版文本样式</a:t>
             </a:r>
+            <a:endParaRPr lang="zh-CN" altLang="en-US"/>
           </a:p>
         </p:txBody>
       </p:sp>
@@ -2110,8 +2009,6 @@
           <a:p>
             <a:fld id="{5586B75A-687E-405C-8A0B-8D00578BA2C3}" type="datetimeFigureOut">
               <a:rPr lang="en-US" dirty="0"/>
-              <a:pPr/>
-              <a:t>2/10/2026</a:t>
             </a:fld>
             <a:endParaRPr lang="en-US" dirty="0"/>
           </a:p>
@@ -2153,19 +2050,12 @@
           <a:p>
             <a:fld id="{4FAB73BC-B049-4115-A692-8D63A059BFB8}" type="slidenum">
               <a:rPr lang="en-US" dirty="0"/>
-              <a:pPr/>
-              <a:t>‹#›</a:t>
             </a:fld>
             <a:endParaRPr lang="en-US" dirty="0"/>
           </a:p>
         </p:txBody>
       </p:sp>
     </p:spTree>
-    <p:extLst>
-      <p:ext uri="{BB962C8B-B14F-4D97-AF65-F5344CB8AC3E}">
-        <p14:creationId xmlns:p14="http://schemas.microsoft.com/office/powerpoint/2010/main" val="4284972922"/>
-      </p:ext>
-    </p:extLst>
   </p:cSld>
   <p:clrMapOvr>
     <a:masterClrMapping/>
@@ -2267,6 +2157,7 @@
               <a:rPr lang="zh-CN" altLang="en-US"/>
               <a:t>单击此处编辑母版文本样式</a:t>
             </a:r>
+            <a:endParaRPr lang="zh-CN" altLang="en-US"/>
           </a:p>
           <a:p>
             <a:pPr lvl="1"/>
@@ -2274,6 +2165,7 @@
               <a:rPr lang="zh-CN" altLang="en-US"/>
               <a:t>二级</a:t>
             </a:r>
+            <a:endParaRPr lang="zh-CN" altLang="en-US"/>
           </a:p>
           <a:p>
             <a:pPr lvl="2"/>
@@ -2281,6 +2173,7 @@
               <a:rPr lang="zh-CN" altLang="en-US"/>
               <a:t>三级</a:t>
             </a:r>
+            <a:endParaRPr lang="zh-CN" altLang="en-US"/>
           </a:p>
           <a:p>
             <a:pPr lvl="3"/>
@@ -2288,6 +2181,7 @@
               <a:rPr lang="zh-CN" altLang="en-US"/>
               <a:t>四级</a:t>
             </a:r>
+            <a:endParaRPr lang="zh-CN" altLang="en-US"/>
           </a:p>
           <a:p>
             <a:pPr lvl="4"/>
@@ -2352,6 +2246,7 @@
               <a:rPr lang="zh-CN" altLang="en-US"/>
               <a:t>单击此处编辑母版文本样式</a:t>
             </a:r>
+            <a:endParaRPr lang="zh-CN" altLang="en-US"/>
           </a:p>
           <a:p>
             <a:pPr lvl="1"/>
@@ -2359,6 +2254,7 @@
               <a:rPr lang="zh-CN" altLang="en-US"/>
               <a:t>二级</a:t>
             </a:r>
+            <a:endParaRPr lang="zh-CN" altLang="en-US"/>
           </a:p>
           <a:p>
             <a:pPr lvl="2"/>
@@ -2366,6 +2262,7 @@
               <a:rPr lang="zh-CN" altLang="en-US"/>
               <a:t>三级</a:t>
             </a:r>
+            <a:endParaRPr lang="zh-CN" altLang="en-US"/>
           </a:p>
           <a:p>
             <a:pPr lvl="3"/>
@@ -2373,6 +2270,7 @@
               <a:rPr lang="zh-CN" altLang="en-US"/>
               <a:t>四级</a:t>
             </a:r>
+            <a:endParaRPr lang="zh-CN" altLang="en-US"/>
           </a:p>
           <a:p>
             <a:pPr lvl="4"/>
@@ -2401,7 +2299,6 @@
           <a:p>
             <a:fld id="{F12952B5-7A2F-4CC8-B7CE-9234E21C2837}" type="datetimeFigureOut">
               <a:rPr lang="en-US" dirty="0"/>
-              <a:t>2/10/2026</a:t>
             </a:fld>
             <a:endParaRPr lang="en-US" dirty="0"/>
           </a:p>
@@ -2443,18 +2340,12 @@
           <a:p>
             <a:fld id="{4FAB73BC-B049-4115-A692-8D63A059BFB8}" type="slidenum">
               <a:rPr lang="en-US" dirty="0"/>
-              <a:t>‹#›</a:t>
             </a:fld>
             <a:endParaRPr lang="en-US" dirty="0"/>
           </a:p>
         </p:txBody>
       </p:sp>
     </p:spTree>
-    <p:extLst>
-      <p:ext uri="{BB962C8B-B14F-4D97-AF65-F5344CB8AC3E}">
-        <p14:creationId xmlns:p14="http://schemas.microsoft.com/office/powerpoint/2010/main" val="2468211588"/>
-      </p:ext>
-    </p:extLst>
   </p:cSld>
   <p:clrMapOvr>
     <a:masterClrMapping/>
@@ -2575,6 +2466,7 @@
               <a:rPr lang="zh-CN" altLang="en-US"/>
               <a:t>单击此处编辑母版文本样式</a:t>
             </a:r>
+            <a:endParaRPr lang="zh-CN" altLang="en-US"/>
           </a:p>
         </p:txBody>
       </p:sp>
@@ -2631,6 +2523,7 @@
               <a:rPr lang="zh-CN" altLang="en-US"/>
               <a:t>单击此处编辑母版文本样式</a:t>
             </a:r>
+            <a:endParaRPr lang="zh-CN" altLang="en-US"/>
           </a:p>
           <a:p>
             <a:pPr lvl="1"/>
@@ -2638,6 +2531,7 @@
               <a:rPr lang="zh-CN" altLang="en-US"/>
               <a:t>二级</a:t>
             </a:r>
+            <a:endParaRPr lang="zh-CN" altLang="en-US"/>
           </a:p>
           <a:p>
             <a:pPr lvl="2"/>
@@ -2645,6 +2539,7 @@
               <a:rPr lang="zh-CN" altLang="en-US"/>
               <a:t>三级</a:t>
             </a:r>
+            <a:endParaRPr lang="zh-CN" altLang="en-US"/>
           </a:p>
           <a:p>
             <a:pPr lvl="3"/>
@@ -2652,6 +2547,7 @@
               <a:rPr lang="zh-CN" altLang="en-US"/>
               <a:t>四级</a:t>
             </a:r>
+            <a:endParaRPr lang="zh-CN" altLang="en-US"/>
           </a:p>
           <a:p>
             <a:pPr lvl="4"/>
@@ -2735,6 +2631,7 @@
               <a:rPr lang="zh-CN" altLang="en-US"/>
               <a:t>单击此处编辑母版文本样式</a:t>
             </a:r>
+            <a:endParaRPr lang="zh-CN" altLang="en-US"/>
           </a:p>
         </p:txBody>
       </p:sp>
@@ -2791,6 +2688,7 @@
               <a:rPr lang="zh-CN" altLang="en-US"/>
               <a:t>单击此处编辑母版文本样式</a:t>
             </a:r>
+            <a:endParaRPr lang="zh-CN" altLang="en-US"/>
           </a:p>
           <a:p>
             <a:pPr lvl="1"/>
@@ -2798,6 +2696,7 @@
               <a:rPr lang="zh-CN" altLang="en-US"/>
               <a:t>二级</a:t>
             </a:r>
+            <a:endParaRPr lang="zh-CN" altLang="en-US"/>
           </a:p>
           <a:p>
             <a:pPr lvl="2"/>
@@ -2805,6 +2704,7 @@
               <a:rPr lang="zh-CN" altLang="en-US"/>
               <a:t>三级</a:t>
             </a:r>
+            <a:endParaRPr lang="zh-CN" altLang="en-US"/>
           </a:p>
           <a:p>
             <a:pPr lvl="3"/>
@@ -2812,6 +2712,7 @@
               <a:rPr lang="zh-CN" altLang="en-US"/>
               <a:t>四级</a:t>
             </a:r>
+            <a:endParaRPr lang="zh-CN" altLang="en-US"/>
           </a:p>
           <a:p>
             <a:pPr lvl="4"/>
@@ -2840,7 +2741,6 @@
           <a:p>
             <a:fld id="{CE1DA07A-9201-4B4B-BAF2-015AFA30F520}" type="datetimeFigureOut">
               <a:rPr lang="en-US" dirty="0"/>
-              <a:t>2/10/2026</a:t>
             </a:fld>
             <a:endParaRPr lang="en-US" dirty="0"/>
           </a:p>
@@ -2882,18 +2782,12 @@
           <a:p>
             <a:fld id="{4FAB73BC-B049-4115-A692-8D63A059BFB8}" type="slidenum">
               <a:rPr lang="en-US" dirty="0"/>
-              <a:t>‹#›</a:t>
             </a:fld>
             <a:endParaRPr lang="en-US" dirty="0"/>
           </a:p>
         </p:txBody>
       </p:sp>
     </p:spTree>
-    <p:extLst>
-      <p:ext uri="{BB962C8B-B14F-4D97-AF65-F5344CB8AC3E}">
-        <p14:creationId xmlns:p14="http://schemas.microsoft.com/office/powerpoint/2010/main" val="2189072128"/>
-      </p:ext>
-    </p:extLst>
   </p:cSld>
   <p:clrMapOvr>
     <a:masterClrMapping/>
@@ -2959,7 +2853,6 @@
           <a:p>
             <a:fld id="{73D7E00A-486F-4252-8B1D-E32645521F49}" type="datetimeFigureOut">
               <a:rPr lang="en-US" dirty="0"/>
-              <a:t>2/10/2026</a:t>
             </a:fld>
             <a:endParaRPr lang="en-US" dirty="0"/>
           </a:p>
@@ -3001,18 +2894,12 @@
           <a:p>
             <a:fld id="{4FAB73BC-B049-4115-A692-8D63A059BFB8}" type="slidenum">
               <a:rPr lang="en-US" dirty="0"/>
-              <a:t>‹#›</a:t>
             </a:fld>
             <a:endParaRPr lang="en-US" dirty="0"/>
           </a:p>
         </p:txBody>
       </p:sp>
     </p:spTree>
-    <p:extLst>
-      <p:ext uri="{BB962C8B-B14F-4D97-AF65-F5344CB8AC3E}">
-        <p14:creationId xmlns:p14="http://schemas.microsoft.com/office/powerpoint/2010/main" val="3638407561"/>
-      </p:ext>
-    </p:extLst>
   </p:cSld>
   <p:clrMapOvr>
     <a:masterClrMapping/>
@@ -3055,7 +2942,6 @@
           <a:p>
             <a:fld id="{8DDF5F92-E675-4B36-9A60-69A962A68675}" type="datetimeFigureOut">
               <a:rPr lang="en-US" dirty="0"/>
-              <a:t>2/10/2026</a:t>
             </a:fld>
             <a:endParaRPr lang="en-US" dirty="0"/>
           </a:p>
@@ -3097,18 +2983,12 @@
           <a:p>
             <a:fld id="{4FAB73BC-B049-4115-A692-8D63A059BFB8}" type="slidenum">
               <a:rPr lang="en-US" dirty="0"/>
-              <a:t>‹#›</a:t>
             </a:fld>
             <a:endParaRPr lang="en-US" dirty="0"/>
           </a:p>
         </p:txBody>
       </p:sp>
     </p:spTree>
-    <p:extLst>
-      <p:ext uri="{BB962C8B-B14F-4D97-AF65-F5344CB8AC3E}">
-        <p14:creationId xmlns:p14="http://schemas.microsoft.com/office/powerpoint/2010/main" val="3496291095"/>
-      </p:ext>
-    </p:extLst>
   </p:cSld>
   <p:clrMapOvr>
     <a:masterClrMapping/>
@@ -3263,6 +3143,7 @@
               <a:rPr lang="zh-CN" altLang="en-US"/>
               <a:t>单击此处编辑母版文本样式</a:t>
             </a:r>
+            <a:endParaRPr lang="zh-CN" altLang="en-US"/>
           </a:p>
           <a:p>
             <a:pPr lvl="1"/>
@@ -3270,6 +3151,7 @@
               <a:rPr lang="zh-CN" altLang="en-US"/>
               <a:t>二级</a:t>
             </a:r>
+            <a:endParaRPr lang="zh-CN" altLang="en-US"/>
           </a:p>
           <a:p>
             <a:pPr lvl="2"/>
@@ -3277,6 +3159,7 @@
               <a:rPr lang="zh-CN" altLang="en-US"/>
               <a:t>三级</a:t>
             </a:r>
+            <a:endParaRPr lang="zh-CN" altLang="en-US"/>
           </a:p>
           <a:p>
             <a:pPr lvl="3"/>
@@ -3284,6 +3167,7 @@
               <a:rPr lang="zh-CN" altLang="en-US"/>
               <a:t>四级</a:t>
             </a:r>
+            <a:endParaRPr lang="zh-CN" altLang="en-US"/>
           </a:p>
           <a:p>
             <a:pPr lvl="4"/>
@@ -3330,7 +3214,6 @@
               <a:buSzTx/>
               <a:buFontTx/>
               <a:buNone/>
-              <a:tabLst/>
               <a:defRPr sz="1800">
                 <a:solidFill>
                   <a:srgbClr val="262626"/>
@@ -3385,13 +3268,13 @@
               <a:buSzTx/>
               <a:buFontTx/>
               <a:buNone/>
-              <a:tabLst/>
               <a:defRPr/>
             </a:pPr>
             <a:r>
               <a:rPr lang="zh-CN" altLang="en-US"/>
               <a:t>单击此处编辑母版文本样式</a:t>
             </a:r>
+            <a:endParaRPr lang="zh-CN" altLang="en-US"/>
           </a:p>
         </p:txBody>
       </p:sp>
@@ -3412,7 +3295,6 @@
           <a:p>
             <a:fld id="{AF6E2C9B-5FA2-460D-9BE7-B0812FC2A6FF}" type="datetimeFigureOut">
               <a:rPr lang="en-US" dirty="0"/>
-              <a:t>2/10/2026</a:t>
             </a:fld>
             <a:endParaRPr lang="en-US" dirty="0"/>
           </a:p>
@@ -3464,19 +3346,12 @@
           <a:p>
             <a:fld id="{4FAB73BC-B049-4115-A692-8D63A059BFB8}" type="slidenum">
               <a:rPr lang="en-US" dirty="0"/>
-              <a:pPr/>
-              <a:t>‹#›</a:t>
             </a:fld>
             <a:endParaRPr lang="en-US" dirty="0"/>
           </a:p>
         </p:txBody>
       </p:sp>
     </p:spTree>
-    <p:extLst>
-      <p:ext uri="{BB962C8B-B14F-4D97-AF65-F5344CB8AC3E}">
-        <p14:creationId xmlns:p14="http://schemas.microsoft.com/office/powerpoint/2010/main" val="2355724813"/>
-      </p:ext>
-    </p:extLst>
   </p:cSld>
   <p:clrMapOvr>
     <a:masterClrMapping/>
@@ -3700,6 +3575,7 @@
               <a:rPr lang="zh-CN" altLang="en-US"/>
               <a:t>单击此处编辑母版文本样式</a:t>
             </a:r>
+            <a:endParaRPr lang="zh-CN" altLang="en-US"/>
           </a:p>
         </p:txBody>
       </p:sp>
@@ -3730,8 +3606,6 @@
           <a:p>
             <a:fld id="{5586B75A-687E-405C-8A0B-8D00578BA2C3}" type="datetimeFigureOut">
               <a:rPr lang="en-US" dirty="0"/>
-              <a:pPr/>
-              <a:t>2/10/2026</a:t>
             </a:fld>
             <a:endParaRPr lang="en-US" dirty="0"/>
           </a:p>
@@ -3793,19 +3667,12 @@
           <a:p>
             <a:fld id="{4FAB73BC-B049-4115-A692-8D63A059BFB8}" type="slidenum">
               <a:rPr lang="en-US" dirty="0"/>
-              <a:pPr/>
-              <a:t>‹#›</a:t>
             </a:fld>
             <a:endParaRPr lang="en-US" dirty="0"/>
           </a:p>
         </p:txBody>
       </p:sp>
     </p:spTree>
-    <p:extLst>
-      <p:ext uri="{BB962C8B-B14F-4D97-AF65-F5344CB8AC3E}">
-        <p14:creationId xmlns:p14="http://schemas.microsoft.com/office/powerpoint/2010/main" val="2019921995"/>
-      </p:ext>
-    </p:extLst>
   </p:cSld>
   <p:clrMapOvr>
     <a:overrideClrMapping bg1="lt1" tx1="dk1" bg2="lt2" tx2="dk2" accent1="accent1" accent2="accent2" accent3="accent3" accent4="accent4" accent5="accent5" accent6="accent6" hlink="hlink" folHlink="folHlink"/>
@@ -3899,6 +3766,7 @@
               <a:rPr lang="zh-CN" altLang="en-US"/>
               <a:t>单击此处编辑母版文本样式</a:t>
             </a:r>
+            <a:endParaRPr lang="zh-CN" altLang="en-US"/>
           </a:p>
           <a:p>
             <a:pPr lvl="1"/>
@@ -3906,6 +3774,7 @@
               <a:rPr lang="zh-CN" altLang="en-US"/>
               <a:t>二级</a:t>
             </a:r>
+            <a:endParaRPr lang="zh-CN" altLang="en-US"/>
           </a:p>
           <a:p>
             <a:pPr lvl="2"/>
@@ -3913,6 +3782,7 @@
               <a:rPr lang="zh-CN" altLang="en-US"/>
               <a:t>三级</a:t>
             </a:r>
+            <a:endParaRPr lang="zh-CN" altLang="en-US"/>
           </a:p>
           <a:p>
             <a:pPr lvl="3"/>
@@ -3920,6 +3790,7 @@
               <a:rPr lang="zh-CN" altLang="en-US"/>
               <a:t>四级</a:t>
             </a:r>
+            <a:endParaRPr lang="zh-CN" altLang="en-US"/>
           </a:p>
           <a:p>
             <a:pPr lvl="4"/>
@@ -3966,8 +3837,6 @@
           <a:p>
             <a:fld id="{5586B75A-687E-405C-8A0B-8D00578BA2C3}" type="datetimeFigureOut">
               <a:rPr lang="en-US" dirty="0"/>
-              <a:pPr/>
-              <a:t>2/10/2026</a:t>
             </a:fld>
             <a:endParaRPr lang="en-US" dirty="0"/>
           </a:p>
@@ -4049,34 +3918,27 @@
           <a:p>
             <a:fld id="{4FAB73BC-B049-4115-A692-8D63A059BFB8}" type="slidenum">
               <a:rPr lang="en-US" dirty="0"/>
-              <a:pPr/>
-              <a:t>‹#›</a:t>
             </a:fld>
             <a:endParaRPr lang="en-US" dirty="0"/>
           </a:p>
         </p:txBody>
       </p:sp>
     </p:spTree>
-    <p:extLst>
-      <p:ext uri="{BB962C8B-B14F-4D97-AF65-F5344CB8AC3E}">
-        <p14:creationId xmlns:p14="http://schemas.microsoft.com/office/powerpoint/2010/main" val="382407051"/>
-      </p:ext>
-    </p:extLst>
   </p:cSld>
   <p:clrMap bg1="lt1" tx1="dk1" bg2="lt2" tx2="dk2" accent1="accent1" accent2="accent2" accent3="accent3" accent4="accent4" accent5="accent5" accent6="accent6" hlink="hlink" folHlink="folHlink"/>
   <p:sldLayoutIdLst>
-    <p:sldLayoutId id="2147483651" r:id="rId1"/>
-    <p:sldLayoutId id="2147483652" r:id="rId2"/>
-    <p:sldLayoutId id="2147483653" r:id="rId3"/>
-    <p:sldLayoutId id="2147483654" r:id="rId4"/>
-    <p:sldLayoutId id="2147483655" r:id="rId5"/>
-    <p:sldLayoutId id="2147483656" r:id="rId6"/>
-    <p:sldLayoutId id="2147483657" r:id="rId7"/>
-    <p:sldLayoutId id="2147483658" r:id="rId8"/>
-    <p:sldLayoutId id="2147483659" r:id="rId9"/>
-    <p:sldLayoutId id="2147483660" r:id="rId10"/>
-    <p:sldLayoutId id="2147483661" r:id="rId11"/>
-    <p:sldLayoutId id="2147483662" r:id="rId12"/>
+    <p:sldLayoutId id="2147483649" r:id="rId1"/>
+    <p:sldLayoutId id="2147483650" r:id="rId2"/>
+    <p:sldLayoutId id="2147483651" r:id="rId3"/>
+    <p:sldLayoutId id="2147483652" r:id="rId4"/>
+    <p:sldLayoutId id="2147483653" r:id="rId5"/>
+    <p:sldLayoutId id="2147483654" r:id="rId6"/>
+    <p:sldLayoutId id="2147483655" r:id="rId7"/>
+    <p:sldLayoutId id="2147483656" r:id="rId8"/>
+    <p:sldLayoutId id="2147483657" r:id="rId9"/>
+    <p:sldLayoutId id="2147483658" r:id="rId10"/>
+    <p:sldLayoutId id="2147483659" r:id="rId11"/>
+    <p:sldLayoutId id="2147483660" r:id="rId12"/>
   </p:sldLayoutIdLst>
   <p:hf hdr="0" ftr="0" dt="0"/>
   <p:txStyles>
@@ -4107,7 +3969,7 @@
         <a:spcBef>
           <a:spcPts val="1300"/>
         </a:spcBef>
-        <a:buFont typeface="Arial" pitchFamily="34" charset="0"/>
+        <a:buFont typeface="Arial" panose="020B0604020202020204" pitchFamily="34" charset="0"/>
         <a:buChar char=" "/>
         <a:defRPr sz="2400" kern="1200">
           <a:solidFill>
@@ -4121,14 +3983,14 @@
           <a:cs typeface="+mn-cs"/>
         </a:defRPr>
       </a:lvl1pPr>
-      <a:lvl2pPr marL="347472" indent="-342900" algn="l" defTabSz="914400" rtl="0" eaLnBrk="1" latinLnBrk="0" hangingPunct="1">
+      <a:lvl2pPr marL="347345" indent="-342900" algn="l" defTabSz="914400" rtl="0" eaLnBrk="1" latinLnBrk="0" hangingPunct="1">
         <a:lnSpc>
           <a:spcPct val="85000"/>
         </a:lnSpc>
         <a:spcBef>
           <a:spcPts val="600"/>
         </a:spcBef>
-        <a:buFont typeface="Arial" pitchFamily="34" charset="0"/>
+        <a:buFont typeface="Arial" panose="020B0604020202020204" pitchFamily="34" charset="0"/>
         <a:buChar char=" "/>
         <a:defRPr sz="2400" kern="1200">
           <a:solidFill>
@@ -4149,7 +4011,7 @@
         <a:spcBef>
           <a:spcPts val="600"/>
         </a:spcBef>
-        <a:buFont typeface="Arial" pitchFamily="34" charset="0"/>
+        <a:buFont typeface="Arial" panose="020B0604020202020204" pitchFamily="34" charset="0"/>
         <a:buChar char=" "/>
         <a:defRPr sz="2000" i="1" kern="1200">
           <a:solidFill>
@@ -4170,7 +4032,7 @@
         <a:spcBef>
           <a:spcPts val="600"/>
         </a:spcBef>
-        <a:buFont typeface="Arial" pitchFamily="34" charset="0"/>
+        <a:buFont typeface="Arial" panose="020B0604020202020204" pitchFamily="34" charset="0"/>
         <a:buChar char=" "/>
         <a:defRPr sz="1800" kern="1200">
           <a:solidFill>
@@ -4191,7 +4053,7 @@
         <a:spcBef>
           <a:spcPts val="600"/>
         </a:spcBef>
-        <a:buFont typeface="Arial" pitchFamily="34" charset="0"/>
+        <a:buFont typeface="Arial" panose="020B0604020202020204" pitchFamily="34" charset="0"/>
         <a:buChar char=" "/>
         <a:defRPr sz="1800" kern="1200">
           <a:solidFill>
@@ -4205,14 +4067,14 @@
           <a:cs typeface="+mn-cs"/>
         </a:defRPr>
       </a:lvl5pPr>
-      <a:lvl6pPr marL="1200000" indent="-228600" algn="l" defTabSz="914400" rtl="0" eaLnBrk="1" latinLnBrk="0" hangingPunct="1">
+      <a:lvl6pPr marL="1200150" indent="-228600" algn="l" defTabSz="914400" rtl="0" eaLnBrk="1" latinLnBrk="0" hangingPunct="1">
         <a:lnSpc>
           <a:spcPct val="85000"/>
         </a:lnSpc>
         <a:spcBef>
           <a:spcPts val="600"/>
         </a:spcBef>
-        <a:buFont typeface="Arial" pitchFamily="34" charset="0"/>
+        <a:buFont typeface="Arial" panose="020B0604020202020204" pitchFamily="34" charset="0"/>
         <a:buChar char=" "/>
         <a:defRPr sz="1800" kern="1200">
           <a:solidFill>
@@ -4226,14 +4088,14 @@
           <a:cs typeface="+mn-cs"/>
         </a:defRPr>
       </a:lvl6pPr>
-      <a:lvl7pPr marL="1400000" indent="-228600" algn="l" defTabSz="914400" rtl="0" eaLnBrk="1" latinLnBrk="0" hangingPunct="1">
+      <a:lvl7pPr marL="1400175" indent="-228600" algn="l" defTabSz="914400" rtl="0" eaLnBrk="1" latinLnBrk="0" hangingPunct="1">
         <a:lnSpc>
           <a:spcPct val="85000"/>
         </a:lnSpc>
         <a:spcBef>
           <a:spcPts val="600"/>
         </a:spcBef>
-        <a:buFont typeface="Arial" pitchFamily="34" charset="0"/>
+        <a:buFont typeface="Arial" panose="020B0604020202020204" pitchFamily="34" charset="0"/>
         <a:buChar char=" "/>
         <a:defRPr sz="1800" kern="1200">
           <a:solidFill>
@@ -4247,14 +4109,14 @@
           <a:cs typeface="+mn-cs"/>
         </a:defRPr>
       </a:lvl7pPr>
-      <a:lvl8pPr marL="1600000" indent="-228600" algn="l" defTabSz="914400" rtl="0" eaLnBrk="1" latinLnBrk="0" hangingPunct="1">
+      <a:lvl8pPr marL="1600200" indent="-228600" algn="l" defTabSz="914400" rtl="0" eaLnBrk="1" latinLnBrk="0" hangingPunct="1">
         <a:lnSpc>
           <a:spcPct val="85000"/>
         </a:lnSpc>
         <a:spcBef>
           <a:spcPts val="600"/>
         </a:spcBef>
-        <a:buFont typeface="Arial" pitchFamily="34" charset="0"/>
+        <a:buFont typeface="Arial" panose="020B0604020202020204" pitchFamily="34" charset="0"/>
         <a:buChar char=" "/>
         <a:defRPr sz="1800" kern="1200">
           <a:solidFill>
@@ -4268,14 +4130,14 @@
           <a:cs typeface="+mn-cs"/>
         </a:defRPr>
       </a:lvl8pPr>
-      <a:lvl9pPr marL="1800000" indent="-228600" algn="l" defTabSz="914400" rtl="0" eaLnBrk="1" latinLnBrk="0" hangingPunct="1">
+      <a:lvl9pPr marL="1800225" indent="-228600" algn="l" defTabSz="914400" rtl="0" eaLnBrk="1" latinLnBrk="0" hangingPunct="1">
         <a:lnSpc>
           <a:spcPct val="85000"/>
         </a:lnSpc>
         <a:spcBef>
           <a:spcPts val="600"/>
         </a:spcBef>
-        <a:buFont typeface="Arial" pitchFamily="34" charset="0"/>
+        <a:buFont typeface="Arial" panose="020B0604020202020204" pitchFamily="34" charset="0"/>
         <a:buChar char=" "/>
         <a:defRPr sz="1800" kern="1200">
           <a:solidFill>
@@ -4392,6 +4254,14 @@
 <file path=ppt/slides/slide1.xml><?xml version="1.0" encoding="utf-8"?>
 <p:sld xmlns:a="http://schemas.openxmlformats.org/drawingml/2006/main" xmlns:r="http://schemas.openxmlformats.org/officeDocument/2006/relationships" xmlns:p="http://schemas.openxmlformats.org/presentationml/2006/main">
   <p:cSld>
+    <p:bg>
+      <p:bgPr>
+        <a:solidFill>
+          <a:schemeClr val="accent4"/>
+        </a:solidFill>
+        <a:effectLst/>
+      </p:bgPr>
+    </p:bg>
     <p:spTree>
       <p:nvGrpSpPr>
         <p:cNvPr id="1" name=""/>
@@ -4408,13 +4278,7 @@
       </p:grpSpPr>
       <p:sp>
         <p:nvSpPr>
-          <p:cNvPr id="2" name="标题 1">
-            <a:extLst>
-              <a:ext uri="{FF2B5EF4-FFF2-40B4-BE49-F238E27FC236}">
-                <a16:creationId xmlns:a16="http://schemas.microsoft.com/office/drawing/2014/main" id="{1B034074-B27C-8320-1E82-0201191BBFC2}"/>
-              </a:ext>
-            </a:extLst>
-          </p:cNvPr>
+          <p:cNvPr id="2" name="标题 1"/>
           <p:cNvSpPr>
             <a:spLocks noGrp="1"/>
           </p:cNvSpPr>
@@ -4437,13 +4301,7 @@
       </p:sp>
       <p:sp>
         <p:nvSpPr>
-          <p:cNvPr id="3" name="副标题 2">
-            <a:extLst>
-              <a:ext uri="{FF2B5EF4-FFF2-40B4-BE49-F238E27FC236}">
-                <a16:creationId xmlns:a16="http://schemas.microsoft.com/office/drawing/2014/main" id="{F08292C5-2D99-E59C-0634-A8FC51B6AEA5}"/>
-              </a:ext>
-            </a:extLst>
-          </p:cNvPr>
+          <p:cNvPr id="3" name="副标题 2"/>
           <p:cNvSpPr>
             <a:spLocks noGrp="1"/>
           </p:cNvSpPr>
@@ -4466,20 +4324,14 @@
       </p:sp>
       <p:pic>
         <p:nvPicPr>
-          <p:cNvPr id="7" name="图片 6">
-            <a:extLst>
-              <a:ext uri="{FF2B5EF4-FFF2-40B4-BE49-F238E27FC236}">
-                <a16:creationId xmlns:a16="http://schemas.microsoft.com/office/drawing/2014/main" id="{F94B3724-C48B-860B-85DF-78305A487380}"/>
-              </a:ext>
-            </a:extLst>
-          </p:cNvPr>
+          <p:cNvPr id="7" name="图片 6"/>
           <p:cNvPicPr>
             <a:picLocks noChangeAspect="1"/>
           </p:cNvPicPr>
           <p:nvPr/>
         </p:nvPicPr>
         <p:blipFill>
-          <a:blip r:embed="rId2"/>
+          <a:blip r:embed="rId1"/>
           <a:stretch>
             <a:fillRect/>
           </a:stretch>
@@ -4502,6 +4354,8 @@
               <a:srgbClr val="EAEAEA"/>
             </a:solidFill>
             <a:miter lim="800000"/>
+            <a:headEnd/>
+            <a:tailEnd/>
           </a:ln>
           <a:effectLst>
             <a:reflection blurRad="12700" stA="33000" endPos="28000" dist="5000" dir="5400000" sy="-100000" algn="bl" rotWithShape="0"/>
@@ -4522,13 +4376,7 @@
       </p:pic>
       <p:sp>
         <p:nvSpPr>
-          <p:cNvPr id="8" name="Shape 16">
-            <a:extLst>
-              <a:ext uri="{FF2B5EF4-FFF2-40B4-BE49-F238E27FC236}">
-                <a16:creationId xmlns:a16="http://schemas.microsoft.com/office/drawing/2014/main" id="{0161D02A-E11F-71EE-CA3C-2F822B76540F}"/>
-              </a:ext>
-            </a:extLst>
-          </p:cNvPr>
+          <p:cNvPr id="8" name="Shape 16"/>
           <p:cNvSpPr/>
           <p:nvPr/>
         </p:nvSpPr>
@@ -4564,13 +4412,7 @@
       </p:sp>
       <p:sp>
         <p:nvSpPr>
-          <p:cNvPr id="9" name="Text 17">
-            <a:extLst>
-              <a:ext uri="{FF2B5EF4-FFF2-40B4-BE49-F238E27FC236}">
-                <a16:creationId xmlns:a16="http://schemas.microsoft.com/office/drawing/2014/main" id="{B9D487BA-28FA-DC45-F140-F799A2636458}"/>
-              </a:ext>
-            </a:extLst>
-          </p:cNvPr>
+          <p:cNvPr id="9" name="Text 17"/>
           <p:cNvSpPr/>
           <p:nvPr/>
         </p:nvSpPr>
@@ -4636,11 +4478,6 @@
         </p:txBody>
       </p:sp>
     </p:spTree>
-    <p:extLst>
-      <p:ext uri="{BB962C8B-B14F-4D97-AF65-F5344CB8AC3E}">
-        <p14:creationId xmlns:p14="http://schemas.microsoft.com/office/powerpoint/2010/main" val="1196533190"/>
-      </p:ext>
-    </p:extLst>
   </p:cSld>
   <p:clrMapOvr>
     <a:masterClrMapping/>
@@ -4650,7 +4487,7 @@
 
 <file path=ppt/slides/slide10.xml><?xml version="1.0" encoding="utf-8"?>
 <p:sld xmlns:a="http://schemas.openxmlformats.org/drawingml/2006/main" xmlns:r="http://schemas.openxmlformats.org/officeDocument/2006/relationships" xmlns:p="http://schemas.openxmlformats.org/presentationml/2006/main">
-  <p:cSld name="Slide 10">
+  <p:cSld>
     <p:spTree>
       <p:nvGrpSpPr>
         <p:cNvPr id="1" name=""/>
@@ -4705,7 +4542,6 @@
             <a:avLst/>
           </a:prstGeom>
           <a:noFill/>
-          <a:ln/>
         </p:spPr>
         <p:txBody>
           <a:bodyPr wrap="square" rtlCol="0" anchor="ctr"/>
@@ -4744,7 +4580,6 @@
             <a:avLst/>
           </a:prstGeom>
           <a:noFill/>
-          <a:ln/>
         </p:spPr>
         <p:txBody>
           <a:bodyPr wrap="square" rtlCol="0" anchor="ctr"/>
@@ -4837,7 +4672,6 @@
             <a:avLst/>
           </a:prstGeom>
           <a:noFill/>
-          <a:ln/>
         </p:spPr>
         <p:txBody>
           <a:bodyPr wrap="square" rtlCol="0" anchor="ctr"/>
@@ -4876,7 +4710,6 @@
             <a:avLst/>
           </a:prstGeom>
           <a:noFill/>
-          <a:ln/>
         </p:spPr>
         <p:txBody>
           <a:bodyPr wrap="square" rtlCol="0" anchor="ctr"/>
@@ -5126,7 +4959,6 @@
             <a:avLst/>
           </a:prstGeom>
           <a:noFill/>
-          <a:ln/>
         </p:spPr>
         <p:txBody>
           <a:bodyPr wrap="square" rtlCol="0" anchor="ctr"/>
@@ -5193,13 +5025,7 @@
     </p:bg>
     <p:spTree>
       <p:nvGrpSpPr>
-        <p:cNvPr id="1" name="">
-          <a:extLst>
-            <a:ext uri="{FF2B5EF4-FFF2-40B4-BE49-F238E27FC236}">
-              <a16:creationId xmlns:a16="http://schemas.microsoft.com/office/drawing/2014/main" id="{95DA9560-691C-0C11-CA6B-7B1EFEF1953D}"/>
-            </a:ext>
-          </a:extLst>
-        </p:cNvPr>
+        <p:cNvPr id="1" name=""/>
         <p:cNvGrpSpPr/>
         <p:nvPr/>
       </p:nvGrpSpPr>
@@ -5213,13 +5039,7 @@
       </p:grpSpPr>
       <p:sp>
         <p:nvSpPr>
-          <p:cNvPr id="2" name="Shape 0">
-            <a:extLst>
-              <a:ext uri="{FF2B5EF4-FFF2-40B4-BE49-F238E27FC236}">
-                <a16:creationId xmlns:a16="http://schemas.microsoft.com/office/drawing/2014/main" id="{CE6D1F1B-8B43-2308-4EF2-D0ABE0CA9195}"/>
-              </a:ext>
-            </a:extLst>
-          </p:cNvPr>
+          <p:cNvPr id="2" name="Shape 0"/>
           <p:cNvSpPr/>
           <p:nvPr/>
         </p:nvSpPr>
@@ -5251,13 +5071,7 @@
       </p:sp>
       <p:sp>
         <p:nvSpPr>
-          <p:cNvPr id="3" name="Text 1">
-            <a:extLst>
-              <a:ext uri="{FF2B5EF4-FFF2-40B4-BE49-F238E27FC236}">
-                <a16:creationId xmlns:a16="http://schemas.microsoft.com/office/drawing/2014/main" id="{198FBA0E-9861-6D10-3C73-40FB769FB140}"/>
-              </a:ext>
-            </a:extLst>
-          </p:cNvPr>
+          <p:cNvPr id="3" name="Text 1"/>
           <p:cNvSpPr/>
           <p:nvPr/>
         </p:nvSpPr>
@@ -5270,7 +5084,6 @@
             <a:avLst/>
           </a:prstGeom>
           <a:noFill/>
-          <a:ln/>
         </p:spPr>
         <p:txBody>
           <a:bodyPr wrap="square" rtlCol="0" anchor="ctr"/>
@@ -5296,13 +5109,7 @@
       </p:sp>
       <p:sp>
         <p:nvSpPr>
-          <p:cNvPr id="13" name="Shape 11">
-            <a:extLst>
-              <a:ext uri="{FF2B5EF4-FFF2-40B4-BE49-F238E27FC236}">
-                <a16:creationId xmlns:a16="http://schemas.microsoft.com/office/drawing/2014/main" id="{0E7C0CDD-8AD8-E746-8AEF-437691DFE708}"/>
-              </a:ext>
-            </a:extLst>
-          </p:cNvPr>
+          <p:cNvPr id="13" name="Shape 11"/>
           <p:cNvSpPr/>
           <p:nvPr/>
         </p:nvSpPr>
@@ -5334,13 +5141,7 @@
       </p:sp>
       <p:sp>
         <p:nvSpPr>
-          <p:cNvPr id="15" name="Text 13">
-            <a:extLst>
-              <a:ext uri="{FF2B5EF4-FFF2-40B4-BE49-F238E27FC236}">
-                <a16:creationId xmlns:a16="http://schemas.microsoft.com/office/drawing/2014/main" id="{ADBF5AE8-DB04-0CD5-256F-F972E005B502}"/>
-              </a:ext>
-            </a:extLst>
-          </p:cNvPr>
+          <p:cNvPr id="15" name="Text 13"/>
           <p:cNvSpPr/>
           <p:nvPr/>
         </p:nvSpPr>
@@ -5353,7 +5154,6 @@
             <a:avLst/>
           </a:prstGeom>
           <a:noFill/>
-          <a:ln/>
         </p:spPr>
         <p:txBody>
           <a:bodyPr wrap="square" rtlCol="0" anchor="t"/>
@@ -5479,13 +5279,7 @@
       </p:sp>
       <p:sp>
         <p:nvSpPr>
-          <p:cNvPr id="19" name="Shape 16">
-            <a:extLst>
-              <a:ext uri="{FF2B5EF4-FFF2-40B4-BE49-F238E27FC236}">
-                <a16:creationId xmlns:a16="http://schemas.microsoft.com/office/drawing/2014/main" id="{49D7A33C-9534-DA98-F629-2A81D91AE53F}"/>
-              </a:ext>
-            </a:extLst>
-          </p:cNvPr>
+          <p:cNvPr id="19" name="Shape 16"/>
           <p:cNvSpPr/>
           <p:nvPr/>
         </p:nvSpPr>
@@ -5521,13 +5315,7 @@
       </p:sp>
       <p:sp>
         <p:nvSpPr>
-          <p:cNvPr id="20" name="Text 17">
-            <a:extLst>
-              <a:ext uri="{FF2B5EF4-FFF2-40B4-BE49-F238E27FC236}">
-                <a16:creationId xmlns:a16="http://schemas.microsoft.com/office/drawing/2014/main" id="{2FF0EEDD-01D1-A777-01BB-E5734B7B11B0}"/>
-              </a:ext>
-            </a:extLst>
-          </p:cNvPr>
+          <p:cNvPr id="20" name="Text 17"/>
           <p:cNvSpPr/>
           <p:nvPr/>
         </p:nvSpPr>
@@ -5540,7 +5328,6 @@
             <a:avLst/>
           </a:prstGeom>
           <a:noFill/>
-          <a:ln/>
         </p:spPr>
         <p:txBody>
           <a:bodyPr wrap="square" rtlCol="0" anchor="ctr"/>
@@ -5587,11 +5374,6 @@
         </p:txBody>
       </p:sp>
     </p:spTree>
-    <p:extLst>
-      <p:ext uri="{BB962C8B-B14F-4D97-AF65-F5344CB8AC3E}">
-        <p14:creationId xmlns:p14="http://schemas.microsoft.com/office/powerpoint/2010/main" val="2996224533"/>
-      </p:ext>
-    </p:extLst>
   </p:cSld>
   <p:clrMapOvr>
     <a:masterClrMapping/>
@@ -5601,7 +5383,7 @@
 
 <file path=ppt/slides/slide3.xml><?xml version="1.0" encoding="utf-8"?>
 <p:sld xmlns:a="http://schemas.openxmlformats.org/drawingml/2006/main" xmlns:r="http://schemas.openxmlformats.org/officeDocument/2006/relationships" xmlns:p="http://schemas.openxmlformats.org/presentationml/2006/main">
-  <p:cSld name="Slide 3">
+  <p:cSld>
     <p:spTree>
       <p:nvGrpSpPr>
         <p:cNvPr id="1" name=""/>
@@ -5656,7 +5438,6 @@
             <a:avLst/>
           </a:prstGeom>
           <a:noFill/>
-          <a:ln/>
         </p:spPr>
         <p:txBody>
           <a:bodyPr wrap="square" rtlCol="0" anchor="ctr"/>
@@ -5695,7 +5476,6 @@
             <a:avLst/>
           </a:prstGeom>
           <a:noFill/>
-          <a:ln/>
         </p:spPr>
         <p:txBody>
           <a:bodyPr wrap="square" rtlCol="0" anchor="ctr"/>
@@ -5723,11 +5503,15 @@
         <p:nvSpPr>
           <p:cNvPr id="5" name="Shape 3"/>
           <p:cNvSpPr/>
-          <p:nvPr/>
-        </p:nvSpPr>
-        <p:spPr>
-          <a:xfrm>
-            <a:off x="548640" y="1051560"/>
+          <p:nvPr>
+            <p:custDataLst>
+              <p:tags r:id="rId1"/>
+            </p:custDataLst>
+          </p:nvPr>
+        </p:nvSpPr>
+        <p:spPr>
+          <a:xfrm>
+            <a:off x="345440" y="1019175"/>
             <a:ext cx="5806440" cy="5074920"/>
           </a:xfrm>
           <a:prstGeom prst="roundRect">
@@ -5755,18 +5539,21 @@
         <p:nvSpPr>
           <p:cNvPr id="6" name="Text 4"/>
           <p:cNvSpPr/>
-          <p:nvPr/>
-        </p:nvSpPr>
-        <p:spPr>
-          <a:xfrm>
-            <a:off x="868680" y="1280160"/>
+          <p:nvPr>
+            <p:custDataLst>
+              <p:tags r:id="rId2"/>
+            </p:custDataLst>
+          </p:nvPr>
+        </p:nvSpPr>
+        <p:spPr>
+          <a:xfrm>
+            <a:off x="548640" y="1280160"/>
             <a:ext cx="5166360" cy="320040"/>
           </a:xfrm>
           <a:prstGeom prst="rect">
             <a:avLst/>
           </a:prstGeom>
           <a:noFill/>
-          <a:ln/>
         </p:spPr>
         <p:txBody>
           <a:bodyPr wrap="square" rtlCol="0" anchor="ctr"/>
@@ -5794,18 +5581,21 @@
         <p:nvSpPr>
           <p:cNvPr id="7" name="Text 5"/>
           <p:cNvSpPr/>
-          <p:nvPr/>
-        </p:nvSpPr>
-        <p:spPr>
-          <a:xfrm>
-            <a:off x="868680" y="1691640"/>
+          <p:nvPr>
+            <p:custDataLst>
+              <p:tags r:id="rId3"/>
+            </p:custDataLst>
+          </p:nvPr>
+        </p:nvSpPr>
+        <p:spPr>
+          <a:xfrm>
+            <a:off x="548640" y="1691640"/>
             <a:ext cx="5166360" cy="4206240"/>
           </a:xfrm>
           <a:prstGeom prst="rect">
             <a:avLst/>
           </a:prstGeom>
           <a:noFill/>
-          <a:ln/>
         </p:spPr>
         <p:txBody>
           <a:bodyPr wrap="square" rtlCol="0" anchor="t"/>
@@ -5900,11 +5690,15 @@
         <p:nvSpPr>
           <p:cNvPr id="8" name="Shape 6"/>
           <p:cNvSpPr/>
-          <p:nvPr/>
-        </p:nvSpPr>
-        <p:spPr>
-          <a:xfrm>
-            <a:off x="6492240" y="1051560"/>
+          <p:nvPr>
+            <p:custDataLst>
+              <p:tags r:id="rId4"/>
+            </p:custDataLst>
+          </p:nvPr>
+        </p:nvSpPr>
+        <p:spPr>
+          <a:xfrm>
+            <a:off x="6172200" y="1060450"/>
             <a:ext cx="5696712" cy="5074920"/>
           </a:xfrm>
           <a:prstGeom prst="roundRect">
@@ -5932,18 +5726,21 @@
         <p:nvSpPr>
           <p:cNvPr id="9" name="Text 7"/>
           <p:cNvSpPr/>
-          <p:nvPr/>
-        </p:nvSpPr>
-        <p:spPr>
-          <a:xfrm>
-            <a:off x="6812280" y="1280160"/>
+          <p:nvPr>
+            <p:custDataLst>
+              <p:tags r:id="rId5"/>
+            </p:custDataLst>
+          </p:nvPr>
+        </p:nvSpPr>
+        <p:spPr>
+          <a:xfrm>
+            <a:off x="6492240" y="1280160"/>
             <a:ext cx="5056632" cy="320040"/>
           </a:xfrm>
           <a:prstGeom prst="rect">
             <a:avLst/>
           </a:prstGeom>
           <a:noFill/>
-          <a:ln/>
         </p:spPr>
         <p:txBody>
           <a:bodyPr wrap="square" rtlCol="0" anchor="ctr"/>
@@ -5971,18 +5768,21 @@
         <p:nvSpPr>
           <p:cNvPr id="10" name="Text 8"/>
           <p:cNvSpPr/>
-          <p:nvPr/>
-        </p:nvSpPr>
-        <p:spPr>
-          <a:xfrm>
-            <a:off x="6812280" y="1691640"/>
+          <p:nvPr>
+            <p:custDataLst>
+              <p:tags r:id="rId6"/>
+            </p:custDataLst>
+          </p:nvPr>
+        </p:nvSpPr>
+        <p:spPr>
+          <a:xfrm>
+            <a:off x="6492240" y="1691640"/>
             <a:ext cx="5056632" cy="4206240"/>
           </a:xfrm>
           <a:prstGeom prst="rect">
             <a:avLst/>
           </a:prstGeom>
           <a:noFill/>
-          <a:ln/>
         </p:spPr>
         <p:txBody>
           <a:bodyPr wrap="square" rtlCol="0" anchor="t"/>
@@ -6124,7 +5924,6 @@
             <a:avLst/>
           </a:prstGeom>
           <a:noFill/>
-          <a:ln/>
         </p:spPr>
         <p:txBody>
           <a:bodyPr wrap="square" rtlCol="0" anchor="ctr"/>
@@ -6180,7 +5979,7 @@
 
 <file path=ppt/slides/slide4.xml><?xml version="1.0" encoding="utf-8"?>
 <p:sld xmlns:a="http://schemas.openxmlformats.org/drawingml/2006/main" xmlns:r="http://schemas.openxmlformats.org/officeDocument/2006/relationships" xmlns:p="http://schemas.openxmlformats.org/presentationml/2006/main">
-  <p:cSld name="Slide 4">
+  <p:cSld>
     <p:spTree>
       <p:nvGrpSpPr>
         <p:cNvPr id="1" name=""/>
@@ -6235,7 +6034,6 @@
             <a:avLst/>
           </a:prstGeom>
           <a:noFill/>
-          <a:ln/>
         </p:spPr>
         <p:txBody>
           <a:bodyPr wrap="square" rtlCol="0" anchor="ctr"/>
@@ -6274,7 +6072,6 @@
             <a:avLst/>
           </a:prstGeom>
           <a:noFill/>
-          <a:ln/>
         </p:spPr>
         <p:txBody>
           <a:bodyPr wrap="square" rtlCol="0" anchor="ctr"/>
@@ -6338,7 +6135,6 @@
             <a:avLst/>
           </a:prstGeom>
           <a:noFill/>
-          <a:ln/>
         </p:spPr>
         <p:txBody>
           <a:bodyPr wrap="square" rtlCol="0" anchor="ctr"/>
@@ -6419,7 +6215,6 @@
             <a:avLst/>
           </a:prstGeom>
           <a:noFill/>
-          <a:ln/>
         </p:spPr>
         <p:txBody>
           <a:bodyPr wrap="square" rtlCol="0" anchor="ctr"/>
@@ -6500,7 +6295,6 @@
             <a:avLst/>
           </a:prstGeom>
           <a:noFill/>
-          <a:ln/>
         </p:spPr>
         <p:txBody>
           <a:bodyPr wrap="square" rtlCol="0" anchor="ctr"/>
@@ -6631,7 +6425,6 @@
             <a:avLst/>
           </a:prstGeom>
           <a:noFill/>
-          <a:ln/>
         </p:spPr>
         <p:txBody>
           <a:bodyPr wrap="square" rtlCol="0" anchor="ctr"/>
@@ -6762,7 +6555,6 @@
             <a:avLst/>
           </a:prstGeom>
           <a:noFill/>
-          <a:ln/>
         </p:spPr>
         <p:txBody>
           <a:bodyPr wrap="square" rtlCol="0" anchor="ctr"/>
@@ -6801,7 +6593,6 @@
             <a:avLst/>
           </a:prstGeom>
           <a:noFill/>
-          <a:ln/>
         </p:spPr>
         <p:txBody>
           <a:bodyPr wrap="square" rtlCol="0" anchor="ctr"/>
@@ -6922,7 +6713,6 @@
             <a:avLst/>
           </a:prstGeom>
           <a:noFill/>
-          <a:ln/>
         </p:spPr>
         <p:txBody>
           <a:bodyPr wrap="square" rtlCol="0" anchor="ctr"/>
@@ -6970,13 +6760,7 @@
       </p:sp>
       <p:sp>
         <p:nvSpPr>
-          <p:cNvPr id="23" name="Shape 11">
-            <a:extLst>
-              <a:ext uri="{FF2B5EF4-FFF2-40B4-BE49-F238E27FC236}">
-                <a16:creationId xmlns:a16="http://schemas.microsoft.com/office/drawing/2014/main" id="{9FD2F2C7-0BEE-7905-A377-4751E2A05DED}"/>
-              </a:ext>
-            </a:extLst>
-          </p:cNvPr>
+          <p:cNvPr id="23" name="Shape 11"/>
           <p:cNvSpPr/>
           <p:nvPr/>
         </p:nvSpPr>
@@ -7001,13 +6785,7 @@
       </p:sp>
       <p:sp>
         <p:nvSpPr>
-          <p:cNvPr id="24" name="Shape 12">
-            <a:extLst>
-              <a:ext uri="{FF2B5EF4-FFF2-40B4-BE49-F238E27FC236}">
-                <a16:creationId xmlns:a16="http://schemas.microsoft.com/office/drawing/2014/main" id="{D1BFFA89-321D-A11C-A47B-8F0DD6787A61}"/>
-              </a:ext>
-            </a:extLst>
-          </p:cNvPr>
+          <p:cNvPr id="24" name="Shape 12"/>
           <p:cNvSpPr/>
           <p:nvPr/>
         </p:nvSpPr>
@@ -7032,13 +6810,7 @@
       </p:sp>
       <p:sp>
         <p:nvSpPr>
-          <p:cNvPr id="26" name="Text 13">
-            <a:extLst>
-              <a:ext uri="{FF2B5EF4-FFF2-40B4-BE49-F238E27FC236}">
-                <a16:creationId xmlns:a16="http://schemas.microsoft.com/office/drawing/2014/main" id="{2042F203-D0D9-57A9-BB76-8723DE770631}"/>
-              </a:ext>
-            </a:extLst>
-          </p:cNvPr>
+          <p:cNvPr id="26" name="Text 13"/>
           <p:cNvSpPr/>
           <p:nvPr/>
         </p:nvSpPr>
@@ -7051,7 +6823,6 @@
             <a:avLst/>
           </a:prstGeom>
           <a:noFill/>
-          <a:ln/>
         </p:spPr>
         <p:txBody>
           <a:bodyPr wrap="square" rtlCol="0" anchor="ctr"/>
@@ -7101,13 +6872,7 @@
       </p:sp>
       <p:sp>
         <p:nvSpPr>
-          <p:cNvPr id="27" name="Shape 15">
-            <a:extLst>
-              <a:ext uri="{FF2B5EF4-FFF2-40B4-BE49-F238E27FC236}">
-                <a16:creationId xmlns:a16="http://schemas.microsoft.com/office/drawing/2014/main" id="{FE4290F7-69D1-92AC-DB59-AD67D5F77983}"/>
-              </a:ext>
-            </a:extLst>
-          </p:cNvPr>
+          <p:cNvPr id="27" name="Shape 15"/>
           <p:cNvSpPr/>
           <p:nvPr/>
         </p:nvSpPr>
@@ -7140,7 +6905,7 @@
 
 <file path=ppt/slides/slide5.xml><?xml version="1.0" encoding="utf-8"?>
 <p:sld xmlns:a="http://schemas.openxmlformats.org/drawingml/2006/main" xmlns:r="http://schemas.openxmlformats.org/officeDocument/2006/relationships" xmlns:p="http://schemas.openxmlformats.org/presentationml/2006/main">
-  <p:cSld name="Slide 5">
+  <p:cSld>
     <p:spTree>
       <p:nvGrpSpPr>
         <p:cNvPr id="1" name=""/>
@@ -7195,7 +6960,6 @@
             <a:avLst/>
           </a:prstGeom>
           <a:noFill/>
-          <a:ln/>
         </p:spPr>
         <p:txBody>
           <a:bodyPr wrap="square" rtlCol="0" anchor="ctr"/>
@@ -7234,7 +6998,6 @@
             <a:avLst/>
           </a:prstGeom>
           <a:noFill/>
-          <a:ln/>
         </p:spPr>
         <p:txBody>
           <a:bodyPr wrap="square" rtlCol="0" anchor="ctr"/>
@@ -7305,7 +7068,6 @@
             <a:avLst/>
           </a:prstGeom>
           <a:noFill/>
-          <a:ln/>
         </p:spPr>
         <p:txBody>
           <a:bodyPr wrap="square" rtlCol="0" anchor="ctr"/>
@@ -7344,7 +7106,6 @@
             <a:avLst/>
           </a:prstGeom>
           <a:noFill/>
-          <a:ln/>
         </p:spPr>
         <p:txBody>
           <a:bodyPr wrap="square" rtlCol="0" anchor="t"/>
@@ -7503,7 +7264,6 @@
             <a:avLst/>
           </a:prstGeom>
           <a:noFill/>
-          <a:ln/>
         </p:spPr>
         <p:txBody>
           <a:bodyPr wrap="square" rtlCol="0" anchor="ctr"/>
@@ -7589,7 +7349,6 @@
             <a:avLst/>
           </a:prstGeom>
           <a:noFill/>
-          <a:ln/>
         </p:spPr>
         <p:txBody>
           <a:bodyPr wrap="square" rtlCol="0" anchor="ctr"/>
@@ -7678,7 +7437,6 @@
             <a:avLst/>
           </a:prstGeom>
           <a:noFill/>
-          <a:ln/>
         </p:spPr>
         <p:txBody>
           <a:bodyPr wrap="square" rtlCol="0" anchor="ctr"/>
@@ -7767,7 +7525,6 @@
             <a:avLst/>
           </a:prstGeom>
           <a:noFill/>
-          <a:ln/>
         </p:spPr>
         <p:txBody>
           <a:bodyPr wrap="square" rtlCol="0" anchor="ctr"/>
@@ -7856,7 +7613,6 @@
             <a:avLst/>
           </a:prstGeom>
           <a:noFill/>
-          <a:ln/>
         </p:spPr>
         <p:txBody>
           <a:bodyPr wrap="square" rtlCol="0" anchor="ctr"/>
@@ -7945,7 +7701,6 @@
             <a:avLst/>
           </a:prstGeom>
           <a:noFill/>
-          <a:ln/>
         </p:spPr>
         <p:txBody>
           <a:bodyPr wrap="square" rtlCol="0" anchor="ctr"/>
@@ -8020,7 +7775,6 @@
             <a:avLst/>
           </a:prstGeom>
           <a:noFill/>
-          <a:ln/>
         </p:spPr>
         <p:txBody>
           <a:bodyPr wrap="square" rtlCol="0" anchor="ctr"/>
@@ -8076,7 +7830,7 @@
 
 <file path=ppt/slides/slide6.xml><?xml version="1.0" encoding="utf-8"?>
 <p:sld xmlns:a="http://schemas.openxmlformats.org/drawingml/2006/main" xmlns:r="http://schemas.openxmlformats.org/officeDocument/2006/relationships" xmlns:p="http://schemas.openxmlformats.org/presentationml/2006/main">
-  <p:cSld name="Slide 6">
+  <p:cSld>
     <p:spTree>
       <p:nvGrpSpPr>
         <p:cNvPr id="1" name=""/>
@@ -8131,7 +7885,6 @@
             <a:avLst/>
           </a:prstGeom>
           <a:noFill/>
-          <a:ln/>
         </p:spPr>
         <p:txBody>
           <a:bodyPr wrap="square" rtlCol="0" anchor="ctr"/>
@@ -8170,7 +7923,6 @@
             <a:avLst/>
           </a:prstGeom>
           <a:noFill/>
-          <a:ln/>
         </p:spPr>
         <p:txBody>
           <a:bodyPr wrap="square" rtlCol="0" anchor="ctr"/>
@@ -8285,7 +8037,6 @@
             <a:avLst/>
           </a:prstGeom>
           <a:noFill/>
-          <a:ln/>
         </p:spPr>
         <p:txBody>
           <a:bodyPr wrap="square" rtlCol="0" anchor="ctr"/>
@@ -8324,7 +8075,6 @@
             <a:avLst/>
           </a:prstGeom>
           <a:noFill/>
-          <a:ln/>
         </p:spPr>
         <p:txBody>
           <a:bodyPr wrap="square" rtlCol="0" anchor="t"/>
@@ -8483,7 +8233,6 @@
             <a:avLst/>
           </a:prstGeom>
           <a:noFill/>
-          <a:ln/>
         </p:spPr>
         <p:txBody>
           <a:bodyPr wrap="square" rtlCol="0" anchor="ctr"/>
@@ -8547,7 +8296,6 @@
             <a:avLst/>
           </a:prstGeom>
           <a:noFill/>
-          <a:ln/>
         </p:spPr>
         <p:txBody>
           <a:bodyPr wrap="square" rtlCol="0" anchor="ctr"/>
@@ -8628,7 +8376,6 @@
             <a:avLst/>
           </a:prstGeom>
           <a:noFill/>
-          <a:ln/>
         </p:spPr>
         <p:txBody>
           <a:bodyPr wrap="square" rtlCol="0" anchor="ctr"/>
@@ -8734,7 +8481,6 @@
             <a:avLst/>
           </a:prstGeom>
           <a:noFill/>
-          <a:ln/>
         </p:spPr>
         <p:txBody>
           <a:bodyPr wrap="square" rtlCol="0" anchor="ctr"/>
@@ -8823,7 +8569,6 @@
             <a:avLst/>
           </a:prstGeom>
           <a:noFill/>
-          <a:ln/>
         </p:spPr>
         <p:txBody>
           <a:bodyPr wrap="square" rtlCol="0" anchor="ctr"/>
@@ -8912,7 +8657,6 @@
             <a:avLst/>
           </a:prstGeom>
           <a:noFill/>
-          <a:ln/>
         </p:spPr>
         <p:txBody>
           <a:bodyPr wrap="square" rtlCol="0" anchor="ctr"/>
@@ -8987,7 +8731,6 @@
             <a:avLst/>
           </a:prstGeom>
           <a:noFill/>
-          <a:ln/>
         </p:spPr>
         <p:txBody>
           <a:bodyPr wrap="square" rtlCol="0" anchor="ctr"/>
@@ -9043,7 +8786,7 @@
 
 <file path=ppt/slides/slide7.xml><?xml version="1.0" encoding="utf-8"?>
 <p:sld xmlns:a="http://schemas.openxmlformats.org/drawingml/2006/main" xmlns:r="http://schemas.openxmlformats.org/officeDocument/2006/relationships" xmlns:p="http://schemas.openxmlformats.org/presentationml/2006/main">
-  <p:cSld name="Slide 7">
+  <p:cSld>
     <p:spTree>
       <p:nvGrpSpPr>
         <p:cNvPr id="1" name=""/>
@@ -9098,7 +8841,6 @@
             <a:avLst/>
           </a:prstGeom>
           <a:noFill/>
-          <a:ln/>
         </p:spPr>
         <p:txBody>
           <a:bodyPr wrap="square" rtlCol="0" anchor="ctr"/>
@@ -9137,7 +8879,6 @@
             <a:avLst/>
           </a:prstGeom>
           <a:noFill/>
-          <a:ln/>
         </p:spPr>
         <p:txBody>
           <a:bodyPr wrap="square" rtlCol="0" anchor="ctr"/>
@@ -9208,7 +8949,6 @@
             <a:avLst/>
           </a:prstGeom>
           <a:noFill/>
-          <a:ln/>
         </p:spPr>
         <p:txBody>
           <a:bodyPr wrap="square" rtlCol="0" anchor="ctr"/>
@@ -9247,7 +8987,6 @@
             <a:avLst/>
           </a:prstGeom>
           <a:noFill/>
-          <a:ln/>
         </p:spPr>
         <p:txBody>
           <a:bodyPr wrap="square" rtlCol="0" anchor="t"/>
@@ -9406,7 +9145,6 @@
             <a:avLst/>
           </a:prstGeom>
           <a:noFill/>
-          <a:ln/>
         </p:spPr>
         <p:txBody>
           <a:bodyPr wrap="square" rtlCol="0" anchor="ctr"/>
@@ -9495,7 +9233,6 @@
             <a:avLst/>
           </a:prstGeom>
           <a:noFill/>
-          <a:ln/>
         </p:spPr>
         <p:txBody>
           <a:bodyPr wrap="square" rtlCol="0" anchor="ctr"/>
@@ -9559,7 +9296,6 @@
             <a:avLst/>
           </a:prstGeom>
           <a:noFill/>
-          <a:ln/>
         </p:spPr>
         <p:txBody>
           <a:bodyPr wrap="square" rtlCol="0" anchor="ctr"/>
@@ -9623,7 +9359,6 @@
             <a:avLst/>
           </a:prstGeom>
           <a:noFill/>
-          <a:ln/>
         </p:spPr>
         <p:txBody>
           <a:bodyPr wrap="square" rtlCol="0" anchor="ctr"/>
@@ -9687,7 +9422,6 @@
             <a:avLst/>
           </a:prstGeom>
           <a:noFill/>
-          <a:ln/>
         </p:spPr>
         <p:txBody>
           <a:bodyPr wrap="square" rtlCol="0" anchor="ctr"/>
@@ -9751,7 +9485,6 @@
             <a:avLst/>
           </a:prstGeom>
           <a:noFill/>
-          <a:ln/>
         </p:spPr>
         <p:txBody>
           <a:bodyPr wrap="square" rtlCol="0" anchor="ctr"/>
@@ -9790,7 +9523,6 @@
             <a:avLst/>
           </a:prstGeom>
           <a:noFill/>
-          <a:ln/>
         </p:spPr>
         <p:txBody>
           <a:bodyPr wrap="square" rtlCol="0" anchor="ctr"/>
@@ -9911,7 +9643,6 @@
             <a:avLst/>
           </a:prstGeom>
           <a:noFill/>
-          <a:ln/>
         </p:spPr>
         <p:txBody>
           <a:bodyPr wrap="square" rtlCol="0" anchor="ctr"/>
@@ -9967,7 +9698,7 @@
 
 <file path=ppt/slides/slide8.xml><?xml version="1.0" encoding="utf-8"?>
 <p:sld xmlns:a="http://schemas.openxmlformats.org/drawingml/2006/main" xmlns:r="http://schemas.openxmlformats.org/officeDocument/2006/relationships" xmlns:p="http://schemas.openxmlformats.org/presentationml/2006/main">
-  <p:cSld name="Slide 8">
+  <p:cSld>
     <p:spTree>
       <p:nvGrpSpPr>
         <p:cNvPr id="1" name=""/>
@@ -10022,7 +9753,6 @@
             <a:avLst/>
           </a:prstGeom>
           <a:noFill/>
-          <a:ln/>
         </p:spPr>
         <p:txBody>
           <a:bodyPr wrap="square" rtlCol="0" anchor="ctr"/>
@@ -10061,7 +9791,6 @@
             <a:avLst/>
           </a:prstGeom>
           <a:noFill/>
-          <a:ln/>
         </p:spPr>
         <p:txBody>
           <a:bodyPr wrap="square" rtlCol="0" anchor="ctr"/>
@@ -10150,7 +9879,6 @@
             <a:avLst/>
           </a:prstGeom>
           <a:noFill/>
-          <a:ln/>
         </p:spPr>
         <p:txBody>
           <a:bodyPr wrap="square" rtlCol="0" anchor="ctr"/>
@@ -10189,7 +9917,6 @@
             <a:avLst/>
           </a:prstGeom>
           <a:noFill/>
-          <a:ln/>
         </p:spPr>
         <p:txBody>
           <a:bodyPr wrap="square" rtlCol="0" anchor="ctr"/>
@@ -10278,7 +10005,6 @@
             <a:avLst/>
           </a:prstGeom>
           <a:noFill/>
-          <a:ln/>
         </p:spPr>
         <p:txBody>
           <a:bodyPr wrap="square" rtlCol="0" anchor="t"/>
@@ -10317,7 +10043,6 @@
             <a:avLst/>
           </a:prstGeom>
           <a:noFill/>
-          <a:ln/>
         </p:spPr>
         <p:txBody>
           <a:bodyPr wrap="square" rtlCol="0" anchor="t"/>
@@ -10406,7 +10131,6 @@
             <a:avLst/>
           </a:prstGeom>
           <a:noFill/>
-          <a:ln/>
         </p:spPr>
         <p:txBody>
           <a:bodyPr wrap="square" rtlCol="0" anchor="t"/>
@@ -10445,7 +10169,6 @@
             <a:avLst/>
           </a:prstGeom>
           <a:noFill/>
-          <a:ln/>
         </p:spPr>
         <p:txBody>
           <a:bodyPr wrap="square" rtlCol="0" anchor="t"/>
@@ -10534,7 +10257,6 @@
             <a:avLst/>
           </a:prstGeom>
           <a:noFill/>
-          <a:ln/>
         </p:spPr>
         <p:txBody>
           <a:bodyPr wrap="square" rtlCol="0" anchor="t"/>
@@ -10573,7 +10295,6 @@
             <a:avLst/>
           </a:prstGeom>
           <a:noFill/>
-          <a:ln/>
         </p:spPr>
         <p:txBody>
           <a:bodyPr wrap="square" rtlCol="0" anchor="t"/>
@@ -10662,7 +10383,6 @@
             <a:avLst/>
           </a:prstGeom>
           <a:noFill/>
-          <a:ln/>
         </p:spPr>
         <p:txBody>
           <a:bodyPr wrap="square" rtlCol="0" anchor="t"/>
@@ -10701,7 +10421,6 @@
             <a:avLst/>
           </a:prstGeom>
           <a:noFill/>
-          <a:ln/>
         </p:spPr>
         <p:txBody>
           <a:bodyPr wrap="square" rtlCol="0" anchor="t"/>
@@ -10776,7 +10495,6 @@
             <a:avLst/>
           </a:prstGeom>
           <a:noFill/>
-          <a:ln/>
         </p:spPr>
         <p:txBody>
           <a:bodyPr wrap="square" rtlCol="0" anchor="ctr"/>
@@ -10832,7 +10550,7 @@
 
 <file path=ppt/slides/slide9.xml><?xml version="1.0" encoding="utf-8"?>
 <p:sld xmlns:a="http://schemas.openxmlformats.org/drawingml/2006/main" xmlns:r="http://schemas.openxmlformats.org/officeDocument/2006/relationships" xmlns:p="http://schemas.openxmlformats.org/presentationml/2006/main">
-  <p:cSld name="Slide 9">
+  <p:cSld>
     <p:spTree>
       <p:nvGrpSpPr>
         <p:cNvPr id="1" name=""/>
@@ -10887,7 +10605,6 @@
             <a:avLst/>
           </a:prstGeom>
           <a:noFill/>
-          <a:ln/>
         </p:spPr>
         <p:txBody>
           <a:bodyPr wrap="square" rtlCol="0" anchor="ctr"/>
@@ -10926,7 +10643,6 @@
             <a:avLst/>
           </a:prstGeom>
           <a:noFill/>
-          <a:ln/>
         </p:spPr>
         <p:txBody>
           <a:bodyPr wrap="square" rtlCol="0" anchor="ctr"/>
@@ -10997,7 +10713,6 @@
             <a:avLst/>
           </a:prstGeom>
           <a:noFill/>
-          <a:ln/>
         </p:spPr>
         <p:txBody>
           <a:bodyPr wrap="square" rtlCol="0" anchor="ctr"/>
@@ -11036,7 +10751,6 @@
             <a:avLst/>
           </a:prstGeom>
           <a:noFill/>
-          <a:ln/>
         </p:spPr>
         <p:txBody>
           <a:bodyPr wrap="square" rtlCol="0" anchor="ctr"/>
@@ -11124,6 +10838,14 @@
               </a:rPr>
               <a:t>.</a:t>
             </a:r>
+            <a:endParaRPr lang="en-US" sz="1500" dirty="0">
+              <a:solidFill>
+                <a:srgbClr val="0F172A"/>
+              </a:solidFill>
+              <a:latin typeface="Aptos" pitchFamily="34" charset="0"/>
+              <a:ea typeface="Aptos" pitchFamily="34" charset="-122"/>
+              <a:cs typeface="Aptos" pitchFamily="34" charset="-120"/>
+            </a:endParaRPr>
           </a:p>
           <a:p>
             <a:pPr marL="254000" indent="-254000">
@@ -11309,7 +11031,6 @@
             <a:avLst/>
           </a:prstGeom>
           <a:noFill/>
-          <a:ln/>
         </p:spPr>
         <p:txBody>
           <a:bodyPr wrap="square" rtlCol="0" anchor="ctr"/>
@@ -11361,6 +11082,42 @@
     <a:masterClrMapping/>
   </p:clrMapOvr>
 </p:sld>
+</file>
+
+<file path=ppt/tags/tag1.xml><?xml version="1.0" encoding="utf-8"?>
+<p:tagLst xmlns:p="http://schemas.openxmlformats.org/presentationml/2006/main">
+  <p:tag name="KSO_WM_DIAGRAM_VIRTUALLY_FRAME" val="{&quot;height&quot;:402.85,&quot;left&quot;:27.2,&quot;top&quot;:80.25,&quot;width&quot;:932.5600000000001}"/>
+</p:tagLst>
+</file>
+
+<file path=ppt/tags/tag2.xml><?xml version="1.0" encoding="utf-8"?>
+<p:tagLst xmlns:p="http://schemas.openxmlformats.org/presentationml/2006/main">
+  <p:tag name="KSO_WM_DIAGRAM_VIRTUALLY_FRAME" val="{&quot;height&quot;:402.85,&quot;left&quot;:27.2,&quot;top&quot;:80.25,&quot;width&quot;:932.5600000000001}"/>
+</p:tagLst>
+</file>
+
+<file path=ppt/tags/tag3.xml><?xml version="1.0" encoding="utf-8"?>
+<p:tagLst xmlns:p="http://schemas.openxmlformats.org/presentationml/2006/main">
+  <p:tag name="KSO_WM_DIAGRAM_VIRTUALLY_FRAME" val="{&quot;height&quot;:402.85,&quot;left&quot;:27.2,&quot;top&quot;:80.25,&quot;width&quot;:932.5600000000001}"/>
+</p:tagLst>
+</file>
+
+<file path=ppt/tags/tag4.xml><?xml version="1.0" encoding="utf-8"?>
+<p:tagLst xmlns:p="http://schemas.openxmlformats.org/presentationml/2006/main">
+  <p:tag name="KSO_WM_DIAGRAM_VIRTUALLY_FRAME" val="{&quot;height&quot;:402.85,&quot;left&quot;:27.2,&quot;top&quot;:80.25,&quot;width&quot;:932.5600000000001}"/>
+</p:tagLst>
+</file>
+
+<file path=ppt/tags/tag5.xml><?xml version="1.0" encoding="utf-8"?>
+<p:tagLst xmlns:p="http://schemas.openxmlformats.org/presentationml/2006/main">
+  <p:tag name="KSO_WM_DIAGRAM_VIRTUALLY_FRAME" val="{&quot;height&quot;:402.85,&quot;left&quot;:27.2,&quot;top&quot;:80.25,&quot;width&quot;:932.5600000000001}"/>
+</p:tagLst>
+</file>
+
+<file path=ppt/tags/tag6.xml><?xml version="1.0" encoding="utf-8"?>
+<p:tagLst xmlns:p="http://schemas.openxmlformats.org/presentationml/2006/main">
+  <p:tag name="KSO_WM_DIAGRAM_VIRTUALLY_FRAME" val="{&quot;height&quot;:402.85,&quot;left&quot;:27.2,&quot;top&quot;:80.25,&quot;width&quot;:932.5600000000001}"/>
+</p:tagLst>
 </file>
 
 <file path=ppt/theme/theme1.xml><?xml version="1.0" encoding="utf-8"?>
@@ -11406,7 +11163,7 @@
     </a:clrScheme>
     <a:fontScheme name="大都市">
       <a:majorFont>
-        <a:latin typeface="Calibri Light" panose="020F0302020204030204"/>
+        <a:latin typeface="Calibri Light"/>
         <a:ea typeface=""/>
         <a:cs typeface=""/>
         <a:font script="Jpan" typeface="ＭＳ Ｐゴシック"/>
@@ -11441,7 +11198,7 @@
         <a:font script="Geor" typeface="Sylfaen"/>
       </a:majorFont>
       <a:minorFont>
-        <a:latin typeface="Calibri Light" panose="020F0302020204030204"/>
+        <a:latin typeface="Calibri Light"/>
         <a:ea typeface=""/>
         <a:cs typeface=""/>
         <a:font script="Jpan" typeface="ＭＳ Ｐゴシック"/>
@@ -11590,11 +11347,9 @@
       </a:bgFillStyleLst>
     </a:fmtScheme>
   </a:themeElements>
-  <a:objectDefaults/>
-  <a:extraClrSchemeLst/>
   <a:extLst>
     <a:ext uri="{05A4C25C-085E-4340-85A3-A5531E510DB2}">
-      <thm15:themeFamily xmlns:thm15="http://schemas.microsoft.com/office/thememl/2012/main" name="Metropolitan" id="{4C5440D6-04D2-4954-96CF-F251137069B2}" vid="{79CFCA13-9412-4290-BB4B-85112F88857B}"/>
+      <thm15:themeFamily xmlns:thm15="http://schemas.microsoft.com/office/thememl/2012/main" name="Office Theme" id="{62F939B6-93AF-4DB8-9C6B-D6C7DFDC589F}" vid="{4A3C46E8-61CC-4603-A589-7422A47A8E4A}"/>
     </a:ext>
   </a:extLst>
 </a:theme>
@@ -11643,7 +11398,7 @@
     </a:clrScheme>
     <a:fontScheme name="Office">
       <a:majorFont>
-        <a:latin typeface="等线 Light" panose="020F0302020204030204"/>
+        <a:latin typeface="等线 Light"/>
         <a:ea typeface=""/>
         <a:cs typeface=""/>
         <a:font script="Jpan" typeface="游ゴシック Light"/>
@@ -11676,26 +11431,9 @@
         <a:font script="Viet" typeface="Times New Roman"/>
         <a:font script="Uigh" typeface="Microsoft Uighur"/>
         <a:font script="Geor" typeface="Sylfaen"/>
-        <a:font script="Armn" typeface="Arial"/>
-        <a:font script="Bugi" typeface="Leelawadee UI"/>
-        <a:font script="Bopo" typeface="Microsoft JhengHei"/>
-        <a:font script="Java" typeface="Javanese Text"/>
-        <a:font script="Lisu" typeface="Segoe UI"/>
-        <a:font script="Mymr" typeface="Myanmar Text"/>
-        <a:font script="Nkoo" typeface="Ebrima"/>
-        <a:font script="Olck" typeface="Nirmala UI"/>
-        <a:font script="Osma" typeface="Ebrima"/>
-        <a:font script="Phag" typeface="Phagspa"/>
-        <a:font script="Syrn" typeface="Estrangelo Edessa"/>
-        <a:font script="Syrj" typeface="Estrangelo Edessa"/>
-        <a:font script="Syre" typeface="Estrangelo Edessa"/>
-        <a:font script="Sora" typeface="Nirmala UI"/>
-        <a:font script="Tale" typeface="Microsoft Tai Le"/>
-        <a:font script="Talu" typeface="Microsoft New Tai Lue"/>
-        <a:font script="Tfng" typeface="Ebrima"/>
       </a:majorFont>
       <a:minorFont>
-        <a:latin typeface="等线" panose="020F0502020204030204"/>
+        <a:latin typeface="等线"/>
         <a:ea typeface=""/>
         <a:cs typeface=""/>
         <a:font script="Jpan" typeface="游ゴシック"/>
@@ -11728,23 +11466,6 @@
         <a:font script="Viet" typeface="Arial"/>
         <a:font script="Uigh" typeface="Microsoft Uighur"/>
         <a:font script="Geor" typeface="Sylfaen"/>
-        <a:font script="Armn" typeface="Arial"/>
-        <a:font script="Bugi" typeface="Leelawadee UI"/>
-        <a:font script="Bopo" typeface="Microsoft JhengHei"/>
-        <a:font script="Java" typeface="Javanese Text"/>
-        <a:font script="Lisu" typeface="Segoe UI"/>
-        <a:font script="Mymr" typeface="Myanmar Text"/>
-        <a:font script="Nkoo" typeface="Ebrima"/>
-        <a:font script="Olck" typeface="Nirmala UI"/>
-        <a:font script="Osma" typeface="Ebrima"/>
-        <a:font script="Phag" typeface="Phagspa"/>
-        <a:font script="Syrn" typeface="Estrangelo Edessa"/>
-        <a:font script="Syrj" typeface="Estrangelo Edessa"/>
-        <a:font script="Syre" typeface="Estrangelo Edessa"/>
-        <a:font script="Sora" typeface="Nirmala UI"/>
-        <a:font script="Tale" typeface="Microsoft Tai Le"/>
-        <a:font script="Talu" typeface="Microsoft New Tai Lue"/>
-        <a:font script="Tfng" typeface="Ebrima"/>
       </a:minorFont>
     </a:fontScheme>
     <a:fmtScheme name="Office">
@@ -11885,8 +11606,6 @@
       </a:bgFillStyleLst>
     </a:fmtScheme>
   </a:themeElements>
-  <a:objectDefaults/>
-  <a:extraClrSchemeLst/>
   <a:extLst>
     <a:ext uri="{05A4C25C-085E-4340-85A3-A5531E510DB2}">
       <thm15:themeFamily xmlns:thm15="http://schemas.microsoft.com/office/thememl/2012/main" name="Office Theme" id="{62F939B6-93AF-4DB8-9C6B-D6C7DFDC589F}" vid="{4A3C46E8-61CC-4603-A589-7422A47A8E4A}"/>

--- a/Soutenance_SuperLOL_Presentation.pptx
+++ b/Soutenance_SuperLOL_Presentation.pptx
@@ -4752,7 +4752,21 @@
                 <a:ea typeface="Aptos" pitchFamily="34" charset="-122"/>
                 <a:cs typeface="Aptos" pitchFamily="34" charset="-120"/>
               </a:rPr>
-              <a:t>E3 — Moteur de recommandation combinant base globale + base utilisateur.</a:t>
+              <a:t>E3 — Moteur de recommandation combinant base globale + base utilisateur. </a:t>
+            </a:r>
+            <a:r>
+              <a:rPr lang="zh-CN" altLang="en-US" sz="1500" dirty="0">
+                <a:solidFill>
+                  <a:srgbClr val="0F172A"/>
+                </a:solidFill>
+                <a:highlight>
+                  <a:srgbClr val="FFFF00"/>
+                </a:highlight>
+                <a:latin typeface="Aptos" pitchFamily="34" charset="0"/>
+                <a:ea typeface="宋体" panose="02010600030101010101" pitchFamily="2" charset="-122"/>
+                <a:cs typeface="Aptos" pitchFamily="34" charset="-120"/>
+              </a:rPr>
+              <a:t>这个实现了吧？？</a:t>
             </a:r>
             <a:endParaRPr lang="en-US" sz="1500" dirty="0"/>
           </a:p>
@@ -4882,6 +4896,20 @@
                 <a:cs typeface="Aptos" pitchFamily="34" charset="-120"/>
               </a:rPr>
               <a:t>E9 — UI 100% anglais + bibliothèque de messages “toxique positif” multi-langue.</a:t>
+            </a:r>
+            <a:r>
+              <a:rPr lang="zh-CN" altLang="en-US" sz="1500" dirty="0">
+                <a:solidFill>
+                  <a:srgbClr val="0F172A"/>
+                </a:solidFill>
+                <a:highlight>
+                  <a:srgbClr val="FFFF00"/>
+                </a:highlight>
+                <a:latin typeface="Aptos" pitchFamily="34" charset="0"/>
+                <a:ea typeface="宋体" panose="02010600030101010101" pitchFamily="2" charset="-122"/>
+                <a:cs typeface="Aptos" pitchFamily="34" charset="-120"/>
+              </a:rPr>
+              <a:t>这个实现了吧？？</a:t>
             </a:r>
             <a:endParaRPr lang="en-US" sz="1500" dirty="0"/>
           </a:p>

--- a/Soutenance_SuperLOL_Presentation.pptx
+++ b/Soutenance_SuperLOL_Presentation.pptx
@@ -5,19 +5,21 @@
     <p:sldMasterId id="2147483648" r:id="rId1"/>
   </p:sldMasterIdLst>
   <p:notesMasterIdLst>
-    <p:notesMasterId r:id="rId5"/>
+    <p:notesMasterId r:id="rId14"/>
   </p:notesMasterIdLst>
   <p:sldIdLst>
-    <p:sldId id="267" r:id="rId3"/>
-    <p:sldId id="266" r:id="rId4"/>
-    <p:sldId id="258" r:id="rId6"/>
-    <p:sldId id="259" r:id="rId7"/>
-    <p:sldId id="260" r:id="rId8"/>
-    <p:sldId id="261" r:id="rId9"/>
-    <p:sldId id="262" r:id="rId10"/>
-    <p:sldId id="263" r:id="rId11"/>
-    <p:sldId id="264" r:id="rId12"/>
-    <p:sldId id="265" r:id="rId13"/>
+    <p:sldId id="267" r:id="rId2"/>
+    <p:sldId id="266" r:id="rId3"/>
+    <p:sldId id="258" r:id="rId4"/>
+    <p:sldId id="259" r:id="rId5"/>
+    <p:sldId id="260" r:id="rId6"/>
+    <p:sldId id="261" r:id="rId7"/>
+    <p:sldId id="262" r:id="rId8"/>
+    <p:sldId id="263" r:id="rId9"/>
+    <p:sldId id="264" r:id="rId10"/>
+    <p:sldId id="265" r:id="rId11"/>
+    <p:sldId id="268" r:id="rId12"/>
+    <p:sldId id="269" r:id="rId13"/>
   </p:sldIdLst>
   <p:sldSz cx="12192000" cy="6858000"/>
   <p:notesSz cx="6858000" cy="12192000"/>
@@ -116,6 +118,11 @@
       </a:defRPr>
     </a:lvl9pPr>
   </p:defaultTextStyle>
+  <p:extLst>
+    <p:ext uri="{EFAFB233-063F-42B5-8137-9DF3F51BA10A}">
+      <p15:sldGuideLst xmlns:p15="http://schemas.microsoft.com/office/powerpoint/2012/main"/>
+    </p:ext>
+  </p:extLst>
 </p:presentation>
 </file>
 
@@ -289,7 +296,6 @@
 [Sources]
 - Capture des attentes fournie par l'utilisateur (image)</a:t>
             </a:r>
-            <a:endParaRPr lang="en-US" dirty="0"/>
           </a:p>
         </p:txBody>
       </p:sp>
@@ -310,12 +316,191 @@
           <a:p>
             <a:fld id="{F7021451-1387-4CA6-816F-3879F97B5CBC}" type="slidenum">
               <a:rPr lang="en-US"/>
+              <a:t>2</a:t>
             </a:fld>
             <a:endParaRPr lang="en-US"/>
           </a:p>
         </p:txBody>
       </p:sp>
     </p:spTree>
+  </p:cSld>
+  <p:clrMapOvr>
+    <a:masterClrMapping/>
+  </p:clrMapOvr>
+</p:notes>
+</file>
+
+<file path=ppt/notesSlides/notesSlide10.xml><?xml version="1.0" encoding="utf-8"?>
+<p:notes xmlns:a="http://schemas.openxmlformats.org/drawingml/2006/main" xmlns:r="http://schemas.openxmlformats.org/officeDocument/2006/relationships" xmlns:p="http://schemas.openxmlformats.org/presentationml/2006/main">
+  <p:cSld>
+    <p:spTree>
+      <p:nvGrpSpPr>
+        <p:cNvPr id="1" name=""/>
+        <p:cNvGrpSpPr/>
+        <p:nvPr/>
+      </p:nvGrpSpPr>
+      <p:grpSpPr>
+        <a:xfrm>
+          <a:off x="0" y="0"/>
+          <a:ext cx="0" cy="0"/>
+          <a:chOff x="0" y="0"/>
+          <a:chExt cx="0" cy="0"/>
+        </a:xfrm>
+      </p:grpSpPr>
+      <p:sp>
+        <p:nvSpPr>
+          <p:cNvPr id="2" name="Slide Image Placeholder 1"/>
+          <p:cNvSpPr>
+            <a:spLocks noGrp="1" noRot="1" noChangeAspect="1"/>
+          </p:cNvSpPr>
+          <p:nvPr>
+            <p:ph type="sldImg"/>
+          </p:nvPr>
+        </p:nvSpPr>
+        <p:spPr/>
+      </p:sp>
+      <p:sp>
+        <p:nvSpPr>
+          <p:cNvPr id="3" name="Notes Placeholder 2"/>
+          <p:cNvSpPr>
+            <a:spLocks noGrp="1"/>
+          </p:cNvSpPr>
+          <p:nvPr>
+            <p:ph type="body" idx="1"/>
+          </p:nvPr>
+        </p:nvSpPr>
+        <p:spPr/>
+        <p:txBody>
+          <a:bodyPr/>
+          <a:lstStyle/>
+          <a:p>
+            <a:r>
+              <a:rPr lang="en-US" dirty="0"/>
+              <a:t>[Sources]
+- Fiche projet (table E1..E10)
+- Lecture des scripts fournis (absence de recommandation draft/sorts/patche/Qt Designer/multi-langue)</a:t>
+            </a:r>
+          </a:p>
+        </p:txBody>
+      </p:sp>
+      <p:sp>
+        <p:nvSpPr>
+          <p:cNvPr id="4" name="Slide Number Placeholder 3"/>
+          <p:cNvSpPr>
+            <a:spLocks noGrp="1"/>
+          </p:cNvSpPr>
+          <p:nvPr>
+            <p:ph type="sldNum" sz="quarter" idx="10"/>
+          </p:nvPr>
+        </p:nvSpPr>
+        <p:spPr/>
+        <p:txBody>
+          <a:bodyPr/>
+          <a:lstStyle/>
+          <a:p>
+            <a:fld id="{F7021451-1387-4CA6-816F-3879F97B5CBC}" type="slidenum">
+              <a:rPr lang="en-US"/>
+              <a:t>11</a:t>
+            </a:fld>
+            <a:endParaRPr lang="en-US"/>
+          </a:p>
+        </p:txBody>
+      </p:sp>
+    </p:spTree>
+    <p:extLst>
+      <p:ext uri="{BB962C8B-B14F-4D97-AF65-F5344CB8AC3E}">
+        <p14:creationId xmlns:p14="http://schemas.microsoft.com/office/powerpoint/2010/main" val="3931570075"/>
+      </p:ext>
+    </p:extLst>
+  </p:cSld>
+  <p:clrMapOvr>
+    <a:masterClrMapping/>
+  </p:clrMapOvr>
+</p:notes>
+</file>
+
+<file path=ppt/notesSlides/notesSlide11.xml><?xml version="1.0" encoding="utf-8"?>
+<p:notes xmlns:a="http://schemas.openxmlformats.org/drawingml/2006/main" xmlns:r="http://schemas.openxmlformats.org/officeDocument/2006/relationships" xmlns:p="http://schemas.openxmlformats.org/presentationml/2006/main">
+  <p:cSld>
+    <p:spTree>
+      <p:nvGrpSpPr>
+        <p:cNvPr id="1" name=""/>
+        <p:cNvGrpSpPr/>
+        <p:nvPr/>
+      </p:nvGrpSpPr>
+      <p:grpSpPr>
+        <a:xfrm>
+          <a:off x="0" y="0"/>
+          <a:ext cx="0" cy="0"/>
+          <a:chOff x="0" y="0"/>
+          <a:chExt cx="0" cy="0"/>
+        </a:xfrm>
+      </p:grpSpPr>
+      <p:sp>
+        <p:nvSpPr>
+          <p:cNvPr id="2" name="Slide Image Placeholder 1"/>
+          <p:cNvSpPr>
+            <a:spLocks noGrp="1" noRot="1" noChangeAspect="1"/>
+          </p:cNvSpPr>
+          <p:nvPr>
+            <p:ph type="sldImg"/>
+          </p:nvPr>
+        </p:nvSpPr>
+        <p:spPr/>
+      </p:sp>
+      <p:sp>
+        <p:nvSpPr>
+          <p:cNvPr id="3" name="Notes Placeholder 2"/>
+          <p:cNvSpPr>
+            <a:spLocks noGrp="1"/>
+          </p:cNvSpPr>
+          <p:nvPr>
+            <p:ph type="body" idx="1"/>
+          </p:nvPr>
+        </p:nvSpPr>
+        <p:spPr/>
+        <p:txBody>
+          <a:bodyPr/>
+          <a:lstStyle/>
+          <a:p>
+            <a:r>
+              <a:rPr lang="en-US" dirty="0"/>
+              <a:t>[Sources]
+- Fiche projet (table E1..E10)
+- Lecture des scripts fournis (absence de recommandation draft/sorts/patche/Qt Designer/multi-langue)</a:t>
+            </a:r>
+          </a:p>
+        </p:txBody>
+      </p:sp>
+      <p:sp>
+        <p:nvSpPr>
+          <p:cNvPr id="4" name="Slide Number Placeholder 3"/>
+          <p:cNvSpPr>
+            <a:spLocks noGrp="1"/>
+          </p:cNvSpPr>
+          <p:nvPr>
+            <p:ph type="sldNum" sz="quarter" idx="10"/>
+          </p:nvPr>
+        </p:nvSpPr>
+        <p:spPr/>
+        <p:txBody>
+          <a:bodyPr/>
+          <a:lstStyle/>
+          <a:p>
+            <a:fld id="{F7021451-1387-4CA6-816F-3879F97B5CBC}" type="slidenum">
+              <a:rPr lang="en-US"/>
+              <a:t>12</a:t>
+            </a:fld>
+            <a:endParaRPr lang="en-US"/>
+          </a:p>
+        </p:txBody>
+      </p:sp>
+    </p:spTree>
+    <p:extLst>
+      <p:ext uri="{BB962C8B-B14F-4D97-AF65-F5344CB8AC3E}">
+        <p14:creationId xmlns:p14="http://schemas.microsoft.com/office/powerpoint/2010/main" val="2303188979"/>
+      </p:ext>
+    </p:extLst>
   </p:cSld>
   <p:clrMapOvr>
     <a:masterClrMapping/>
@@ -372,7 +557,6 @@
               <a:t>[Sources]
 - Code: data_base_riot.py, ingame_tab.py, interface.py (imports + logique de backoff)</a:t>
             </a:r>
-            <a:endParaRPr lang="en-US" dirty="0"/>
           </a:p>
         </p:txBody>
       </p:sp>
@@ -393,6 +577,7 @@
           <a:p>
             <a:fld id="{F7021451-1387-4CA6-816F-3879F97B5CBC}" type="slidenum">
               <a:rPr lang="en-US"/>
+              <a:t>3</a:t>
             </a:fld>
             <a:endParaRPr lang="en-US"/>
           </a:p>
@@ -457,7 +642,6 @@
 - Code: ingame_tab.py (LiveClient + spectator)
 - Code: interface.py (tabs + affichages)</a:t>
             </a:r>
-            <a:endParaRPr lang="en-US" dirty="0"/>
           </a:p>
         </p:txBody>
       </p:sp>
@@ -478,6 +662,7 @@
           <a:p>
             <a:fld id="{F7021451-1387-4CA6-816F-3879F97B5CBC}" type="slidenum">
               <a:rPr lang="en-US"/>
+              <a:t>4</a:t>
             </a:fld>
             <a:endParaRPr lang="en-US"/>
           </a:p>
@@ -540,7 +725,6 @@
               <a:t>[Sources]
 - data_base_riot.py (safe_call, collect_dataset, CSV participants/matches)</a:t>
             </a:r>
-            <a:endParaRPr lang="en-US" dirty="0"/>
           </a:p>
         </p:txBody>
       </p:sp>
@@ -561,6 +745,7 @@
           <a:p>
             <a:fld id="{F7021451-1387-4CA6-816F-3879F97B5CBC}" type="slidenum">
               <a:rPr lang="en-US"/>
+              <a:t>5</a:t>
             </a:fld>
             <a:endParaRPr lang="en-US"/>
           </a:p>
@@ -623,7 +808,6 @@
               <a:t>[Sources]
 - ingame_tab.py (scan_live, LiveClient probe, spectator fallback, tables alliés/ennemis)</a:t>
             </a:r>
-            <a:endParaRPr lang="en-US" dirty="0"/>
           </a:p>
         </p:txBody>
       </p:sp>
@@ -644,6 +828,7 @@
           <a:p>
             <a:fld id="{F7021451-1387-4CA6-816F-3879F97B5CBC}" type="slidenum">
               <a:rPr lang="en-US"/>
+              <a:t>6</a:t>
             </a:fld>
             <a:endParaRPr lang="en-US"/>
           </a:p>
@@ -706,7 +891,6 @@
               <a:t>[Sources]
 - interface.py (MainWindow tabs, MetaTab tier list, ProfileTab pie chart, thème QSS)</a:t>
             </a:r>
-            <a:endParaRPr lang="en-US" dirty="0"/>
           </a:p>
         </p:txBody>
       </p:sp>
@@ -727,6 +911,7 @@
           <a:p>
             <a:fld id="{F7021451-1387-4CA6-816F-3879F97B5CBC}" type="slidenum">
               <a:rPr lang="en-US"/>
+              <a:t>7</a:t>
             </a:fld>
             <a:endParaRPr lang="en-US"/>
           </a:p>
@@ -791,7 +976,6 @@
 - ingame_tab.py (fallback + safe_call)
 - interface.py (lecture/normalisation CSV + UI tables compactes)</a:t>
             </a:r>
-            <a:endParaRPr lang="en-US" dirty="0"/>
           </a:p>
         </p:txBody>
       </p:sp>
@@ -812,6 +996,7 @@
           <a:p>
             <a:fld id="{F7021451-1387-4CA6-816F-3879F97B5CBC}" type="slidenum">
               <a:rPr lang="en-US"/>
+              <a:t>8</a:t>
             </a:fld>
             <a:endParaRPr lang="en-US"/>
           </a:p>
@@ -876,7 +1061,6 @@
 - interface.py (tabs, MetaTab, ProfileTab)
 - ingame_tab.py (scan des 10 joueurs)</a:t>
             </a:r>
-            <a:endParaRPr lang="en-US" dirty="0"/>
           </a:p>
         </p:txBody>
       </p:sp>
@@ -897,6 +1081,7 @@
           <a:p>
             <a:fld id="{F7021451-1387-4CA6-816F-3879F97B5CBC}" type="slidenum">
               <a:rPr lang="en-US"/>
+              <a:t>9</a:t>
             </a:fld>
             <a:endParaRPr lang="en-US"/>
           </a:p>
@@ -960,7 +1145,6 @@
 - Fiche projet (table E1..E10)
 - Lecture des scripts fournis (absence de recommandation draft/sorts/patche/Qt Designer/multi-langue)</a:t>
             </a:r>
-            <a:endParaRPr lang="en-US" dirty="0"/>
           </a:p>
         </p:txBody>
       </p:sp>
@@ -981,6 +1165,7 @@
           <a:p>
             <a:fld id="{F7021451-1387-4CA6-816F-3879F97B5CBC}" type="slidenum">
               <a:rPr lang="en-US"/>
+              <a:t>10</a:t>
             </a:fld>
             <a:endParaRPr lang="en-US"/>
           </a:p>
@@ -1194,6 +1379,7 @@
           <a:p>
             <a:fld id="{5586B75A-687E-405C-8A0B-8D00578BA2C3}" type="datetimeFigureOut">
               <a:rPr lang="en-US" dirty="0"/>
+              <a:t>2/12/2026</a:t>
             </a:fld>
             <a:endParaRPr lang="en-US" dirty="0"/>
           </a:p>
@@ -1255,6 +1441,7 @@
           <a:p>
             <a:fld id="{4FAB73BC-B049-4115-A692-8D63A059BFB8}" type="slidenum">
               <a:rPr lang="en-US" dirty="0"/>
+              <a:t>‹#›</a:t>
             </a:fld>
             <a:endParaRPr lang="en-US" dirty="0"/>
           </a:p>
@@ -1329,7 +1516,6 @@
               <a:rPr lang="zh-CN" altLang="en-US"/>
               <a:t>单击此处编辑母版文本样式</a:t>
             </a:r>
-            <a:endParaRPr lang="zh-CN" altLang="en-US"/>
           </a:p>
           <a:p>
             <a:pPr lvl="1"/>
@@ -1337,7 +1523,6 @@
               <a:rPr lang="zh-CN" altLang="en-US"/>
               <a:t>二级</a:t>
             </a:r>
-            <a:endParaRPr lang="zh-CN" altLang="en-US"/>
           </a:p>
           <a:p>
             <a:pPr lvl="2"/>
@@ -1345,7 +1530,6 @@
               <a:rPr lang="zh-CN" altLang="en-US"/>
               <a:t>三级</a:t>
             </a:r>
-            <a:endParaRPr lang="zh-CN" altLang="en-US"/>
           </a:p>
           <a:p>
             <a:pPr lvl="3"/>
@@ -1353,7 +1537,6 @@
               <a:rPr lang="zh-CN" altLang="en-US"/>
               <a:t>四级</a:t>
             </a:r>
-            <a:endParaRPr lang="zh-CN" altLang="en-US"/>
           </a:p>
           <a:p>
             <a:pPr lvl="4"/>
@@ -1382,6 +1565,7 @@
           <a:p>
             <a:fld id="{5F4E5243-F52A-4D37-9694-EB26C6C31910}" type="datetimeFigureOut">
               <a:rPr lang="en-US" dirty="0"/>
+              <a:t>2/12/2026</a:t>
             </a:fld>
             <a:endParaRPr lang="en-US" dirty="0"/>
           </a:p>
@@ -1423,6 +1607,7 @@
           <a:p>
             <a:fld id="{4FAB73BC-B049-4115-A692-8D63A059BFB8}" type="slidenum">
               <a:rPr lang="en-US" dirty="0"/>
+              <a:t>‹#›</a:t>
             </a:fld>
             <a:endParaRPr lang="en-US" dirty="0"/>
           </a:p>
@@ -1507,7 +1692,6 @@
               <a:rPr lang="zh-CN" altLang="en-US"/>
               <a:t>单击此处编辑母版文本样式</a:t>
             </a:r>
-            <a:endParaRPr lang="zh-CN" altLang="en-US"/>
           </a:p>
           <a:p>
             <a:pPr lvl="1"/>
@@ -1515,7 +1699,6 @@
               <a:rPr lang="zh-CN" altLang="en-US"/>
               <a:t>二级</a:t>
             </a:r>
-            <a:endParaRPr lang="zh-CN" altLang="en-US"/>
           </a:p>
           <a:p>
             <a:pPr lvl="2"/>
@@ -1523,7 +1706,6 @@
               <a:rPr lang="zh-CN" altLang="en-US"/>
               <a:t>三级</a:t>
             </a:r>
-            <a:endParaRPr lang="zh-CN" altLang="en-US"/>
           </a:p>
           <a:p>
             <a:pPr lvl="3"/>
@@ -1531,7 +1713,6 @@
               <a:rPr lang="zh-CN" altLang="en-US"/>
               <a:t>四级</a:t>
             </a:r>
-            <a:endParaRPr lang="zh-CN" altLang="en-US"/>
           </a:p>
           <a:p>
             <a:pPr lvl="4"/>
@@ -1560,6 +1741,7 @@
           <a:p>
             <a:fld id="{3A77B6E1-634A-48DC-9E8B-D894023267EF}" type="datetimeFigureOut">
               <a:rPr lang="en-US" dirty="0"/>
+              <a:t>2/12/2026</a:t>
             </a:fld>
             <a:endParaRPr lang="en-US" dirty="0"/>
           </a:p>
@@ -1601,6 +1783,7 @@
           <a:p>
             <a:fld id="{4FAB73BC-B049-4115-A692-8D63A059BFB8}" type="slidenum">
               <a:rPr lang="en-US" dirty="0"/>
+              <a:t>‹#›</a:t>
             </a:fld>
             <a:endParaRPr lang="en-US" dirty="0"/>
           </a:p>
@@ -1705,7 +1888,6 @@
               <a:rPr lang="zh-CN" altLang="en-US"/>
               <a:t>单击此处编辑母版文本样式</a:t>
             </a:r>
-            <a:endParaRPr lang="zh-CN" altLang="en-US"/>
           </a:p>
           <a:p>
             <a:pPr lvl="1"/>
@@ -1713,7 +1895,6 @@
               <a:rPr lang="zh-CN" altLang="en-US"/>
               <a:t>二级</a:t>
             </a:r>
-            <a:endParaRPr lang="zh-CN" altLang="en-US"/>
           </a:p>
           <a:p>
             <a:pPr lvl="2"/>
@@ -1721,7 +1902,6 @@
               <a:rPr lang="zh-CN" altLang="en-US"/>
               <a:t>三级</a:t>
             </a:r>
-            <a:endParaRPr lang="zh-CN" altLang="en-US"/>
           </a:p>
           <a:p>
             <a:pPr lvl="3"/>
@@ -1729,7 +1909,6 @@
               <a:rPr lang="zh-CN" altLang="en-US"/>
               <a:t>四级</a:t>
             </a:r>
-            <a:endParaRPr lang="zh-CN" altLang="en-US"/>
           </a:p>
           <a:p>
             <a:pPr lvl="4"/>
@@ -1758,6 +1937,7 @@
           <a:p>
             <a:fld id="{7B2D3E9E-A95C-48F2-B4BF-A71542E0BE9A}" type="datetimeFigureOut">
               <a:rPr lang="en-US" dirty="0"/>
+              <a:t>2/12/2026</a:t>
             </a:fld>
             <a:endParaRPr lang="en-US" dirty="0"/>
           </a:p>
@@ -1799,6 +1979,7 @@
           <a:p>
             <a:fld id="{4FAB73BC-B049-4115-A692-8D63A059BFB8}" type="slidenum">
               <a:rPr lang="en-US" dirty="0"/>
+              <a:t>‹#›</a:t>
             </a:fld>
             <a:endParaRPr lang="en-US" dirty="0"/>
           </a:p>
@@ -1988,7 +2169,6 @@
               <a:rPr lang="zh-CN" altLang="en-US"/>
               <a:t>单击此处编辑母版文本样式</a:t>
             </a:r>
-            <a:endParaRPr lang="zh-CN" altLang="en-US"/>
           </a:p>
         </p:txBody>
       </p:sp>
@@ -2009,6 +2189,7 @@
           <a:p>
             <a:fld id="{5586B75A-687E-405C-8A0B-8D00578BA2C3}" type="datetimeFigureOut">
               <a:rPr lang="en-US" dirty="0"/>
+              <a:t>2/12/2026</a:t>
             </a:fld>
             <a:endParaRPr lang="en-US" dirty="0"/>
           </a:p>
@@ -2050,6 +2231,7 @@
           <a:p>
             <a:fld id="{4FAB73BC-B049-4115-A692-8D63A059BFB8}" type="slidenum">
               <a:rPr lang="en-US" dirty="0"/>
+              <a:t>‹#›</a:t>
             </a:fld>
             <a:endParaRPr lang="en-US" dirty="0"/>
           </a:p>
@@ -2157,7 +2339,6 @@
               <a:rPr lang="zh-CN" altLang="en-US"/>
               <a:t>单击此处编辑母版文本样式</a:t>
             </a:r>
-            <a:endParaRPr lang="zh-CN" altLang="en-US"/>
           </a:p>
           <a:p>
             <a:pPr lvl="1"/>
@@ -2165,7 +2346,6 @@
               <a:rPr lang="zh-CN" altLang="en-US"/>
               <a:t>二级</a:t>
             </a:r>
-            <a:endParaRPr lang="zh-CN" altLang="en-US"/>
           </a:p>
           <a:p>
             <a:pPr lvl="2"/>
@@ -2173,7 +2353,6 @@
               <a:rPr lang="zh-CN" altLang="en-US"/>
               <a:t>三级</a:t>
             </a:r>
-            <a:endParaRPr lang="zh-CN" altLang="en-US"/>
           </a:p>
           <a:p>
             <a:pPr lvl="3"/>
@@ -2181,7 +2360,6 @@
               <a:rPr lang="zh-CN" altLang="en-US"/>
               <a:t>四级</a:t>
             </a:r>
-            <a:endParaRPr lang="zh-CN" altLang="en-US"/>
           </a:p>
           <a:p>
             <a:pPr lvl="4"/>
@@ -2246,7 +2424,6 @@
               <a:rPr lang="zh-CN" altLang="en-US"/>
               <a:t>单击此处编辑母版文本样式</a:t>
             </a:r>
-            <a:endParaRPr lang="zh-CN" altLang="en-US"/>
           </a:p>
           <a:p>
             <a:pPr lvl="1"/>
@@ -2254,7 +2431,6 @@
               <a:rPr lang="zh-CN" altLang="en-US"/>
               <a:t>二级</a:t>
             </a:r>
-            <a:endParaRPr lang="zh-CN" altLang="en-US"/>
           </a:p>
           <a:p>
             <a:pPr lvl="2"/>
@@ -2262,7 +2438,6 @@
               <a:rPr lang="zh-CN" altLang="en-US"/>
               <a:t>三级</a:t>
             </a:r>
-            <a:endParaRPr lang="zh-CN" altLang="en-US"/>
           </a:p>
           <a:p>
             <a:pPr lvl="3"/>
@@ -2270,7 +2445,6 @@
               <a:rPr lang="zh-CN" altLang="en-US"/>
               <a:t>四级</a:t>
             </a:r>
-            <a:endParaRPr lang="zh-CN" altLang="en-US"/>
           </a:p>
           <a:p>
             <a:pPr lvl="4"/>
@@ -2299,6 +2473,7 @@
           <a:p>
             <a:fld id="{F12952B5-7A2F-4CC8-B7CE-9234E21C2837}" type="datetimeFigureOut">
               <a:rPr lang="en-US" dirty="0"/>
+              <a:t>2/12/2026</a:t>
             </a:fld>
             <a:endParaRPr lang="en-US" dirty="0"/>
           </a:p>
@@ -2340,6 +2515,7 @@
           <a:p>
             <a:fld id="{4FAB73BC-B049-4115-A692-8D63A059BFB8}" type="slidenum">
               <a:rPr lang="en-US" dirty="0"/>
+              <a:t>‹#›</a:t>
             </a:fld>
             <a:endParaRPr lang="en-US" dirty="0"/>
           </a:p>
@@ -2466,7 +2642,6 @@
               <a:rPr lang="zh-CN" altLang="en-US"/>
               <a:t>单击此处编辑母版文本样式</a:t>
             </a:r>
-            <a:endParaRPr lang="zh-CN" altLang="en-US"/>
           </a:p>
         </p:txBody>
       </p:sp>
@@ -2523,7 +2698,6 @@
               <a:rPr lang="zh-CN" altLang="en-US"/>
               <a:t>单击此处编辑母版文本样式</a:t>
             </a:r>
-            <a:endParaRPr lang="zh-CN" altLang="en-US"/>
           </a:p>
           <a:p>
             <a:pPr lvl="1"/>
@@ -2531,7 +2705,6 @@
               <a:rPr lang="zh-CN" altLang="en-US"/>
               <a:t>二级</a:t>
             </a:r>
-            <a:endParaRPr lang="zh-CN" altLang="en-US"/>
           </a:p>
           <a:p>
             <a:pPr lvl="2"/>
@@ -2539,7 +2712,6 @@
               <a:rPr lang="zh-CN" altLang="en-US"/>
               <a:t>三级</a:t>
             </a:r>
-            <a:endParaRPr lang="zh-CN" altLang="en-US"/>
           </a:p>
           <a:p>
             <a:pPr lvl="3"/>
@@ -2547,7 +2719,6 @@
               <a:rPr lang="zh-CN" altLang="en-US"/>
               <a:t>四级</a:t>
             </a:r>
-            <a:endParaRPr lang="zh-CN" altLang="en-US"/>
           </a:p>
           <a:p>
             <a:pPr lvl="4"/>
@@ -2631,7 +2802,6 @@
               <a:rPr lang="zh-CN" altLang="en-US"/>
               <a:t>单击此处编辑母版文本样式</a:t>
             </a:r>
-            <a:endParaRPr lang="zh-CN" altLang="en-US"/>
           </a:p>
         </p:txBody>
       </p:sp>
@@ -2688,7 +2858,6 @@
               <a:rPr lang="zh-CN" altLang="en-US"/>
               <a:t>单击此处编辑母版文本样式</a:t>
             </a:r>
-            <a:endParaRPr lang="zh-CN" altLang="en-US"/>
           </a:p>
           <a:p>
             <a:pPr lvl="1"/>
@@ -2696,7 +2865,6 @@
               <a:rPr lang="zh-CN" altLang="en-US"/>
               <a:t>二级</a:t>
             </a:r>
-            <a:endParaRPr lang="zh-CN" altLang="en-US"/>
           </a:p>
           <a:p>
             <a:pPr lvl="2"/>
@@ -2704,7 +2872,6 @@
               <a:rPr lang="zh-CN" altLang="en-US"/>
               <a:t>三级</a:t>
             </a:r>
-            <a:endParaRPr lang="zh-CN" altLang="en-US"/>
           </a:p>
           <a:p>
             <a:pPr lvl="3"/>
@@ -2712,7 +2879,6 @@
               <a:rPr lang="zh-CN" altLang="en-US"/>
               <a:t>四级</a:t>
             </a:r>
-            <a:endParaRPr lang="zh-CN" altLang="en-US"/>
           </a:p>
           <a:p>
             <a:pPr lvl="4"/>
@@ -2741,6 +2907,7 @@
           <a:p>
             <a:fld id="{CE1DA07A-9201-4B4B-BAF2-015AFA30F520}" type="datetimeFigureOut">
               <a:rPr lang="en-US" dirty="0"/>
+              <a:t>2/12/2026</a:t>
             </a:fld>
             <a:endParaRPr lang="en-US" dirty="0"/>
           </a:p>
@@ -2782,6 +2949,7 @@
           <a:p>
             <a:fld id="{4FAB73BC-B049-4115-A692-8D63A059BFB8}" type="slidenum">
               <a:rPr lang="en-US" dirty="0"/>
+              <a:t>‹#›</a:t>
             </a:fld>
             <a:endParaRPr lang="en-US" dirty="0"/>
           </a:p>
@@ -2853,6 +3021,7 @@
           <a:p>
             <a:fld id="{73D7E00A-486F-4252-8B1D-E32645521F49}" type="datetimeFigureOut">
               <a:rPr lang="en-US" dirty="0"/>
+              <a:t>2/12/2026</a:t>
             </a:fld>
             <a:endParaRPr lang="en-US" dirty="0"/>
           </a:p>
@@ -2894,6 +3063,7 @@
           <a:p>
             <a:fld id="{4FAB73BC-B049-4115-A692-8D63A059BFB8}" type="slidenum">
               <a:rPr lang="en-US" dirty="0"/>
+              <a:t>‹#›</a:t>
             </a:fld>
             <a:endParaRPr lang="en-US" dirty="0"/>
           </a:p>
@@ -2942,6 +3112,7 @@
           <a:p>
             <a:fld id="{8DDF5F92-E675-4B36-9A60-69A962A68675}" type="datetimeFigureOut">
               <a:rPr lang="en-US" dirty="0"/>
+              <a:t>2/12/2026</a:t>
             </a:fld>
             <a:endParaRPr lang="en-US" dirty="0"/>
           </a:p>
@@ -2983,6 +3154,7 @@
           <a:p>
             <a:fld id="{4FAB73BC-B049-4115-A692-8D63A059BFB8}" type="slidenum">
               <a:rPr lang="en-US" dirty="0"/>
+              <a:t>‹#›</a:t>
             </a:fld>
             <a:endParaRPr lang="en-US" dirty="0"/>
           </a:p>
@@ -3143,7 +3315,6 @@
               <a:rPr lang="zh-CN" altLang="en-US"/>
               <a:t>单击此处编辑母版文本样式</a:t>
             </a:r>
-            <a:endParaRPr lang="zh-CN" altLang="en-US"/>
           </a:p>
           <a:p>
             <a:pPr lvl="1"/>
@@ -3151,7 +3322,6 @@
               <a:rPr lang="zh-CN" altLang="en-US"/>
               <a:t>二级</a:t>
             </a:r>
-            <a:endParaRPr lang="zh-CN" altLang="en-US"/>
           </a:p>
           <a:p>
             <a:pPr lvl="2"/>
@@ -3159,7 +3329,6 @@
               <a:rPr lang="zh-CN" altLang="en-US"/>
               <a:t>三级</a:t>
             </a:r>
-            <a:endParaRPr lang="zh-CN" altLang="en-US"/>
           </a:p>
           <a:p>
             <a:pPr lvl="3"/>
@@ -3167,7 +3336,6 @@
               <a:rPr lang="zh-CN" altLang="en-US"/>
               <a:t>四级</a:t>
             </a:r>
-            <a:endParaRPr lang="zh-CN" altLang="en-US"/>
           </a:p>
           <a:p>
             <a:pPr lvl="4"/>
@@ -3274,7 +3442,6 @@
               <a:rPr lang="zh-CN" altLang="en-US"/>
               <a:t>单击此处编辑母版文本样式</a:t>
             </a:r>
-            <a:endParaRPr lang="zh-CN" altLang="en-US"/>
           </a:p>
         </p:txBody>
       </p:sp>
@@ -3295,6 +3462,7 @@
           <a:p>
             <a:fld id="{AF6E2C9B-5FA2-460D-9BE7-B0812FC2A6FF}" type="datetimeFigureOut">
               <a:rPr lang="en-US" dirty="0"/>
+              <a:t>2/12/2026</a:t>
             </a:fld>
             <a:endParaRPr lang="en-US" dirty="0"/>
           </a:p>
@@ -3346,6 +3514,7 @@
           <a:p>
             <a:fld id="{4FAB73BC-B049-4115-A692-8D63A059BFB8}" type="slidenum">
               <a:rPr lang="en-US" dirty="0"/>
+              <a:t>‹#›</a:t>
             </a:fld>
             <a:endParaRPr lang="en-US" dirty="0"/>
           </a:p>
@@ -3575,7 +3744,6 @@
               <a:rPr lang="zh-CN" altLang="en-US"/>
               <a:t>单击此处编辑母版文本样式</a:t>
             </a:r>
-            <a:endParaRPr lang="zh-CN" altLang="en-US"/>
           </a:p>
         </p:txBody>
       </p:sp>
@@ -3606,6 +3774,7 @@
           <a:p>
             <a:fld id="{5586B75A-687E-405C-8A0B-8D00578BA2C3}" type="datetimeFigureOut">
               <a:rPr lang="en-US" dirty="0"/>
+              <a:t>2/12/2026</a:t>
             </a:fld>
             <a:endParaRPr lang="en-US" dirty="0"/>
           </a:p>
@@ -3667,6 +3836,7 @@
           <a:p>
             <a:fld id="{4FAB73BC-B049-4115-A692-8D63A059BFB8}" type="slidenum">
               <a:rPr lang="en-US" dirty="0"/>
+              <a:t>‹#›</a:t>
             </a:fld>
             <a:endParaRPr lang="en-US" dirty="0"/>
           </a:p>
@@ -3766,7 +3936,6 @@
               <a:rPr lang="zh-CN" altLang="en-US"/>
               <a:t>单击此处编辑母版文本样式</a:t>
             </a:r>
-            <a:endParaRPr lang="zh-CN" altLang="en-US"/>
           </a:p>
           <a:p>
             <a:pPr lvl="1"/>
@@ -3774,7 +3943,6 @@
               <a:rPr lang="zh-CN" altLang="en-US"/>
               <a:t>二级</a:t>
             </a:r>
-            <a:endParaRPr lang="zh-CN" altLang="en-US"/>
           </a:p>
           <a:p>
             <a:pPr lvl="2"/>
@@ -3782,7 +3950,6 @@
               <a:rPr lang="zh-CN" altLang="en-US"/>
               <a:t>三级</a:t>
             </a:r>
-            <a:endParaRPr lang="zh-CN" altLang="en-US"/>
           </a:p>
           <a:p>
             <a:pPr lvl="3"/>
@@ -3790,7 +3957,6 @@
               <a:rPr lang="zh-CN" altLang="en-US"/>
               <a:t>四级</a:t>
             </a:r>
-            <a:endParaRPr lang="zh-CN" altLang="en-US"/>
           </a:p>
           <a:p>
             <a:pPr lvl="4"/>
@@ -3837,6 +4003,7 @@
           <a:p>
             <a:fld id="{5586B75A-687E-405C-8A0B-8D00578BA2C3}" type="datetimeFigureOut">
               <a:rPr lang="en-US" dirty="0"/>
+              <a:t>2/12/2026</a:t>
             </a:fld>
             <a:endParaRPr lang="en-US" dirty="0"/>
           </a:p>
@@ -3918,6 +4085,7 @@
           <a:p>
             <a:fld id="{4FAB73BC-B049-4115-A692-8D63A059BFB8}" type="slidenum">
               <a:rPr lang="en-US" dirty="0"/>
+              <a:t>‹#›</a:t>
             </a:fld>
             <a:endParaRPr lang="en-US" dirty="0"/>
           </a:p>
@@ -4293,7 +4461,15 @@
           <a:p>
             <a:r>
               <a:rPr lang="fr-FR" altLang="zh-CN" dirty="0"/>
-              <a:t>Super LOL Assisatant		</a:t>
+              <a:t>Super LOL </a:t>
+            </a:r>
+            <a:r>
+              <a:rPr lang="fr-FR" altLang="zh-CN" dirty="0" smtClean="0"/>
+              <a:t>Assistant</a:t>
+            </a:r>
+            <a:r>
+              <a:rPr lang="fr-FR" altLang="zh-CN" dirty="0"/>
+              <a:t>		</a:t>
             </a:r>
             <a:endParaRPr lang="zh-CN" altLang="en-US" dirty="0"/>
           </a:p>
@@ -4331,7 +4507,7 @@
           <p:nvPr/>
         </p:nvPicPr>
         <p:blipFill>
-          <a:blip r:embed="rId1"/>
+          <a:blip r:embed="rId2"/>
           <a:stretch>
             <a:fillRect/>
           </a:stretch>
@@ -4482,6 +4658,13 @@
   <p:clrMapOvr>
     <a:masterClrMapping/>
   </p:clrMapOvr>
+  <p:timing>
+    <p:tnLst>
+      <p:par>
+        <p:cTn id="1" dur="indefinite" restart="never" nodeType="tmRoot"/>
+      </p:par>
+    </p:tnLst>
+  </p:timing>
 </p:sld>
 </file>
 
@@ -4752,21 +4935,29 @@
                 <a:ea typeface="Aptos" pitchFamily="34" charset="-122"/>
                 <a:cs typeface="Aptos" pitchFamily="34" charset="-120"/>
               </a:rPr>
-              <a:t>E3 — Moteur de recommandation combinant base globale + base utilisateur. </a:t>
-            </a:r>
-            <a:r>
-              <a:rPr lang="zh-CN" altLang="en-US" sz="1500" dirty="0">
+              <a:t>E3 — Moteur de recommandation combinant base globale + base </a:t>
+            </a:r>
+            <a:r>
+              <a:rPr lang="en-US" sz="1500" dirty="0" err="1" smtClean="0">
                 <a:solidFill>
                   <a:srgbClr val="0F172A"/>
                 </a:solidFill>
-                <a:highlight>
-                  <a:srgbClr val="FFFF00"/>
-                </a:highlight>
-                <a:latin typeface="Aptos" pitchFamily="34" charset="0"/>
-                <a:ea typeface="宋体" panose="02010600030101010101" pitchFamily="2" charset="-122"/>
-                <a:cs typeface="Aptos" pitchFamily="34" charset="-120"/>
-              </a:rPr>
-              <a:t>这个实现了吧？？</a:t>
+                <a:latin typeface="Aptos" pitchFamily="34" charset="0"/>
+                <a:ea typeface="Aptos" pitchFamily="34" charset="-122"/>
+                <a:cs typeface="Aptos" pitchFamily="34" charset="-120"/>
+              </a:rPr>
+              <a:t>utilisateur</a:t>
+            </a:r>
+            <a:r>
+              <a:rPr lang="fr-FR" sz="1500" dirty="0" smtClean="0">
+                <a:solidFill>
+                  <a:srgbClr val="0F172A"/>
+                </a:solidFill>
+                <a:latin typeface="Aptos" pitchFamily="34" charset="0"/>
+                <a:ea typeface="Aptos" pitchFamily="34" charset="-122"/>
+                <a:cs typeface="Aptos" pitchFamily="34" charset="-120"/>
+              </a:rPr>
+              <a:t>. </a:t>
             </a:r>
             <a:endParaRPr lang="en-US" sz="1500" dirty="0"/>
           </a:p>
@@ -4875,62 +5066,6 @@
                 <a:cs typeface="Aptos" pitchFamily="34" charset="-120"/>
               </a:rPr>
               <a:t> le patch et la region. </a:t>
-            </a:r>
-            <a:endParaRPr lang="en-US" sz="1500" dirty="0"/>
-          </a:p>
-          <a:p>
-            <a:pPr marL="254000" indent="-254000">
-              <a:spcAft>
-                <a:spcPts val="600"/>
-              </a:spcAft>
-              <a:buSzPct val="100000"/>
-              <a:buChar char="•"/>
-            </a:pPr>
-            <a:r>
-              <a:rPr lang="en-US" sz="1500" dirty="0">
-                <a:solidFill>
-                  <a:srgbClr val="0F172A"/>
-                </a:solidFill>
-                <a:latin typeface="Aptos" pitchFamily="34" charset="0"/>
-                <a:ea typeface="Aptos" pitchFamily="34" charset="-122"/>
-                <a:cs typeface="Aptos" pitchFamily="34" charset="-120"/>
-              </a:rPr>
-              <a:t>E9 — UI 100% anglais + bibliothèque de messages “toxique positif” multi-langue.</a:t>
-            </a:r>
-            <a:r>
-              <a:rPr lang="zh-CN" altLang="en-US" sz="1500" dirty="0">
-                <a:solidFill>
-                  <a:srgbClr val="0F172A"/>
-                </a:solidFill>
-                <a:highlight>
-                  <a:srgbClr val="FFFF00"/>
-                </a:highlight>
-                <a:latin typeface="Aptos" pitchFamily="34" charset="0"/>
-                <a:ea typeface="宋体" panose="02010600030101010101" pitchFamily="2" charset="-122"/>
-                <a:cs typeface="Aptos" pitchFamily="34" charset="-120"/>
-              </a:rPr>
-              <a:t>这个实现了吧？？</a:t>
-            </a:r>
-            <a:endParaRPr lang="en-US" sz="1500" dirty="0"/>
-          </a:p>
-          <a:p>
-            <a:pPr marL="254000" indent="-254000">
-              <a:spcAft>
-                <a:spcPts val="600"/>
-              </a:spcAft>
-              <a:buSzPct val="100000"/>
-              <a:buChar char="•"/>
-            </a:pPr>
-            <a:r>
-              <a:rPr lang="en-US" sz="1500" dirty="0">
-                <a:solidFill>
-                  <a:srgbClr val="0F172A"/>
-                </a:solidFill>
-                <a:latin typeface="Aptos" pitchFamily="34" charset="0"/>
-                <a:ea typeface="Aptos" pitchFamily="34" charset="-122"/>
-                <a:cs typeface="Aptos" pitchFamily="34" charset="-120"/>
-              </a:rPr>
-              <a:t>E10 — UI conçue avec Qt Designer (UI actuelle codée en PySide6) ???</a:t>
             </a:r>
             <a:endParaRPr lang="en-US" sz="1500" dirty="0"/>
           </a:p>
@@ -5037,6 +5172,617 @@
   <p:clrMapOvr>
     <a:masterClrMapping/>
   </p:clrMapOvr>
+  <p:timing>
+    <p:tnLst>
+      <p:par>
+        <p:cTn id="1" dur="indefinite" restart="never" nodeType="tmRoot"/>
+      </p:par>
+    </p:tnLst>
+  </p:timing>
+</p:sld>
+</file>
+
+<file path=ppt/slides/slide11.xml><?xml version="1.0" encoding="utf-8"?>
+<p:sld xmlns:a="http://schemas.openxmlformats.org/drawingml/2006/main" xmlns:r="http://schemas.openxmlformats.org/officeDocument/2006/relationships" xmlns:p="http://schemas.openxmlformats.org/presentationml/2006/main">
+  <p:cSld>
+    <p:spTree>
+      <p:nvGrpSpPr>
+        <p:cNvPr id="1" name=""/>
+        <p:cNvGrpSpPr/>
+        <p:nvPr/>
+      </p:nvGrpSpPr>
+      <p:grpSpPr>
+        <a:xfrm>
+          <a:off x="0" y="0"/>
+          <a:ext cx="0" cy="0"/>
+          <a:chOff x="0" y="0"/>
+          <a:chExt cx="0" cy="0"/>
+        </a:xfrm>
+      </p:grpSpPr>
+      <p:sp>
+        <p:nvSpPr>
+          <p:cNvPr id="2" name="Shape 0"/>
+          <p:cNvSpPr/>
+          <p:nvPr/>
+        </p:nvSpPr>
+        <p:spPr>
+          <a:xfrm>
+            <a:off x="-1" y="7620"/>
+            <a:ext cx="12191695" cy="685800"/>
+          </a:xfrm>
+          <a:prstGeom prst="rect">
+            <a:avLst/>
+          </a:prstGeom>
+          <a:solidFill>
+            <a:srgbClr val="0C5D8B"/>
+          </a:solidFill>
+          <a:ln w="12700">
+            <a:solidFill>
+              <a:srgbClr val="0C5D8B"/>
+            </a:solidFill>
+            <a:prstDash val="solid"/>
+          </a:ln>
+        </p:spPr>
+      </p:sp>
+      <p:sp>
+        <p:nvSpPr>
+          <p:cNvPr id="3" name="Text 1"/>
+          <p:cNvSpPr/>
+          <p:nvPr/>
+        </p:nvSpPr>
+        <p:spPr>
+          <a:xfrm>
+            <a:off x="548640" y="109728"/>
+            <a:ext cx="11155680" cy="274320"/>
+          </a:xfrm>
+          <a:prstGeom prst="rect">
+            <a:avLst/>
+          </a:prstGeom>
+          <a:noFill/>
+        </p:spPr>
+        <p:txBody>
+          <a:bodyPr wrap="square" rtlCol="0" anchor="ctr"/>
+          <a:lstStyle/>
+          <a:p>
+            <a:pPr marL="0" indent="0">
+              <a:buNone/>
+            </a:pPr>
+            <a:r>
+              <a:rPr lang="en-US" sz="2400" b="1" dirty="0" err="1" smtClean="0">
+                <a:solidFill>
+                  <a:srgbClr val="FFFFFF"/>
+                </a:solidFill>
+                <a:latin typeface="Aptos Display" pitchFamily="34" charset="0"/>
+                <a:ea typeface="Aptos Display" pitchFamily="34" charset="-122"/>
+                <a:cs typeface="Aptos Display" pitchFamily="34" charset="-120"/>
+              </a:rPr>
+              <a:t>Annexe</a:t>
+            </a:r>
+            <a:r>
+              <a:rPr lang="en-US" sz="2400" b="1" dirty="0">
+                <a:solidFill>
+                  <a:srgbClr val="FFFFFF"/>
+                </a:solidFill>
+                <a:latin typeface="Aptos Display" pitchFamily="34" charset="0"/>
+                <a:ea typeface="Aptos Display" pitchFamily="34" charset="-122"/>
+                <a:cs typeface="Aptos Display" pitchFamily="34" charset="-120"/>
+              </a:rPr>
+              <a:t> </a:t>
+            </a:r>
+            <a:r>
+              <a:rPr lang="en-US" sz="2400" b="1" dirty="0" err="1" smtClean="0">
+                <a:solidFill>
+                  <a:srgbClr val="FFFFFF"/>
+                </a:solidFill>
+                <a:latin typeface="Aptos Display" pitchFamily="34" charset="0"/>
+                <a:ea typeface="Aptos Display" pitchFamily="34" charset="-122"/>
+                <a:cs typeface="Aptos Display" pitchFamily="34" charset="-120"/>
+              </a:rPr>
+              <a:t>Résultat</a:t>
+            </a:r>
+            <a:endParaRPr lang="en-US" sz="2400" dirty="0"/>
+          </a:p>
+        </p:txBody>
+      </p:sp>
+      <p:sp>
+        <p:nvSpPr>
+          <p:cNvPr id="4" name="Text 2"/>
+          <p:cNvSpPr/>
+          <p:nvPr/>
+        </p:nvSpPr>
+        <p:spPr>
+          <a:xfrm>
+            <a:off x="548640" y="402336"/>
+            <a:ext cx="11155680" cy="201168"/>
+          </a:xfrm>
+          <a:prstGeom prst="rect">
+            <a:avLst/>
+          </a:prstGeom>
+          <a:noFill/>
+        </p:spPr>
+        <p:txBody>
+          <a:bodyPr wrap="square" rtlCol="0" anchor="ctr"/>
+          <a:lstStyle/>
+          <a:p>
+            <a:pPr marL="0" indent="0">
+              <a:buNone/>
+            </a:pPr>
+            <a:r>
+              <a:rPr lang="en-US" sz="1200" dirty="0" err="1" smtClean="0">
+                <a:solidFill>
+                  <a:srgbClr val="EAF3FA"/>
+                </a:solidFill>
+                <a:latin typeface="Aptos" pitchFamily="34" charset="0"/>
+                <a:ea typeface="Aptos" pitchFamily="34" charset="-122"/>
+                <a:cs typeface="Aptos" pitchFamily="34" charset="-120"/>
+              </a:rPr>
+              <a:t>Partie</a:t>
+            </a:r>
+            <a:r>
+              <a:rPr lang="en-US" sz="1200" dirty="0" smtClean="0">
+                <a:solidFill>
+                  <a:srgbClr val="EAF3FA"/>
+                </a:solidFill>
+                <a:latin typeface="Aptos" pitchFamily="34" charset="0"/>
+                <a:ea typeface="Aptos" pitchFamily="34" charset="-122"/>
+                <a:cs typeface="Aptos" pitchFamily="34" charset="-120"/>
+              </a:rPr>
+              <a:t> mon </a:t>
+            </a:r>
+            <a:r>
+              <a:rPr lang="en-US" sz="1200" dirty="0" err="1" smtClean="0">
+                <a:solidFill>
+                  <a:srgbClr val="EAF3FA"/>
+                </a:solidFill>
+                <a:latin typeface="Aptos" pitchFamily="34" charset="0"/>
+                <a:ea typeface="Aptos" pitchFamily="34" charset="-122"/>
+                <a:cs typeface="Aptos" pitchFamily="34" charset="-120"/>
+              </a:rPr>
+              <a:t>profil</a:t>
+            </a:r>
+            <a:r>
+              <a:rPr lang="en-US" sz="1200" dirty="0" smtClean="0">
+                <a:solidFill>
+                  <a:srgbClr val="EAF3FA"/>
+                </a:solidFill>
+                <a:latin typeface="Aptos" pitchFamily="34" charset="0"/>
+                <a:ea typeface="Aptos" pitchFamily="34" charset="-122"/>
+                <a:cs typeface="Aptos" pitchFamily="34" charset="-120"/>
+              </a:rPr>
+              <a:t> </a:t>
+            </a:r>
+            <a:endParaRPr lang="en-US" sz="1200" dirty="0"/>
+          </a:p>
+        </p:txBody>
+      </p:sp>
+      <p:sp>
+        <p:nvSpPr>
+          <p:cNvPr id="10" name="Shape 8"/>
+          <p:cNvSpPr/>
+          <p:nvPr/>
+        </p:nvSpPr>
+        <p:spPr>
+          <a:xfrm>
+            <a:off x="0" y="6510528"/>
+            <a:ext cx="12191695" cy="347472"/>
+          </a:xfrm>
+          <a:prstGeom prst="rect">
+            <a:avLst/>
+          </a:prstGeom>
+          <a:solidFill>
+            <a:srgbClr val="F6F8FA"/>
+          </a:solidFill>
+          <a:ln w="12700">
+            <a:solidFill>
+              <a:srgbClr val="D9E3EC"/>
+            </a:solidFill>
+            <a:prstDash val="solid"/>
+          </a:ln>
+        </p:spPr>
+        <p:txBody>
+          <a:bodyPr/>
+          <a:lstStyle/>
+          <a:p>
+            <a:r>
+              <a:rPr lang="fr-FR" altLang="zh-CN" dirty="0" smtClean="0"/>
+              <a:t>11</a:t>
+            </a:r>
+            <a:endParaRPr lang="zh-CN" altLang="en-US" dirty="0"/>
+          </a:p>
+        </p:txBody>
+      </p:sp>
+      <p:sp>
+        <p:nvSpPr>
+          <p:cNvPr id="11" name="Text 9"/>
+          <p:cNvSpPr/>
+          <p:nvPr/>
+        </p:nvSpPr>
+        <p:spPr>
+          <a:xfrm>
+            <a:off x="548640" y="6583680"/>
+            <a:ext cx="11155680" cy="201168"/>
+          </a:xfrm>
+          <a:prstGeom prst="rect">
+            <a:avLst/>
+          </a:prstGeom>
+          <a:noFill/>
+        </p:spPr>
+        <p:txBody>
+          <a:bodyPr wrap="square" rtlCol="0" anchor="ctr"/>
+          <a:lstStyle/>
+          <a:p>
+            <a:pPr marL="0" indent="0">
+              <a:buNone/>
+            </a:pPr>
+            <a:r>
+              <a:rPr lang="en-US" sz="1000" dirty="0">
+                <a:solidFill>
+                  <a:srgbClr val="334155"/>
+                </a:solidFill>
+                <a:latin typeface="Aptos" pitchFamily="34" charset="0"/>
+                <a:ea typeface="Aptos" pitchFamily="34" charset="-122"/>
+                <a:cs typeface="Aptos" pitchFamily="34" charset="-120"/>
+              </a:rPr>
+              <a:t>SuperLOL Assistant — Présentation </a:t>
+            </a:r>
+            <a:r>
+              <a:rPr lang="en-US" sz="1000" dirty="0" err="1">
+                <a:solidFill>
+                  <a:srgbClr val="334155"/>
+                </a:solidFill>
+                <a:latin typeface="Aptos" pitchFamily="34" charset="0"/>
+                <a:ea typeface="Aptos" pitchFamily="34" charset="-122"/>
+                <a:cs typeface="Aptos" pitchFamily="34" charset="-120"/>
+              </a:rPr>
+              <a:t>projet</a:t>
+            </a:r>
+            <a:r>
+              <a:rPr lang="en-US" sz="1000" dirty="0">
+                <a:solidFill>
+                  <a:srgbClr val="334155"/>
+                </a:solidFill>
+                <a:latin typeface="Aptos" pitchFamily="34" charset="0"/>
+                <a:ea typeface="Aptos" pitchFamily="34" charset="-122"/>
+                <a:cs typeface="Aptos" pitchFamily="34" charset="-120"/>
+              </a:rPr>
+              <a:t> </a:t>
+            </a:r>
+            <a:endParaRPr lang="en-US" sz="1000" dirty="0"/>
+          </a:p>
+        </p:txBody>
+      </p:sp>
+      <p:pic>
+        <p:nvPicPr>
+          <p:cNvPr id="12" name="图片 11"/>
+          <p:cNvPicPr>
+            <a:picLocks noChangeAspect="1"/>
+          </p:cNvPicPr>
+          <p:nvPr/>
+        </p:nvPicPr>
+        <p:blipFill>
+          <a:blip r:embed="rId3"/>
+          <a:stretch>
+            <a:fillRect/>
+          </a:stretch>
+        </p:blipFill>
+        <p:spPr>
+          <a:xfrm>
+            <a:off x="1100767" y="1056756"/>
+            <a:ext cx="9398421" cy="5020001"/>
+          </a:xfrm>
+          <a:prstGeom prst="rect">
+            <a:avLst/>
+          </a:prstGeom>
+        </p:spPr>
+      </p:pic>
+    </p:spTree>
+    <p:extLst>
+      <p:ext uri="{BB962C8B-B14F-4D97-AF65-F5344CB8AC3E}">
+        <p14:creationId xmlns:p14="http://schemas.microsoft.com/office/powerpoint/2010/main" val="2646184747"/>
+      </p:ext>
+    </p:extLst>
+  </p:cSld>
+  <p:clrMapOvr>
+    <a:masterClrMapping/>
+  </p:clrMapOvr>
+  <p:timing>
+    <p:tnLst>
+      <p:par>
+        <p:cTn id="1" dur="indefinite" restart="never" nodeType="tmRoot"/>
+      </p:par>
+    </p:tnLst>
+  </p:timing>
+</p:sld>
+</file>
+
+<file path=ppt/slides/slide12.xml><?xml version="1.0" encoding="utf-8"?>
+<p:sld xmlns:a="http://schemas.openxmlformats.org/drawingml/2006/main" xmlns:r="http://schemas.openxmlformats.org/officeDocument/2006/relationships" xmlns:p="http://schemas.openxmlformats.org/presentationml/2006/main">
+  <p:cSld>
+    <p:spTree>
+      <p:nvGrpSpPr>
+        <p:cNvPr id="1" name=""/>
+        <p:cNvGrpSpPr/>
+        <p:nvPr/>
+      </p:nvGrpSpPr>
+      <p:grpSpPr>
+        <a:xfrm>
+          <a:off x="0" y="0"/>
+          <a:ext cx="0" cy="0"/>
+          <a:chOff x="0" y="0"/>
+          <a:chExt cx="0" cy="0"/>
+        </a:xfrm>
+      </p:grpSpPr>
+      <p:sp>
+        <p:nvSpPr>
+          <p:cNvPr id="2" name="Shape 0"/>
+          <p:cNvSpPr/>
+          <p:nvPr/>
+        </p:nvSpPr>
+        <p:spPr>
+          <a:xfrm>
+            <a:off x="-1" y="7620"/>
+            <a:ext cx="12191695" cy="685800"/>
+          </a:xfrm>
+          <a:prstGeom prst="rect">
+            <a:avLst/>
+          </a:prstGeom>
+          <a:solidFill>
+            <a:srgbClr val="0C5D8B"/>
+          </a:solidFill>
+          <a:ln w="12700">
+            <a:solidFill>
+              <a:srgbClr val="0C5D8B"/>
+            </a:solidFill>
+            <a:prstDash val="solid"/>
+          </a:ln>
+        </p:spPr>
+      </p:sp>
+      <p:sp>
+        <p:nvSpPr>
+          <p:cNvPr id="3" name="Text 1"/>
+          <p:cNvSpPr/>
+          <p:nvPr/>
+        </p:nvSpPr>
+        <p:spPr>
+          <a:xfrm>
+            <a:off x="548640" y="109728"/>
+            <a:ext cx="11155680" cy="274320"/>
+          </a:xfrm>
+          <a:prstGeom prst="rect">
+            <a:avLst/>
+          </a:prstGeom>
+          <a:noFill/>
+        </p:spPr>
+        <p:txBody>
+          <a:bodyPr wrap="square" rtlCol="0" anchor="ctr"/>
+          <a:lstStyle/>
+          <a:p>
+            <a:pPr marL="0" indent="0">
+              <a:buNone/>
+            </a:pPr>
+            <a:r>
+              <a:rPr lang="en-US" sz="2400" b="1" dirty="0" err="1" smtClean="0">
+                <a:solidFill>
+                  <a:srgbClr val="FFFFFF"/>
+                </a:solidFill>
+                <a:latin typeface="Aptos Display" pitchFamily="34" charset="0"/>
+                <a:ea typeface="Aptos Display" pitchFamily="34" charset="-122"/>
+                <a:cs typeface="Aptos Display" pitchFamily="34" charset="-120"/>
+              </a:rPr>
+              <a:t>Annexe</a:t>
+            </a:r>
+            <a:r>
+              <a:rPr lang="en-US" sz="2400" b="1" dirty="0">
+                <a:solidFill>
+                  <a:srgbClr val="FFFFFF"/>
+                </a:solidFill>
+                <a:latin typeface="Aptos Display" pitchFamily="34" charset="0"/>
+                <a:ea typeface="Aptos Display" pitchFamily="34" charset="-122"/>
+                <a:cs typeface="Aptos Display" pitchFamily="34" charset="-120"/>
+              </a:rPr>
+              <a:t> </a:t>
+            </a:r>
+            <a:r>
+              <a:rPr lang="en-US" sz="2400" b="1" dirty="0" err="1" smtClean="0">
+                <a:solidFill>
+                  <a:srgbClr val="FFFFFF"/>
+                </a:solidFill>
+                <a:latin typeface="Aptos Display" pitchFamily="34" charset="0"/>
+                <a:ea typeface="Aptos Display" pitchFamily="34" charset="-122"/>
+                <a:cs typeface="Aptos Display" pitchFamily="34" charset="-120"/>
+              </a:rPr>
+              <a:t>Résultat</a:t>
+            </a:r>
+            <a:endParaRPr lang="en-US" sz="2400" dirty="0"/>
+          </a:p>
+        </p:txBody>
+      </p:sp>
+      <p:sp>
+        <p:nvSpPr>
+          <p:cNvPr id="4" name="Text 2"/>
+          <p:cNvSpPr/>
+          <p:nvPr/>
+        </p:nvSpPr>
+        <p:spPr>
+          <a:xfrm>
+            <a:off x="548640" y="402336"/>
+            <a:ext cx="11155680" cy="201168"/>
+          </a:xfrm>
+          <a:prstGeom prst="rect">
+            <a:avLst/>
+          </a:prstGeom>
+          <a:noFill/>
+        </p:spPr>
+        <p:txBody>
+          <a:bodyPr wrap="square" rtlCol="0" anchor="ctr"/>
+          <a:lstStyle/>
+          <a:p>
+            <a:pPr marL="0" indent="0">
+              <a:buNone/>
+            </a:pPr>
+            <a:r>
+              <a:rPr lang="en-US" sz="1200" dirty="0" err="1" smtClean="0">
+                <a:solidFill>
+                  <a:srgbClr val="EAF3FA"/>
+                </a:solidFill>
+                <a:latin typeface="Aptos" pitchFamily="34" charset="0"/>
+                <a:ea typeface="Aptos" pitchFamily="34" charset="-122"/>
+                <a:cs typeface="Aptos" pitchFamily="34" charset="-120"/>
+              </a:rPr>
+              <a:t>Partie</a:t>
+            </a:r>
+            <a:r>
+              <a:rPr lang="en-US" sz="1200" dirty="0" smtClean="0">
+                <a:solidFill>
+                  <a:srgbClr val="EAF3FA"/>
+                </a:solidFill>
+                <a:latin typeface="Aptos" pitchFamily="34" charset="0"/>
+                <a:ea typeface="Aptos" pitchFamily="34" charset="-122"/>
+                <a:cs typeface="Aptos" pitchFamily="34" charset="-120"/>
+              </a:rPr>
+              <a:t> in game </a:t>
+            </a:r>
+            <a:endParaRPr lang="en-US" sz="1200" dirty="0"/>
+          </a:p>
+        </p:txBody>
+      </p:sp>
+      <p:sp>
+        <p:nvSpPr>
+          <p:cNvPr id="10" name="Shape 8"/>
+          <p:cNvSpPr/>
+          <p:nvPr/>
+        </p:nvSpPr>
+        <p:spPr>
+          <a:xfrm>
+            <a:off x="0" y="6510528"/>
+            <a:ext cx="12191695" cy="347472"/>
+          </a:xfrm>
+          <a:prstGeom prst="rect">
+            <a:avLst/>
+          </a:prstGeom>
+          <a:solidFill>
+            <a:srgbClr val="F6F8FA"/>
+          </a:solidFill>
+          <a:ln w="12700">
+            <a:solidFill>
+              <a:srgbClr val="D9E3EC"/>
+            </a:solidFill>
+            <a:prstDash val="solid"/>
+          </a:ln>
+        </p:spPr>
+        <p:txBody>
+          <a:bodyPr/>
+          <a:lstStyle/>
+          <a:p>
+            <a:r>
+              <a:rPr lang="fr-FR" altLang="zh-CN" dirty="0" smtClean="0"/>
+              <a:t>12</a:t>
+            </a:r>
+            <a:endParaRPr lang="zh-CN" altLang="en-US" dirty="0"/>
+          </a:p>
+        </p:txBody>
+      </p:sp>
+      <p:sp>
+        <p:nvSpPr>
+          <p:cNvPr id="11" name="Text 9"/>
+          <p:cNvSpPr/>
+          <p:nvPr/>
+        </p:nvSpPr>
+        <p:spPr>
+          <a:xfrm>
+            <a:off x="548640" y="6583680"/>
+            <a:ext cx="11155680" cy="201168"/>
+          </a:xfrm>
+          <a:prstGeom prst="rect">
+            <a:avLst/>
+          </a:prstGeom>
+          <a:noFill/>
+        </p:spPr>
+        <p:txBody>
+          <a:bodyPr wrap="square" rtlCol="0" anchor="ctr"/>
+          <a:lstStyle/>
+          <a:p>
+            <a:pPr marL="0" indent="0">
+              <a:buNone/>
+            </a:pPr>
+            <a:r>
+              <a:rPr lang="en-US" sz="1000" dirty="0">
+                <a:solidFill>
+                  <a:srgbClr val="334155"/>
+                </a:solidFill>
+                <a:latin typeface="Aptos" pitchFamily="34" charset="0"/>
+                <a:ea typeface="Aptos" pitchFamily="34" charset="-122"/>
+                <a:cs typeface="Aptos" pitchFamily="34" charset="-120"/>
+              </a:rPr>
+              <a:t>SuperLOL Assistant — Présentation </a:t>
+            </a:r>
+            <a:r>
+              <a:rPr lang="en-US" sz="1000" dirty="0" err="1">
+                <a:solidFill>
+                  <a:srgbClr val="334155"/>
+                </a:solidFill>
+                <a:latin typeface="Aptos" pitchFamily="34" charset="0"/>
+                <a:ea typeface="Aptos" pitchFamily="34" charset="-122"/>
+                <a:cs typeface="Aptos" pitchFamily="34" charset="-120"/>
+              </a:rPr>
+              <a:t>projet</a:t>
+            </a:r>
+            <a:r>
+              <a:rPr lang="en-US" sz="1000" dirty="0">
+                <a:solidFill>
+                  <a:srgbClr val="334155"/>
+                </a:solidFill>
+                <a:latin typeface="Aptos" pitchFamily="34" charset="0"/>
+                <a:ea typeface="Aptos" pitchFamily="34" charset="-122"/>
+                <a:cs typeface="Aptos" pitchFamily="34" charset="-120"/>
+              </a:rPr>
+              <a:t> </a:t>
+            </a:r>
+            <a:endParaRPr lang="en-US" sz="1000" dirty="0"/>
+          </a:p>
+        </p:txBody>
+      </p:sp>
+      <p:pic>
+        <p:nvPicPr>
+          <p:cNvPr id="5" name="图片 4"/>
+          <p:cNvPicPr>
+            <a:picLocks noChangeAspect="1"/>
+          </p:cNvPicPr>
+          <p:nvPr/>
+        </p:nvPicPr>
+        <p:blipFill>
+          <a:blip r:embed="rId3"/>
+          <a:stretch>
+            <a:fillRect/>
+          </a:stretch>
+        </p:blipFill>
+        <p:spPr>
+          <a:xfrm>
+            <a:off x="1116834" y="925264"/>
+            <a:ext cx="10019291" cy="5353419"/>
+          </a:xfrm>
+          <a:prstGeom prst="rect">
+            <a:avLst/>
+          </a:prstGeom>
+        </p:spPr>
+      </p:pic>
+    </p:spTree>
+    <p:extLst>
+      <p:ext uri="{BB962C8B-B14F-4D97-AF65-F5344CB8AC3E}">
+        <p14:creationId xmlns:p14="http://schemas.microsoft.com/office/powerpoint/2010/main" val="3356765452"/>
+      </p:ext>
+    </p:extLst>
+  </p:cSld>
+  <p:clrMapOvr>
+    <a:masterClrMapping/>
+  </p:clrMapOvr>
+  <p:timing>
+    <p:tnLst>
+      <p:par>
+        <p:cTn id="1" dur="indefinite" restart="never" nodeType="tmRoot"/>
+      </p:par>
+    </p:tnLst>
+  </p:timing>
 </p:sld>
 </file>
 
@@ -5406,6 +6152,13 @@
   <p:clrMapOvr>
     <a:masterClrMapping/>
   </p:clrMapOvr>
+  <p:timing>
+    <p:tnLst>
+      <p:par>
+        <p:cTn id="1" dur="indefinite" restart="never" nodeType="tmRoot"/>
+      </p:par>
+    </p:tnLst>
+  </p:timing>
 </p:sld>
 </file>
 
@@ -5845,6 +6598,17 @@
               <a:buChar char="•"/>
             </a:pPr>
             <a:r>
+              <a:rPr lang="en-US" sz="1300" dirty="0" smtClean="0">
+                <a:solidFill>
+                  <a:srgbClr val="0F172A"/>
+                </a:solidFill>
+                <a:latin typeface="Aptos" pitchFamily="34" charset="0"/>
+                <a:ea typeface="Aptos" pitchFamily="34" charset="-122"/>
+                <a:cs typeface="Aptos" pitchFamily="34" charset="-120"/>
+              </a:rPr>
+              <a:t>requests </a:t>
+            </a:r>
+            <a:r>
               <a:rPr lang="en-US" sz="1300" dirty="0">
                 <a:solidFill>
                   <a:srgbClr val="0F172A"/>
@@ -5853,7 +6617,62 @@
                 <a:ea typeface="Aptos" pitchFamily="34" charset="-122"/>
                 <a:cs typeface="Aptos" pitchFamily="34" charset="-120"/>
               </a:rPr>
-              <a:t>requests : fallback (LiveClient / endpoints directs).</a:t>
+              <a:t>: </a:t>
+            </a:r>
+            <a:r>
+              <a:rPr lang="en-US" sz="1300" dirty="0" smtClean="0">
+                <a:solidFill>
+                  <a:srgbClr val="0F172A"/>
+                </a:solidFill>
+                <a:latin typeface="Aptos" pitchFamily="34" charset="0"/>
+                <a:ea typeface="Aptos" pitchFamily="34" charset="-122"/>
+                <a:cs typeface="Aptos" pitchFamily="34" charset="-120"/>
+              </a:rPr>
+              <a:t> </a:t>
+            </a:r>
+            <a:r>
+              <a:rPr lang="en-US" sz="1300" dirty="0" err="1" smtClean="0">
+                <a:solidFill>
+                  <a:srgbClr val="0F172A"/>
+                </a:solidFill>
+                <a:latin typeface="Aptos" pitchFamily="34" charset="0"/>
+                <a:ea typeface="Aptos" pitchFamily="34" charset="-122"/>
+                <a:cs typeface="Aptos" pitchFamily="34" charset="-120"/>
+              </a:rPr>
+              <a:t>LiveClient</a:t>
+            </a:r>
+            <a:r>
+              <a:rPr lang="en-US" sz="1300" dirty="0" smtClean="0">
+                <a:solidFill>
+                  <a:srgbClr val="0F172A"/>
+                </a:solidFill>
+                <a:latin typeface="Aptos" pitchFamily="34" charset="0"/>
+                <a:ea typeface="Aptos" pitchFamily="34" charset="-122"/>
+                <a:cs typeface="Aptos" pitchFamily="34" charset="-120"/>
+              </a:rPr>
+              <a:t> </a:t>
+            </a:r>
+            <a:r>
+              <a:rPr lang="en-US" sz="1300" dirty="0">
+                <a:solidFill>
+                  <a:srgbClr val="0F172A"/>
+                </a:solidFill>
+                <a:latin typeface="Aptos" pitchFamily="34" charset="0"/>
+                <a:ea typeface="Aptos" pitchFamily="34" charset="-122"/>
+                <a:cs typeface="Aptos" pitchFamily="34" charset="-120"/>
+              </a:rPr>
+              <a:t>/ </a:t>
+            </a:r>
+            <a:r>
+              <a:rPr lang="en-US" sz="1300" dirty="0" smtClean="0">
+                <a:solidFill>
+                  <a:srgbClr val="0F172A"/>
+                </a:solidFill>
+                <a:latin typeface="Aptos" pitchFamily="34" charset="0"/>
+                <a:ea typeface="Aptos" pitchFamily="34" charset="-122"/>
+                <a:cs typeface="Aptos" pitchFamily="34" charset="-120"/>
+              </a:rPr>
+              <a:t>Spectator.</a:t>
             </a:r>
             <a:endParaRPr lang="en-US" sz="1300" dirty="0"/>
           </a:p>
@@ -6002,6 +6821,13 @@
   <p:clrMapOvr>
     <a:masterClrMapping/>
   </p:clrMapOvr>
+  <p:timing>
+    <p:tnLst>
+      <p:par>
+        <p:cTn id="1" dur="indefinite" restart="never" nodeType="tmRoot"/>
+      </p:par>
+    </p:tnLst>
+  </p:timing>
 </p:sld>
 </file>
 
@@ -6928,6 +7754,13 @@
   <p:clrMapOvr>
     <a:masterClrMapping/>
   </p:clrMapOvr>
+  <p:timing>
+    <p:tnLst>
+      <p:par>
+        <p:cTn id="1" dur="indefinite" restart="never" nodeType="tmRoot"/>
+      </p:par>
+    </p:tnLst>
+  </p:timing>
 </p:sld>
 </file>
 
@@ -7853,6 +8686,13 @@
   <p:clrMapOvr>
     <a:masterClrMapping/>
   </p:clrMapOvr>
+  <p:timing>
+    <p:tnLst>
+      <p:par>
+        <p:cTn id="1" dur="indefinite" restart="never" nodeType="tmRoot"/>
+      </p:par>
+    </p:tnLst>
+  </p:timing>
 </p:sld>
 </file>
 
@@ -8809,6 +9649,13 @@
   <p:clrMapOvr>
     <a:masterClrMapping/>
   </p:clrMapOvr>
+  <p:timing>
+    <p:tnLst>
+      <p:par>
+        <p:cTn id="1" dur="indefinite" restart="never" nodeType="tmRoot"/>
+      </p:par>
+    </p:tnLst>
+  </p:timing>
 </p:sld>
 </file>
 
@@ -9078,7 +9925,29 @@
                 <a:ea typeface="Aptos" pitchFamily="34" charset="-122"/>
                 <a:cs typeface="Aptos" pitchFamily="34" charset="-120"/>
               </a:rPr>
-              <a:t>Chargement CSV (global / perso) + normalisation colonnes.</a:t>
+              <a:t>Chargement CSV (global / </a:t>
+            </a:r>
+            <a:r>
+              <a:rPr lang="en-US" sz="1300" dirty="0" err="1" smtClean="0">
+                <a:solidFill>
+                  <a:srgbClr val="0F172A"/>
+                </a:solidFill>
+                <a:latin typeface="Aptos" pitchFamily="34" charset="0"/>
+                <a:ea typeface="Aptos" pitchFamily="34" charset="-122"/>
+                <a:cs typeface="Aptos" pitchFamily="34" charset="-120"/>
+              </a:rPr>
+              <a:t>perso</a:t>
+            </a:r>
+            <a:r>
+              <a:rPr lang="en-US" sz="1300" dirty="0" smtClean="0">
+                <a:solidFill>
+                  <a:srgbClr val="0F172A"/>
+                </a:solidFill>
+                <a:latin typeface="Aptos" pitchFamily="34" charset="0"/>
+                <a:ea typeface="Aptos" pitchFamily="34" charset="-122"/>
+                <a:cs typeface="Aptos" pitchFamily="34" charset="-120"/>
+              </a:rPr>
+              <a:t>)</a:t>
             </a:r>
             <a:endParaRPr lang="en-US" sz="1300" dirty="0"/>
           </a:p>
@@ -9198,119 +10067,6 @@
       </p:sp>
       <p:sp>
         <p:nvSpPr>
-          <p:cNvPr id="10" name="Shape 8"/>
-          <p:cNvSpPr/>
-          <p:nvPr/>
-        </p:nvSpPr>
-        <p:spPr>
-          <a:xfrm>
-            <a:off x="6515586" y="1645920"/>
-            <a:ext cx="5074920" cy="3611880"/>
-          </a:xfrm>
-          <a:prstGeom prst="rect">
-            <a:avLst/>
-          </a:prstGeom>
-          <a:solidFill>
-            <a:srgbClr val="F8FAFC"/>
-          </a:solidFill>
-          <a:ln w="12700">
-            <a:solidFill>
-              <a:srgbClr val="CBD5E1"/>
-            </a:solidFill>
-            <a:prstDash val="solid"/>
-          </a:ln>
-        </p:spPr>
-      </p:sp>
-      <p:sp>
-        <p:nvSpPr>
-          <p:cNvPr id="11" name="Shape 9"/>
-          <p:cNvSpPr/>
-          <p:nvPr/>
-        </p:nvSpPr>
-        <p:spPr>
-          <a:xfrm>
-            <a:off x="6515586" y="1645920"/>
-            <a:ext cx="5074920" cy="502920"/>
-          </a:xfrm>
-          <a:prstGeom prst="rect">
-            <a:avLst/>
-          </a:prstGeom>
-          <a:solidFill>
-            <a:srgbClr val="FFFFFF"/>
-          </a:solidFill>
-          <a:ln w="12700">
-            <a:solidFill>
-              <a:srgbClr val="E2E8F0"/>
-            </a:solidFill>
-            <a:prstDash val="solid"/>
-          </a:ln>
-        </p:spPr>
-      </p:sp>
-      <p:sp>
-        <p:nvSpPr>
-          <p:cNvPr id="12" name="Text 10"/>
-          <p:cNvSpPr/>
-          <p:nvPr/>
-        </p:nvSpPr>
-        <p:spPr>
-          <a:xfrm>
-            <a:off x="6652746" y="1755648"/>
-            <a:ext cx="3291840" cy="274320"/>
-          </a:xfrm>
-          <a:prstGeom prst="rect">
-            <a:avLst/>
-          </a:prstGeom>
-          <a:noFill/>
-        </p:spPr>
-        <p:txBody>
-          <a:bodyPr wrap="square" rtlCol="0" anchor="ctr"/>
-          <a:lstStyle/>
-          <a:p>
-            <a:pPr marL="0" indent="0">
-              <a:buNone/>
-            </a:pPr>
-            <a:r>
-              <a:rPr lang="en-US" sz="1400" b="1" dirty="0">
-                <a:solidFill>
-                  <a:srgbClr val="0C5D8B"/>
-                </a:solidFill>
-                <a:latin typeface="Aptos Display" pitchFamily="34" charset="0"/>
-                <a:ea typeface="Aptos Display" pitchFamily="34" charset="-122"/>
-                <a:cs typeface="Aptos Display" pitchFamily="34" charset="-120"/>
-              </a:rPr>
-              <a:t>SuperLOL Assistant</a:t>
-            </a:r>
-            <a:endParaRPr lang="en-US" sz="1400" dirty="0"/>
-          </a:p>
-        </p:txBody>
-      </p:sp>
-      <p:sp>
-        <p:nvSpPr>
-          <p:cNvPr id="13" name="Shape 11"/>
-          <p:cNvSpPr/>
-          <p:nvPr/>
-        </p:nvSpPr>
-        <p:spPr>
-          <a:xfrm>
-            <a:off x="6607026" y="2212848"/>
-            <a:ext cx="1417320" cy="320040"/>
-          </a:xfrm>
-          <a:prstGeom prst="roundRect">
-            <a:avLst/>
-          </a:prstGeom>
-          <a:solidFill>
-            <a:srgbClr val="0C5D8B"/>
-          </a:solidFill>
-          <a:ln w="12700">
-            <a:solidFill>
-              <a:srgbClr val="0C5D8B"/>
-            </a:solidFill>
-            <a:prstDash val="solid"/>
-          </a:ln>
-        </p:spPr>
-      </p:sp>
-      <p:sp>
-        <p:nvSpPr>
           <p:cNvPr id="14" name="Text 12"/>
           <p:cNvSpPr/>
           <p:nvPr/>
@@ -9349,31 +10105,6 @@
       </p:sp>
       <p:sp>
         <p:nvSpPr>
-          <p:cNvPr id="15" name="Shape 13"/>
-          <p:cNvSpPr/>
-          <p:nvPr/>
-        </p:nvSpPr>
-        <p:spPr>
-          <a:xfrm>
-            <a:off x="8115786" y="2212848"/>
-            <a:ext cx="1417320" cy="320040"/>
-          </a:xfrm>
-          <a:prstGeom prst="roundRect">
-            <a:avLst/>
-          </a:prstGeom>
-          <a:solidFill>
-            <a:srgbClr val="94A3B8"/>
-          </a:solidFill>
-          <a:ln w="12700">
-            <a:solidFill>
-              <a:srgbClr val="94A3B8"/>
-            </a:solidFill>
-            <a:prstDash val="solid"/>
-          </a:ln>
-        </p:spPr>
-      </p:sp>
-      <p:sp>
-        <p:nvSpPr>
           <p:cNvPr id="16" name="Text 14"/>
           <p:cNvSpPr/>
           <p:nvPr/>
@@ -9412,31 +10143,6 @@
       </p:sp>
       <p:sp>
         <p:nvSpPr>
-          <p:cNvPr id="17" name="Shape 15"/>
-          <p:cNvSpPr/>
-          <p:nvPr/>
-        </p:nvSpPr>
-        <p:spPr>
-          <a:xfrm>
-            <a:off x="9624546" y="2212848"/>
-            <a:ext cx="1417320" cy="320040"/>
-          </a:xfrm>
-          <a:prstGeom prst="roundRect">
-            <a:avLst/>
-          </a:prstGeom>
-          <a:solidFill>
-            <a:srgbClr val="94A3B8"/>
-          </a:solidFill>
-          <a:ln w="12700">
-            <a:solidFill>
-              <a:srgbClr val="94A3B8"/>
-            </a:solidFill>
-            <a:prstDash val="solid"/>
-          </a:ln>
-        </p:spPr>
-      </p:sp>
-      <p:sp>
-        <p:nvSpPr>
           <p:cNvPr id="18" name="Text 16"/>
           <p:cNvSpPr/>
           <p:nvPr/>
@@ -9470,153 +10176,6 @@
               <a:t>IN GAME</a:t>
             </a:r>
             <a:endParaRPr lang="en-US" sz="1000" dirty="0"/>
-          </a:p>
-        </p:txBody>
-      </p:sp>
-      <p:sp>
-        <p:nvSpPr>
-          <p:cNvPr id="19" name="Shape 17"/>
-          <p:cNvSpPr/>
-          <p:nvPr/>
-        </p:nvSpPr>
-        <p:spPr>
-          <a:xfrm>
-            <a:off x="6607026" y="2606040"/>
-            <a:ext cx="4892040" cy="2514600"/>
-          </a:xfrm>
-          <a:prstGeom prst="roundRect">
-            <a:avLst/>
-          </a:prstGeom>
-          <a:solidFill>
-            <a:srgbClr val="FFFFFF"/>
-          </a:solidFill>
-          <a:ln w="12700">
-            <a:solidFill>
-              <a:srgbClr val="E2E8F0"/>
-            </a:solidFill>
-            <a:prstDash val="solid"/>
-          </a:ln>
-        </p:spPr>
-      </p:sp>
-      <p:sp>
-        <p:nvSpPr>
-          <p:cNvPr id="20" name="Text 18"/>
-          <p:cNvSpPr/>
-          <p:nvPr/>
-        </p:nvSpPr>
-        <p:spPr>
-          <a:xfrm>
-            <a:off x="6789906" y="2743200"/>
-            <a:ext cx="4526280" cy="274320"/>
-          </a:xfrm>
-          <a:prstGeom prst="rect">
-            <a:avLst/>
-          </a:prstGeom>
-          <a:noFill/>
-        </p:spPr>
-        <p:txBody>
-          <a:bodyPr wrap="square" rtlCol="0" anchor="ctr"/>
-          <a:lstStyle/>
-          <a:p>
-            <a:pPr marL="0" indent="0">
-              <a:buNone/>
-            </a:pPr>
-            <a:r>
-              <a:rPr lang="en-US" sz="1200" b="1" dirty="0">
-                <a:solidFill>
-                  <a:srgbClr val="0F172A"/>
-                </a:solidFill>
-                <a:latin typeface="Aptos" pitchFamily="34" charset="0"/>
-                <a:ea typeface="Aptos" pitchFamily="34" charset="-122"/>
-                <a:cs typeface="Aptos" pitchFamily="34" charset="-120"/>
-              </a:rPr>
-              <a:t>Calculs + tables + graph</a:t>
-            </a:r>
-            <a:endParaRPr lang="en-US" sz="1200" dirty="0"/>
-          </a:p>
-        </p:txBody>
-      </p:sp>
-      <p:sp>
-        <p:nvSpPr>
-          <p:cNvPr id="21" name="Text 19"/>
-          <p:cNvSpPr/>
-          <p:nvPr/>
-        </p:nvSpPr>
-        <p:spPr>
-          <a:xfrm>
-            <a:off x="6881346" y="3063240"/>
-            <a:ext cx="4480560" cy="914400"/>
-          </a:xfrm>
-          <a:prstGeom prst="rect">
-            <a:avLst/>
-          </a:prstGeom>
-          <a:noFill/>
-        </p:spPr>
-        <p:txBody>
-          <a:bodyPr wrap="square" rtlCol="0" anchor="ctr"/>
-          <a:lstStyle/>
-          <a:p>
-            <a:pPr marL="203200" indent="-203200">
-              <a:spcAft>
-                <a:spcPts val="300"/>
-              </a:spcAft>
-              <a:buSzPct val="100000"/>
-              <a:buChar char="•"/>
-            </a:pPr>
-            <a:r>
-              <a:rPr lang="en-US" sz="1200" dirty="0">
-                <a:solidFill>
-                  <a:srgbClr val="0F172A"/>
-                </a:solidFill>
-                <a:latin typeface="Aptos" pitchFamily="34" charset="0"/>
-                <a:ea typeface="Aptos" pitchFamily="34" charset="-122"/>
-                <a:cs typeface="Aptos" pitchFamily="34" charset="-120"/>
-              </a:rPr>
-              <a:t>Tier list par rôle</a:t>
-            </a:r>
-            <a:endParaRPr lang="en-US" sz="1200" dirty="0"/>
-          </a:p>
-          <a:p>
-            <a:pPr marL="203200" indent="-203200">
-              <a:spcAft>
-                <a:spcPts val="300"/>
-              </a:spcAft>
-              <a:buSzPct val="100000"/>
-              <a:buChar char="•"/>
-            </a:pPr>
-            <a:r>
-              <a:rPr lang="en-US" sz="1200" dirty="0">
-                <a:solidFill>
-                  <a:srgbClr val="0F172A"/>
-                </a:solidFill>
-                <a:latin typeface="Aptos" pitchFamily="34" charset="0"/>
-                <a:ea typeface="Aptos" pitchFamily="34" charset="-122"/>
-                <a:cs typeface="Aptos" pitchFamily="34" charset="-120"/>
-              </a:rPr>
-              <a:t>Matchups</a:t>
-            </a:r>
-            <a:endParaRPr lang="en-US" sz="1200" dirty="0"/>
-          </a:p>
-          <a:p>
-            <a:pPr marL="203200" indent="-203200">
-              <a:spcAft>
-                <a:spcPts val="300"/>
-              </a:spcAft>
-              <a:buSzPct val="100000"/>
-              <a:buChar char="•"/>
-            </a:pPr>
-            <a:r>
-              <a:rPr lang="en-US" sz="1200" dirty="0">
-                <a:solidFill>
-                  <a:srgbClr val="0F172A"/>
-                </a:solidFill>
-                <a:latin typeface="Aptos" pitchFamily="34" charset="0"/>
-                <a:ea typeface="Aptos" pitchFamily="34" charset="-122"/>
-                <a:cs typeface="Aptos" pitchFamily="34" charset="-120"/>
-              </a:rPr>
-              <a:t>Stats perso + camembert</a:t>
-            </a:r>
-            <a:endParaRPr lang="en-US" sz="1200" dirty="0"/>
           </a:p>
         </p:txBody>
       </p:sp>
@@ -9716,11 +10275,42 @@
           </a:p>
         </p:txBody>
       </p:sp>
+      <p:pic>
+        <p:nvPicPr>
+          <p:cNvPr id="25" name="图片 24"/>
+          <p:cNvPicPr>
+            <a:picLocks noChangeAspect="1"/>
+          </p:cNvPicPr>
+          <p:nvPr/>
+        </p:nvPicPr>
+        <p:blipFill>
+          <a:blip r:embed="rId3"/>
+          <a:stretch>
+            <a:fillRect/>
+          </a:stretch>
+        </p:blipFill>
+        <p:spPr>
+          <a:xfrm>
+            <a:off x="6296042" y="1911448"/>
+            <a:ext cx="5484585" cy="3346352"/>
+          </a:xfrm>
+          <a:prstGeom prst="rect">
+            <a:avLst/>
+          </a:prstGeom>
+        </p:spPr>
+      </p:pic>
     </p:spTree>
   </p:cSld>
   <p:clrMapOvr>
     <a:masterClrMapping/>
   </p:clrMapOvr>
+  <p:timing>
+    <p:tnLst>
+      <p:par>
+        <p:cTn id="1" dur="indefinite" restart="never" nodeType="tmRoot"/>
+      </p:par>
+    </p:tnLst>
+  </p:timing>
 </p:sld>
 </file>
 
@@ -10332,6 +10922,28 @@
               <a:buNone/>
             </a:pPr>
             <a:r>
+              <a:rPr lang="en-US" sz="1300" dirty="0" err="1" smtClean="0">
+                <a:solidFill>
+                  <a:srgbClr val="0F172A"/>
+                </a:solidFill>
+                <a:latin typeface="Aptos" pitchFamily="34" charset="0"/>
+                <a:ea typeface="Aptos" pitchFamily="34" charset="-122"/>
+                <a:cs typeface="Aptos" pitchFamily="34" charset="-120"/>
+              </a:rPr>
+              <a:t>LiveClient</a:t>
+            </a:r>
+            <a:r>
+              <a:rPr lang="en-US" sz="1300" dirty="0" smtClean="0">
+                <a:solidFill>
+                  <a:srgbClr val="0F172A"/>
+                </a:solidFill>
+                <a:latin typeface="Aptos" pitchFamily="34" charset="0"/>
+                <a:ea typeface="Aptos" pitchFamily="34" charset="-122"/>
+                <a:cs typeface="Aptos" pitchFamily="34" charset="-120"/>
+              </a:rPr>
+              <a:t> </a:t>
+            </a:r>
+            <a:r>
               <a:rPr lang="en-US" sz="1300" dirty="0">
                 <a:solidFill>
                   <a:srgbClr val="0F172A"/>
@@ -10340,7 +10952,7 @@
                 <a:ea typeface="Aptos" pitchFamily="34" charset="-122"/>
                 <a:cs typeface="Aptos" pitchFamily="34" charset="-120"/>
               </a:rPr>
-              <a:t>Fallback : LiveClient local → spectator v5 → v4.</a:t>
+              <a:t>local → spectator v5 → v4.</a:t>
             </a:r>
             <a:endParaRPr lang="en-US" sz="1300" dirty="0"/>
           </a:p>
@@ -10573,6 +11185,13 @@
   <p:clrMapOvr>
     <a:masterClrMapping/>
   </p:clrMapOvr>
+  <p:timing>
+    <p:tnLst>
+      <p:par>
+        <p:cTn id="1" dur="indefinite" restart="never" nodeType="tmRoot"/>
+      </p:par>
+    </p:tnLst>
+  </p:timing>
 </p:sld>
 </file>
 
@@ -10866,14 +11485,6 @@
               </a:rPr>
               <a:t>.</a:t>
             </a:r>
-            <a:endParaRPr lang="en-US" sz="1500" dirty="0">
-              <a:solidFill>
-                <a:srgbClr val="0F172A"/>
-              </a:solidFill>
-              <a:latin typeface="Aptos" pitchFamily="34" charset="0"/>
-              <a:ea typeface="Aptos" pitchFamily="34" charset="-122"/>
-              <a:cs typeface="Aptos" pitchFamily="34" charset="-120"/>
-            </a:endParaRPr>
           </a:p>
           <a:p>
             <a:pPr marL="254000" indent="-254000">
@@ -10983,6 +11594,191 @@
               </a:rPr>
               <a:t>.</a:t>
             </a:r>
+          </a:p>
+          <a:p>
+            <a:pPr marL="254000" indent="-254000">
+              <a:spcAft>
+                <a:spcPts val="600"/>
+              </a:spcAft>
+              <a:buSzPct val="100000"/>
+              <a:buFontTx/>
+              <a:buChar char="•"/>
+            </a:pPr>
+            <a:r>
+              <a:rPr lang="en-US" sz="1500" dirty="0">
+                <a:solidFill>
+                  <a:srgbClr val="0F172A"/>
+                </a:solidFill>
+                <a:latin typeface="Aptos" pitchFamily="34" charset="0"/>
+                <a:ea typeface="Aptos" pitchFamily="34" charset="-122"/>
+                <a:cs typeface="Aptos" pitchFamily="34" charset="-120"/>
+              </a:rPr>
+              <a:t>E9 — </a:t>
+            </a:r>
+            <a:r>
+              <a:rPr lang="en-US" sz="1500" dirty="0" err="1">
+                <a:solidFill>
+                  <a:srgbClr val="0F172A"/>
+                </a:solidFill>
+                <a:latin typeface="Aptos" pitchFamily="34" charset="0"/>
+                <a:ea typeface="Aptos" pitchFamily="34" charset="-122"/>
+                <a:cs typeface="Aptos" pitchFamily="34" charset="-120"/>
+              </a:rPr>
+              <a:t>Bibliothèque</a:t>
+            </a:r>
+            <a:r>
+              <a:rPr lang="en-US" sz="1500" dirty="0">
+                <a:solidFill>
+                  <a:srgbClr val="0F172A"/>
+                </a:solidFill>
+                <a:latin typeface="Aptos" pitchFamily="34" charset="0"/>
+                <a:ea typeface="Aptos" pitchFamily="34" charset="-122"/>
+                <a:cs typeface="Aptos" pitchFamily="34" charset="-120"/>
+              </a:rPr>
+              <a:t> de messages “</a:t>
+            </a:r>
+            <a:r>
+              <a:rPr lang="en-US" sz="1500" dirty="0" err="1">
+                <a:solidFill>
+                  <a:srgbClr val="0F172A"/>
+                </a:solidFill>
+                <a:latin typeface="Aptos" pitchFamily="34" charset="0"/>
+                <a:ea typeface="Aptos" pitchFamily="34" charset="-122"/>
+                <a:cs typeface="Aptos" pitchFamily="34" charset="-120"/>
+              </a:rPr>
+              <a:t>toxique</a:t>
+            </a:r>
+            <a:r>
+              <a:rPr lang="en-US" sz="1500" dirty="0">
+                <a:solidFill>
+                  <a:srgbClr val="0F172A"/>
+                </a:solidFill>
+                <a:latin typeface="Aptos" pitchFamily="34" charset="0"/>
+                <a:ea typeface="Aptos" pitchFamily="34" charset="-122"/>
+                <a:cs typeface="Aptos" pitchFamily="34" charset="-120"/>
+              </a:rPr>
+              <a:t> </a:t>
+            </a:r>
+            <a:r>
+              <a:rPr lang="en-US" sz="1500" dirty="0" err="1">
+                <a:solidFill>
+                  <a:srgbClr val="0F172A"/>
+                </a:solidFill>
+                <a:latin typeface="Aptos" pitchFamily="34" charset="0"/>
+                <a:ea typeface="Aptos" pitchFamily="34" charset="-122"/>
+                <a:cs typeface="Aptos" pitchFamily="34" charset="-120"/>
+              </a:rPr>
+              <a:t>positif</a:t>
+            </a:r>
+            <a:r>
+              <a:rPr lang="en-US" sz="1500" dirty="0">
+                <a:solidFill>
+                  <a:srgbClr val="0F172A"/>
+                </a:solidFill>
+                <a:latin typeface="Aptos" pitchFamily="34" charset="0"/>
+                <a:ea typeface="Aptos" pitchFamily="34" charset="-122"/>
+                <a:cs typeface="Aptos" pitchFamily="34" charset="-120"/>
+              </a:rPr>
+              <a:t>” </a:t>
+            </a:r>
+            <a:r>
+              <a:rPr lang="en-US" sz="1500" dirty="0" smtClean="0">
+                <a:solidFill>
+                  <a:srgbClr val="0F172A"/>
+                </a:solidFill>
+                <a:latin typeface="Aptos" pitchFamily="34" charset="0"/>
+                <a:ea typeface="Aptos" pitchFamily="34" charset="-122"/>
+                <a:cs typeface="Aptos" pitchFamily="34" charset="-120"/>
+              </a:rPr>
+              <a:t>multi-langue </a:t>
+            </a:r>
+          </a:p>
+          <a:p>
+            <a:pPr marL="254000" indent="-254000">
+              <a:spcAft>
+                <a:spcPts val="600"/>
+              </a:spcAft>
+              <a:buSzPct val="100000"/>
+              <a:buFontTx/>
+              <a:buChar char="•"/>
+            </a:pPr>
+            <a:r>
+              <a:rPr lang="en-US" sz="1500" dirty="0">
+                <a:solidFill>
+                  <a:srgbClr val="0F172A"/>
+                </a:solidFill>
+                <a:latin typeface="Aptos" pitchFamily="34" charset="0"/>
+                <a:ea typeface="Aptos" pitchFamily="34" charset="-122"/>
+                <a:cs typeface="Aptos" pitchFamily="34" charset="-120"/>
+              </a:rPr>
+              <a:t>E10 — UI </a:t>
+            </a:r>
+            <a:r>
+              <a:rPr lang="en-US" sz="1500" dirty="0" err="1">
+                <a:solidFill>
+                  <a:srgbClr val="0F172A"/>
+                </a:solidFill>
+                <a:latin typeface="Aptos" pitchFamily="34" charset="0"/>
+                <a:ea typeface="Aptos" pitchFamily="34" charset="-122"/>
+                <a:cs typeface="Aptos" pitchFamily="34" charset="-120"/>
+              </a:rPr>
+              <a:t>conçue</a:t>
+            </a:r>
+            <a:r>
+              <a:rPr lang="en-US" sz="1500" dirty="0">
+                <a:solidFill>
+                  <a:srgbClr val="0F172A"/>
+                </a:solidFill>
+                <a:latin typeface="Aptos" pitchFamily="34" charset="0"/>
+                <a:ea typeface="Aptos" pitchFamily="34" charset="-122"/>
+                <a:cs typeface="Aptos" pitchFamily="34" charset="-120"/>
+              </a:rPr>
+              <a:t> avec </a:t>
+            </a:r>
+            <a:r>
+              <a:rPr lang="en-US" sz="1500" dirty="0" err="1">
+                <a:solidFill>
+                  <a:srgbClr val="0F172A"/>
+                </a:solidFill>
+                <a:latin typeface="Aptos" pitchFamily="34" charset="0"/>
+                <a:ea typeface="Aptos" pitchFamily="34" charset="-122"/>
+                <a:cs typeface="Aptos" pitchFamily="34" charset="-120"/>
+              </a:rPr>
+              <a:t>Qt</a:t>
+            </a:r>
+            <a:r>
+              <a:rPr lang="en-US" sz="1500" dirty="0">
+                <a:solidFill>
+                  <a:srgbClr val="0F172A"/>
+                </a:solidFill>
+                <a:latin typeface="Aptos" pitchFamily="34" charset="0"/>
+                <a:ea typeface="Aptos" pitchFamily="34" charset="-122"/>
+                <a:cs typeface="Aptos" pitchFamily="34" charset="-120"/>
+              </a:rPr>
+              <a:t> Designer </a:t>
+            </a:r>
+            <a:r>
+              <a:rPr lang="en-US" sz="1500" dirty="0" smtClean="0">
+                <a:solidFill>
+                  <a:srgbClr val="0F172A"/>
+                </a:solidFill>
+                <a:latin typeface="Aptos" pitchFamily="34" charset="0"/>
+                <a:ea typeface="Aptos" pitchFamily="34" charset="-122"/>
+                <a:cs typeface="Aptos" pitchFamily="34" charset="-120"/>
+              </a:rPr>
+              <a:t>(et PySide6</a:t>
+            </a:r>
+            <a:r>
+              <a:rPr lang="en-US" sz="1500" dirty="0">
+                <a:solidFill>
+                  <a:srgbClr val="0F172A"/>
+                </a:solidFill>
+                <a:latin typeface="Aptos" pitchFamily="34" charset="0"/>
+                <a:ea typeface="Aptos" pitchFamily="34" charset="-122"/>
+                <a:cs typeface="Aptos" pitchFamily="34" charset="-120"/>
+              </a:rPr>
+              <a:t>)</a:t>
+            </a:r>
             <a:endParaRPr lang="en-US" sz="1500" dirty="0"/>
           </a:p>
           <a:p>
@@ -10994,6 +11790,17 @@
               <a:buChar char="•"/>
             </a:pPr>
             <a:r>
+              <a:rPr lang="en-US" sz="1500" dirty="0" smtClean="0">
+                <a:solidFill>
+                  <a:srgbClr val="0F172A"/>
+                </a:solidFill>
+                <a:latin typeface="Aptos" pitchFamily="34" charset="0"/>
+                <a:ea typeface="Aptos" pitchFamily="34" charset="-122"/>
+                <a:cs typeface="Aptos" pitchFamily="34" charset="-120"/>
+              </a:rPr>
+              <a:t>E1 </a:t>
+            </a:r>
+            <a:r>
               <a:rPr lang="en-US" sz="1500" dirty="0">
                 <a:solidFill>
                   <a:srgbClr val="0F172A"/>
@@ -11002,9 +11809,8 @@
                 <a:ea typeface="Aptos" pitchFamily="34" charset="-122"/>
                 <a:cs typeface="Aptos" pitchFamily="34" charset="-120"/>
               </a:rPr>
-              <a:t>E1 — Fenêtre unique en onglets (partiel : 3 onglets au lieu de 4 demandés).</a:t>
-            </a:r>
-            <a:endParaRPr lang="en-US" sz="1500" dirty="0"/>
+              <a:t>— Fenêtre unique en onglets (partiel : 3 onglets au lieu de 4 demandés).</a:t>
+            </a:r>
           </a:p>
         </p:txBody>
       </p:sp>
@@ -11109,41 +11915,48 @@
   <p:clrMapOvr>
     <a:masterClrMapping/>
   </p:clrMapOvr>
+  <p:timing>
+    <p:tnLst>
+      <p:par>
+        <p:cTn id="1" dur="indefinite" restart="never" nodeType="tmRoot"/>
+      </p:par>
+    </p:tnLst>
+  </p:timing>
 </p:sld>
 </file>
 
 <file path=ppt/tags/tag1.xml><?xml version="1.0" encoding="utf-8"?>
-<p:tagLst xmlns:p="http://schemas.openxmlformats.org/presentationml/2006/main">
+<p:tagLst xmlns:a="http://schemas.openxmlformats.org/drawingml/2006/main" xmlns:r="http://schemas.openxmlformats.org/officeDocument/2006/relationships" xmlns:p="http://schemas.openxmlformats.org/presentationml/2006/main">
   <p:tag name="KSO_WM_DIAGRAM_VIRTUALLY_FRAME" val="{&quot;height&quot;:402.85,&quot;left&quot;:27.2,&quot;top&quot;:80.25,&quot;width&quot;:932.5600000000001}"/>
 </p:tagLst>
 </file>
 
 <file path=ppt/tags/tag2.xml><?xml version="1.0" encoding="utf-8"?>
-<p:tagLst xmlns:p="http://schemas.openxmlformats.org/presentationml/2006/main">
+<p:tagLst xmlns:a="http://schemas.openxmlformats.org/drawingml/2006/main" xmlns:r="http://schemas.openxmlformats.org/officeDocument/2006/relationships" xmlns:p="http://schemas.openxmlformats.org/presentationml/2006/main">
   <p:tag name="KSO_WM_DIAGRAM_VIRTUALLY_FRAME" val="{&quot;height&quot;:402.85,&quot;left&quot;:27.2,&quot;top&quot;:80.25,&quot;width&quot;:932.5600000000001}"/>
 </p:tagLst>
 </file>
 
 <file path=ppt/tags/tag3.xml><?xml version="1.0" encoding="utf-8"?>
-<p:tagLst xmlns:p="http://schemas.openxmlformats.org/presentationml/2006/main">
+<p:tagLst xmlns:a="http://schemas.openxmlformats.org/drawingml/2006/main" xmlns:r="http://schemas.openxmlformats.org/officeDocument/2006/relationships" xmlns:p="http://schemas.openxmlformats.org/presentationml/2006/main">
   <p:tag name="KSO_WM_DIAGRAM_VIRTUALLY_FRAME" val="{&quot;height&quot;:402.85,&quot;left&quot;:27.2,&quot;top&quot;:80.25,&quot;width&quot;:932.5600000000001}"/>
 </p:tagLst>
 </file>
 
 <file path=ppt/tags/tag4.xml><?xml version="1.0" encoding="utf-8"?>
-<p:tagLst xmlns:p="http://schemas.openxmlformats.org/presentationml/2006/main">
+<p:tagLst xmlns:a="http://schemas.openxmlformats.org/drawingml/2006/main" xmlns:r="http://schemas.openxmlformats.org/officeDocument/2006/relationships" xmlns:p="http://schemas.openxmlformats.org/presentationml/2006/main">
   <p:tag name="KSO_WM_DIAGRAM_VIRTUALLY_FRAME" val="{&quot;height&quot;:402.85,&quot;left&quot;:27.2,&quot;top&quot;:80.25,&quot;width&quot;:932.5600000000001}"/>
 </p:tagLst>
 </file>
 
 <file path=ppt/tags/tag5.xml><?xml version="1.0" encoding="utf-8"?>
-<p:tagLst xmlns:p="http://schemas.openxmlformats.org/presentationml/2006/main">
+<p:tagLst xmlns:a="http://schemas.openxmlformats.org/drawingml/2006/main" xmlns:r="http://schemas.openxmlformats.org/officeDocument/2006/relationships" xmlns:p="http://schemas.openxmlformats.org/presentationml/2006/main">
   <p:tag name="KSO_WM_DIAGRAM_VIRTUALLY_FRAME" val="{&quot;height&quot;:402.85,&quot;left&quot;:27.2,&quot;top&quot;:80.25,&quot;width&quot;:932.5600000000001}"/>
 </p:tagLst>
 </file>
 
 <file path=ppt/tags/tag6.xml><?xml version="1.0" encoding="utf-8"?>
-<p:tagLst xmlns:p="http://schemas.openxmlformats.org/presentationml/2006/main">
+<p:tagLst xmlns:a="http://schemas.openxmlformats.org/drawingml/2006/main" xmlns:r="http://schemas.openxmlformats.org/officeDocument/2006/relationships" xmlns:p="http://schemas.openxmlformats.org/presentationml/2006/main">
   <p:tag name="KSO_WM_DIAGRAM_VIRTUALLY_FRAME" val="{&quot;height&quot;:402.85,&quot;left&quot;:27.2,&quot;top&quot;:80.25,&quot;width&quot;:932.5600000000001}"/>
 </p:tagLst>
 </file>
@@ -11375,6 +12188,8 @@
       </a:bgFillStyleLst>
     </a:fmtScheme>
   </a:themeElements>
+  <a:objectDefaults/>
+  <a:extraClrSchemeLst/>
   <a:extLst>
     <a:ext uri="{05A4C25C-085E-4340-85A3-A5531E510DB2}">
       <thm15:themeFamily xmlns:thm15="http://schemas.microsoft.com/office/thememl/2012/main" name="Office Theme" id="{62F939B6-93AF-4DB8-9C6B-D6C7DFDC589F}" vid="{4A3C46E8-61CC-4603-A589-7422A47A8E4A}"/>
@@ -11634,6 +12449,8 @@
       </a:bgFillStyleLst>
     </a:fmtScheme>
   </a:themeElements>
+  <a:objectDefaults/>
+  <a:extraClrSchemeLst/>
   <a:extLst>
     <a:ext uri="{05A4C25C-085E-4340-85A3-A5531E510DB2}">
       <thm15:themeFamily xmlns:thm15="http://schemas.microsoft.com/office/thememl/2012/main" name="Office Theme" id="{62F939B6-93AF-4DB8-9C6B-D6C7DFDC589F}" vid="{4A3C46E8-61CC-4603-A589-7422A47A8E4A}"/>
